--- a/regularized-regression/ryan_henning/Cross-Validation & Regularization.pptx
+++ b/regularized-regression/ryan_henning/Cross-Validation & Regularization.pptx
@@ -51,16 +51,18 @@
     <p:sldId id="296" r:id="rId46"/>
     <p:sldId id="297" r:id="rId47"/>
     <p:sldId id="298" r:id="rId48"/>
+    <p:sldId id="299" r:id="rId49"/>
+    <p:sldId id="300" r:id="rId50"/>
   </p:sldIdLst>
   <p:sldSz cy="5143500" cx="9144000"/>
   <p:notesSz cx="6858000" cy="9144000"/>
   <p:embeddedFontLst>
     <p:embeddedFont>
       <p:font typeface="Roboto"/>
-      <p:regular r:id="rId49"/>
-      <p:bold r:id="rId50"/>
-      <p:italic r:id="rId51"/>
-      <p:boldItalic r:id="rId52"/>
+      <p:regular r:id="rId51"/>
+      <p:bold r:id="rId52"/>
+      <p:italic r:id="rId53"/>
+      <p:boldItalic r:id="rId54"/>
     </p:embeddedFont>
   </p:embeddedFontLst>
   <p:defaultTextStyle>
@@ -4169,7 +4171,7 @@
   <p:cSld>
     <p:spTree>
       <p:nvGrpSpPr>
-        <p:cNvPr id="414" name="Shape 414"/>
+        <p:cNvPr id="412" name="Shape 412"/>
         <p:cNvGrpSpPr/>
         <p:nvPr/>
       </p:nvGrpSpPr>
@@ -4183,7 +4185,7 @@
       </p:grpSpPr>
       <p:sp>
         <p:nvSpPr>
-          <p:cNvPr id="415" name="Shape 415"/>
+          <p:cNvPr id="413" name="Shape 413"/>
           <p:cNvSpPr/>
           <p:nvPr>
             <p:ph idx="2" type="sldImg"/>
@@ -4217,7 +4219,7 @@
       </p:sp>
       <p:sp>
         <p:nvSpPr>
-          <p:cNvPr id="416" name="Shape 416"/>
+          <p:cNvPr id="414" name="Shape 414"/>
           <p:cNvSpPr txBox="1"/>
           <p:nvPr>
             <p:ph idx="1" type="body"/>
@@ -4226,7 +4228,7 @@
         <p:spPr>
           <a:xfrm>
             <a:off x="685800" y="4343400"/>
-            <a:ext cx="5486399" cy="4114800"/>
+            <a:ext cx="5486400" cy="4114800"/>
           </a:xfrm>
           <a:prstGeom prst="rect">
             <a:avLst/>
@@ -4238,16 +4240,16 @@
           </a:bodyPr>
           <a:lstStyle/>
           <a:p>
-            <a:pPr lvl="0">
-              <a:spcBef>
-                <a:spcPts val="0"/>
-              </a:spcBef>
-              <a:buNone/>
-            </a:pPr>
-            <a:r>
-              <a:t/>
-            </a:r>
-            <a:endParaRPr/>
+            <a:pPr lvl="0" rtl="0">
+              <a:spcBef>
+                <a:spcPts val="0"/>
+              </a:spcBef>
+              <a:buNone/>
+            </a:pPr>
+            <a:r>
+              <a:rPr lang="en"/>
+              <a:t>Imaging a lab experiment where we have a bunch of test subjects some with a certain disease and some without. We collect 30k gene expressions for each subject. We can try to fit a predictive model over those 30k gene expressions, but it’d be awesome if our model didn’t actually need all 30k gene expressions. Fitting a lasso model could help us limit the number of gene expressions that need to be sampled in a clinic to test for this disease in the future -- if we had to use all 30k genes to test for this disease in a clinic, it would be too expensive -- it would be way better if it only needed, say, 5 genes.</a:t>
+            </a:r>
           </a:p>
         </p:txBody>
       </p:sp>
@@ -4313,6 +4315,196 @@
       <p:sp>
         <p:nvSpPr>
           <p:cNvPr id="422" name="Shape 422"/>
+          <p:cNvSpPr txBox="1"/>
+          <p:nvPr>
+            <p:ph idx="1" type="body"/>
+          </p:nvPr>
+        </p:nvSpPr>
+        <p:spPr>
+          <a:xfrm>
+            <a:off x="685800" y="4343400"/>
+            <a:ext cx="5486400" cy="4114800"/>
+          </a:xfrm>
+          <a:prstGeom prst="rect">
+            <a:avLst/>
+          </a:prstGeom>
+        </p:spPr>
+        <p:txBody>
+          <a:bodyPr anchorCtr="0" anchor="t" bIns="91425" lIns="91425" rIns="91425" tIns="91425">
+            <a:noAutofit/>
+          </a:bodyPr>
+          <a:lstStyle/>
+          <a:p>
+            <a:pPr lvl="0">
+              <a:spcBef>
+                <a:spcPts val="0"/>
+              </a:spcBef>
+              <a:buNone/>
+            </a:pPr>
+            <a:r>
+              <a:rPr lang="en"/>
+              <a:t>The perimeter of the square in LASSO shows equal regularization penalties. The Beta hat shows the optimal beta </a:t>
+            </a:r>
+          </a:p>
+        </p:txBody>
+      </p:sp>
+    </p:spTree>
+  </p:cSld>
+  <p:clrMapOvr>
+    <a:masterClrMapping/>
+  </p:clrMapOvr>
+</p:notes>
+</file>
+
+<file path=ppt/notesSlides/notesSlide44.xml><?xml version="1.0" encoding="utf-8"?>
+<p:notes xmlns:a="http://schemas.openxmlformats.org/drawingml/2006/main" xmlns:r="http://schemas.openxmlformats.org/officeDocument/2006/relationships" xmlns:mc="http://schemas.openxmlformats.org/markup-compatibility/2006" xmlns:mv="urn:schemas-microsoft-com:mac:vml" xmlns:p="http://schemas.openxmlformats.org/presentationml/2006/main" xmlns:c="http://schemas.openxmlformats.org/drawingml/2006/chart" xmlns:dgm="http://schemas.openxmlformats.org/drawingml/2006/diagram" xmlns:o="urn:schemas-microsoft-com:office:office" xmlns:v="urn:schemas-microsoft-com:vml" xmlns:pvml="urn:schemas-microsoft-com:office:powerpoint" xmlns:com="http://schemas.openxmlformats.org/drawingml/2006/compatibility" xmlns:p14="http://schemas.microsoft.com/office/powerpoint/2010/main" showMasterPhAnim="0" showMasterSp="0">
+  <p:cSld>
+    <p:spTree>
+      <p:nvGrpSpPr>
+        <p:cNvPr id="428" name="Shape 428"/>
+        <p:cNvGrpSpPr/>
+        <p:nvPr/>
+      </p:nvGrpSpPr>
+      <p:grpSpPr>
+        <a:xfrm>
+          <a:off x="0" y="0"/>
+          <a:ext cx="0" cy="0"/>
+          <a:chOff x="0" y="0"/>
+          <a:chExt cx="0" cy="0"/>
+        </a:xfrm>
+      </p:grpSpPr>
+      <p:sp>
+        <p:nvSpPr>
+          <p:cNvPr id="429" name="Shape 429"/>
+          <p:cNvSpPr/>
+          <p:nvPr>
+            <p:ph idx="2" type="sldImg"/>
+          </p:nvPr>
+        </p:nvSpPr>
+        <p:spPr>
+          <a:xfrm>
+            <a:off x="381300" y="685800"/>
+            <a:ext cx="6096000" cy="3429000"/>
+          </a:xfrm>
+          <a:custGeom>
+            <a:pathLst>
+              <a:path extrusionOk="0" h="120000" w="120000">
+                <a:moveTo>
+                  <a:pt x="0" y="0"/>
+                </a:moveTo>
+                <a:lnTo>
+                  <a:pt x="120000" y="0"/>
+                </a:lnTo>
+                <a:lnTo>
+                  <a:pt x="120000" y="120000"/>
+                </a:lnTo>
+                <a:lnTo>
+                  <a:pt x="0" y="120000"/>
+                </a:lnTo>
+                <a:close/>
+              </a:path>
+            </a:pathLst>
+          </a:custGeom>
+        </p:spPr>
+      </p:sp>
+      <p:sp>
+        <p:nvSpPr>
+          <p:cNvPr id="430" name="Shape 430"/>
+          <p:cNvSpPr txBox="1"/>
+          <p:nvPr>
+            <p:ph idx="1" type="body"/>
+          </p:nvPr>
+        </p:nvSpPr>
+        <p:spPr>
+          <a:xfrm>
+            <a:off x="685800" y="4343400"/>
+            <a:ext cx="5486399" cy="4114800"/>
+          </a:xfrm>
+          <a:prstGeom prst="rect">
+            <a:avLst/>
+          </a:prstGeom>
+        </p:spPr>
+        <p:txBody>
+          <a:bodyPr anchorCtr="0" anchor="t" bIns="91425" lIns="91425" rIns="91425" tIns="91425">
+            <a:noAutofit/>
+          </a:bodyPr>
+          <a:lstStyle/>
+          <a:p>
+            <a:pPr lvl="0">
+              <a:spcBef>
+                <a:spcPts val="0"/>
+              </a:spcBef>
+              <a:buNone/>
+            </a:pPr>
+            <a:r>
+              <a:t/>
+            </a:r>
+            <a:endParaRPr/>
+          </a:p>
+        </p:txBody>
+      </p:sp>
+    </p:spTree>
+  </p:cSld>
+  <p:clrMapOvr>
+    <a:masterClrMapping/>
+  </p:clrMapOvr>
+</p:notes>
+</file>
+
+<file path=ppt/notesSlides/notesSlide45.xml><?xml version="1.0" encoding="utf-8"?>
+<p:notes xmlns:a="http://schemas.openxmlformats.org/drawingml/2006/main" xmlns:r="http://schemas.openxmlformats.org/officeDocument/2006/relationships" xmlns:mc="http://schemas.openxmlformats.org/markup-compatibility/2006" xmlns:mv="urn:schemas-microsoft-com:mac:vml" xmlns:p="http://schemas.openxmlformats.org/presentationml/2006/main" xmlns:c="http://schemas.openxmlformats.org/drawingml/2006/chart" xmlns:dgm="http://schemas.openxmlformats.org/drawingml/2006/diagram" xmlns:o="urn:schemas-microsoft-com:office:office" xmlns:v="urn:schemas-microsoft-com:vml" xmlns:pvml="urn:schemas-microsoft-com:office:powerpoint" xmlns:com="http://schemas.openxmlformats.org/drawingml/2006/compatibility" xmlns:p14="http://schemas.microsoft.com/office/powerpoint/2010/main" showMasterPhAnim="0" showMasterSp="0">
+  <p:cSld>
+    <p:spTree>
+      <p:nvGrpSpPr>
+        <p:cNvPr id="434" name="Shape 434"/>
+        <p:cNvGrpSpPr/>
+        <p:nvPr/>
+      </p:nvGrpSpPr>
+      <p:grpSpPr>
+        <a:xfrm>
+          <a:off x="0" y="0"/>
+          <a:ext cx="0" cy="0"/>
+          <a:chOff x="0" y="0"/>
+          <a:chExt cx="0" cy="0"/>
+        </a:xfrm>
+      </p:grpSpPr>
+      <p:sp>
+        <p:nvSpPr>
+          <p:cNvPr id="435" name="Shape 435"/>
+          <p:cNvSpPr/>
+          <p:nvPr>
+            <p:ph idx="2" type="sldImg"/>
+          </p:nvPr>
+        </p:nvSpPr>
+        <p:spPr>
+          <a:xfrm>
+            <a:off x="381300" y="685800"/>
+            <a:ext cx="6096000" cy="3429000"/>
+          </a:xfrm>
+          <a:custGeom>
+            <a:pathLst>
+              <a:path extrusionOk="0" h="120000" w="120000">
+                <a:moveTo>
+                  <a:pt x="0" y="0"/>
+                </a:moveTo>
+                <a:lnTo>
+                  <a:pt x="120000" y="0"/>
+                </a:lnTo>
+                <a:lnTo>
+                  <a:pt x="120000" y="120000"/>
+                </a:lnTo>
+                <a:lnTo>
+                  <a:pt x="0" y="120000"/>
+                </a:lnTo>
+                <a:close/>
+              </a:path>
+            </a:pathLst>
+          </a:custGeom>
+        </p:spPr>
+      </p:sp>
+      <p:sp>
+        <p:nvSpPr>
+          <p:cNvPr id="436" name="Shape 436"/>
           <p:cNvSpPr txBox="1"/>
           <p:nvPr>
             <p:ph idx="1" type="body"/>
@@ -23711,71 +23903,14 @@
             </a:pPr>
             <a:r>
               <a:rPr lang="en"/>
-              <a:t>Ridge vs Lasso</a:t>
-            </a:r>
-          </a:p>
-        </p:txBody>
-      </p:sp>
-      <p:sp>
-        <p:nvSpPr>
-          <p:cNvPr id="411" name="Shape 411"/>
-          <p:cNvSpPr txBox="1"/>
-          <p:nvPr>
-            <p:ph idx="4294967295" type="body"/>
-          </p:nvPr>
-        </p:nvSpPr>
-        <p:spPr>
-          <a:xfrm>
-            <a:off x="1421775" y="718325"/>
-            <a:ext cx="6743099" cy="1129199"/>
-          </a:xfrm>
-          <a:prstGeom prst="rect">
-            <a:avLst/>
-          </a:prstGeom>
-        </p:spPr>
-        <p:txBody>
-          <a:bodyPr anchorCtr="0" anchor="t" bIns="91425" lIns="91425" rIns="91425" tIns="91425">
-            <a:noAutofit/>
-          </a:bodyPr>
-          <a:lstStyle/>
-          <a:p>
-            <a:pPr indent="-228600" lvl="0" marL="457200" rtl="0">
-              <a:spcBef>
-                <a:spcPts val="0"/>
-              </a:spcBef>
-            </a:pPr>
-            <a:r>
-              <a:rPr lang="en"/>
-              <a:t>Ridge forces parameters to be small + Ridge is computationally easier because it is differentiable</a:t>
-            </a:r>
-          </a:p>
-          <a:p>
-            <a:pPr indent="-228600" lvl="0" marL="457200" rtl="0">
-              <a:spcBef>
-                <a:spcPts val="0"/>
-              </a:spcBef>
-            </a:pPr>
-            <a:r>
-              <a:rPr lang="en"/>
-              <a:t>Lasso tends to set coefficients exactly equal to zero</a:t>
-            </a:r>
-          </a:p>
-          <a:p>
-            <a:pPr indent="-228600" lvl="1" marL="914400">
-              <a:spcBef>
-                <a:spcPts val="0"/>
-              </a:spcBef>
-            </a:pPr>
-            <a:r>
-              <a:rPr lang="en"/>
-              <a:t>This is useful as a sort-of “automatic feature selection” mechanism</a:t>
+              <a:t>Ridge vs LASSO</a:t>
             </a:r>
           </a:p>
         </p:txBody>
       </p:sp>
       <p:pic>
         <p:nvPicPr>
-          <p:cNvPr id="412" name="Shape 412"/>
+          <p:cNvPr id="411" name="Shape 411"/>
           <p:cNvPicPr preferRelativeResize="0"/>
           <p:nvPr/>
         </p:nvPicPr>
@@ -23789,8 +23924,8 @@
         </p:blipFill>
         <p:spPr>
           <a:xfrm>
-            <a:off x="2308238" y="2112525"/>
-            <a:ext cx="5616226" cy="2948525"/>
+            <a:off x="590375" y="797000"/>
+            <a:ext cx="7963252" cy="4180725"/>
           </a:xfrm>
           <a:prstGeom prst="rect">
             <a:avLst/>
@@ -23801,16 +23936,250 @@
           </a:ln>
         </p:spPr>
       </p:pic>
+    </p:spTree>
+  </p:cSld>
+  <p:clrMapOvr>
+    <a:masterClrMapping/>
+  </p:clrMapOvr>
+  <p:transition spd="slow">
+    <p:cut/>
+  </p:transition>
+  <p:timing>
+    <p:tnLst>
+      <p:par>
+        <p:cTn dur="indefinite" nodeType="tmRoot" restart="never">
+          <p:childTnLst>
+            <p:seq concurrent="1" nextAc="seek">
+              <p:cTn dur="indefinite" id="2" nodeType="mainSeq">
+                <p:childTnLst>
+                  <p:par>
+                    <p:cTn fill="hold">
+                      <p:stCondLst>
+                        <p:cond delay="indefinite"/>
+                      </p:stCondLst>
+                      <p:childTnLst>
+                        <p:par>
+                          <p:cTn fill="hold">
+                            <p:stCondLst>
+                              <p:cond delay="0"/>
+                            </p:stCondLst>
+                            <p:childTnLst>
+                              <p:par>
+                                <p:cTn fill="hold" nodeType="clickEffect" presetClass="entr" presetID="10" presetSubtype="0">
+                                  <p:stCondLst>
+                                    <p:cond delay="0"/>
+                                  </p:stCondLst>
+                                  <p:childTnLst>
+                                    <p:set>
+                                      <p:cBhvr>
+                                        <p:cTn dur="1" fill="hold">
+                                          <p:stCondLst>
+                                            <p:cond delay="0"/>
+                                          </p:stCondLst>
+                                        </p:cTn>
+                                        <p:tgtEl>
+                                          <p:spTgt spid="411"/>
+                                        </p:tgtEl>
+                                        <p:attrNameLst>
+                                          <p:attrName>style.visibility</p:attrName>
+                                        </p:attrNameLst>
+                                      </p:cBhvr>
+                                      <p:to>
+                                        <p:strVal val="visible"/>
+                                      </p:to>
+                                    </p:set>
+                                    <p:animEffect filter="fade" transition="in">
+                                      <p:cBhvr>
+                                        <p:cTn dur="1000"/>
+                                        <p:tgtEl>
+                                          <p:spTgt spid="411"/>
+                                        </p:tgtEl>
+                                      </p:cBhvr>
+                                    </p:animEffect>
+                                  </p:childTnLst>
+                                </p:cTn>
+                              </p:par>
+                            </p:childTnLst>
+                          </p:cTn>
+                        </p:par>
+                      </p:childTnLst>
+                    </p:cTn>
+                  </p:par>
+                </p:childTnLst>
+              </p:cTn>
+              <p:prevCondLst>
+                <p:cond evt="onPrev">
+                  <p:tgtEl>
+                    <p:sldTgt/>
+                  </p:tgtEl>
+                </p:cond>
+              </p:prevCondLst>
+              <p:nextCondLst>
+                <p:cond evt="onNext">
+                  <p:tgtEl>
+                    <p:sldTgt/>
+                  </p:tgtEl>
+                </p:cond>
+              </p:nextCondLst>
+            </p:seq>
+          </p:childTnLst>
+        </p:cTn>
+      </p:par>
+    </p:tnLst>
+  </p:timing>
+</p:sld>
+</file>
+
+<file path=ppt/slides/slide42.xml><?xml version="1.0" encoding="utf-8"?>
+<p:sld xmlns:a="http://schemas.openxmlformats.org/drawingml/2006/main" xmlns:r="http://schemas.openxmlformats.org/officeDocument/2006/relationships" xmlns:mc="http://schemas.openxmlformats.org/markup-compatibility/2006" xmlns:mv="urn:schemas-microsoft-com:mac:vml" xmlns:p="http://schemas.openxmlformats.org/presentationml/2006/main" xmlns:c="http://schemas.openxmlformats.org/drawingml/2006/chart" xmlns:dgm="http://schemas.openxmlformats.org/drawingml/2006/diagram" xmlns:o="urn:schemas-microsoft-com:office:office" xmlns:v="urn:schemas-microsoft-com:vml" xmlns:pvml="urn:schemas-microsoft-com:office:powerpoint" xmlns:com="http://schemas.openxmlformats.org/drawingml/2006/compatibility" xmlns:p14="http://schemas.microsoft.com/office/powerpoint/2010/main">
+  <p:cSld>
+    <p:spTree>
+      <p:nvGrpSpPr>
+        <p:cNvPr id="415" name="Shape 415"/>
+        <p:cNvGrpSpPr/>
+        <p:nvPr/>
+      </p:nvGrpSpPr>
+      <p:grpSpPr>
+        <a:xfrm>
+          <a:off x="0" y="0"/>
+          <a:ext cx="0" cy="0"/>
+          <a:chOff x="0" y="0"/>
+          <a:chExt cx="0" cy="0"/>
+        </a:xfrm>
+      </p:grpSpPr>
       <p:sp>
         <p:nvSpPr>
-          <p:cNvPr id="413" name="Shape 413"/>
+          <p:cNvPr id="416" name="Shape 416"/>
           <p:cNvSpPr txBox="1"/>
+          <p:nvPr>
+            <p:ph type="title"/>
+          </p:nvPr>
+        </p:nvSpPr>
+        <p:spPr>
+          <a:xfrm>
+            <a:off x="98250" y="16350"/>
+            <a:ext cx="8826600" cy="602700"/>
+          </a:xfrm>
+          <a:prstGeom prst="rect">
+            <a:avLst/>
+          </a:prstGeom>
+        </p:spPr>
+        <p:txBody>
+          <a:bodyPr anchorCtr="0" anchor="ctr" bIns="91425" lIns="91425" rIns="91425" tIns="91425">
+            <a:noAutofit/>
+          </a:bodyPr>
+          <a:lstStyle/>
+          <a:p>
+            <a:pPr lvl="0" rtl="0">
+              <a:spcBef>
+                <a:spcPts val="0"/>
+              </a:spcBef>
+              <a:buNone/>
+            </a:pPr>
+            <a:r>
+              <a:rPr lang="en"/>
+              <a:t>Ridge vs LASSO</a:t>
+            </a:r>
+          </a:p>
+        </p:txBody>
+      </p:sp>
+      <p:sp>
+        <p:nvSpPr>
+          <p:cNvPr id="417" name="Shape 417"/>
+          <p:cNvSpPr txBox="1"/>
+          <p:nvPr>
+            <p:ph idx="4294967295" type="body"/>
+          </p:nvPr>
+        </p:nvSpPr>
+        <p:spPr>
+          <a:xfrm>
+            <a:off x="1421775" y="718325"/>
+            <a:ext cx="6743100" cy="1797000"/>
+          </a:xfrm>
+          <a:prstGeom prst="rect">
+            <a:avLst/>
+          </a:prstGeom>
+        </p:spPr>
+        <p:txBody>
+          <a:bodyPr anchorCtr="0" anchor="t" bIns="91425" lIns="91425" rIns="91425" tIns="91425">
+            <a:noAutofit/>
+          </a:bodyPr>
+          <a:lstStyle/>
+          <a:p>
+            <a:pPr indent="-228600" lvl="0" marL="457200" rtl="0">
+              <a:spcBef>
+                <a:spcPts val="0"/>
+              </a:spcBef>
+            </a:pPr>
+            <a:r>
+              <a:rPr lang="en"/>
+              <a:t>Ridge forces parameters to be small + Ridge is computationally easier because it is differentiable</a:t>
+            </a:r>
+          </a:p>
+          <a:p>
+            <a:pPr indent="-228600" lvl="0" marL="457200" rtl="0">
+              <a:spcBef>
+                <a:spcPts val="0"/>
+              </a:spcBef>
+            </a:pPr>
+            <a:r>
+              <a:rPr lang="en"/>
+              <a:t>Lasso tends to set coefficients exactly equal to zero</a:t>
+            </a:r>
+          </a:p>
+          <a:p>
+            <a:pPr indent="-228600" lvl="1" marL="914400" rtl="0">
+              <a:spcBef>
+                <a:spcPts val="0"/>
+              </a:spcBef>
+            </a:pPr>
+            <a:r>
+              <a:rPr lang="en"/>
+              <a:t>This is useful as a sort-of “automatic feature selection” mechanism, </a:t>
+            </a:r>
+          </a:p>
+          <a:p>
+            <a:pPr indent="-228600" lvl="1" marL="914400" rtl="0">
+              <a:spcBef>
+                <a:spcPts val="0"/>
+              </a:spcBef>
+            </a:pPr>
+            <a:r>
+              <a:rPr lang="en"/>
+              <a:t>leads to “sparse” models, and </a:t>
+            </a:r>
+          </a:p>
+          <a:p>
+            <a:pPr indent="-228600" lvl="1" marL="914400" rtl="0">
+              <a:spcBef>
+                <a:spcPts val="0"/>
+              </a:spcBef>
+            </a:pPr>
+            <a:r>
+              <a:rPr lang="en"/>
+              <a:t>serves a similar purpose to stepwise features selection</a:t>
+            </a:r>
+          </a:p>
+        </p:txBody>
+      </p:sp>
+      <p:pic>
+        <p:nvPicPr>
+          <p:cNvPr id="418" name="Shape 418"/>
+          <p:cNvPicPr preferRelativeResize="0"/>
           <p:nvPr/>
-        </p:nvSpPr>
-        <p:spPr>
-          <a:xfrm>
-            <a:off x="324075" y="2927200"/>
-            <a:ext cx="1463699" cy="836400"/>
+        </p:nvPicPr>
+        <p:blipFill>
+          <a:blip r:embed="rId3">
+            <a:alphaModFix/>
+          </a:blip>
+          <a:stretch>
+            <a:fillRect/>
+          </a:stretch>
+        </p:blipFill>
+        <p:spPr>
+          <a:xfrm>
+            <a:off x="3500309" y="2550879"/>
+            <a:ext cx="4831987" cy="2536800"/>
           </a:xfrm>
           <a:prstGeom prst="rect">
             <a:avLst/>
@@ -23820,13 +24189,33 @@
             <a:noFill/>
           </a:ln>
         </p:spPr>
+      </p:pic>
+      <p:sp>
+        <p:nvSpPr>
+          <p:cNvPr id="419" name="Shape 419"/>
+          <p:cNvSpPr txBox="1"/>
+          <p:nvPr/>
+        </p:nvSpPr>
+        <p:spPr>
+          <a:xfrm>
+            <a:off x="342950" y="2550875"/>
+            <a:ext cx="1463700" cy="2400900"/>
+          </a:xfrm>
+          <a:prstGeom prst="rect">
+            <a:avLst/>
+          </a:prstGeom>
+          <a:noFill/>
+          <a:ln>
+            <a:noFill/>
+          </a:ln>
+        </p:spPr>
         <p:txBody>
           <a:bodyPr anchorCtr="0" anchor="t" bIns="91425" lIns="91425" rIns="91425" tIns="91425">
             <a:noAutofit/>
           </a:bodyPr>
           <a:lstStyle/>
           <a:p>
-            <a:pPr lvl="0" algn="ctr">
+            <a:pPr lvl="0" rtl="0" algn="ctr">
               <a:spcBef>
                 <a:spcPts val="0"/>
               </a:spcBef>
@@ -23839,6 +24228,38 @@
                 </a:solidFill>
               </a:rPr>
               <a:t>Which is better depends on your dataset!</a:t>
+            </a:r>
+          </a:p>
+          <a:p>
+            <a:pPr lvl="0" rtl="0" algn="ctr">
+              <a:spcBef>
+                <a:spcPts val="0"/>
+              </a:spcBef>
+              <a:buNone/>
+            </a:pPr>
+            <a:r>
+              <a:t/>
+            </a:r>
+            <a:endParaRPr>
+              <a:solidFill>
+                <a:srgbClr val="CC4125"/>
+              </a:solidFill>
+            </a:endParaRPr>
+          </a:p>
+          <a:p>
+            <a:pPr lvl="0" rtl="0" algn="ctr">
+              <a:spcBef>
+                <a:spcPts val="0"/>
+              </a:spcBef>
+              <a:buNone/>
+            </a:pPr>
+            <a:r>
+              <a:rPr lang="en">
+                <a:solidFill>
+                  <a:srgbClr val="CC4125"/>
+                </a:solidFill>
+              </a:rPr>
+              <a:t>True sparse models will benefit from lasso; true dense models will benefit from ridge.</a:t>
             </a:r>
           </a:p>
         </p:txBody>
@@ -23885,7 +24306,7 @@
                                           </p:stCondLst>
                                         </p:cTn>
                                         <p:tgtEl>
-                                          <p:spTgt spid="412"/>
+                                          <p:spTgt spid="418"/>
                                         </p:tgtEl>
                                         <p:attrNameLst>
                                           <p:attrName>style.visibility</p:attrName>
@@ -23899,7 +24320,7 @@
                                       <p:cBhvr>
                                         <p:cTn dur="1000"/>
                                         <p:tgtEl>
-                                          <p:spTgt spid="412"/>
+                                          <p:spTgt spid="418"/>
                                         </p:tgtEl>
                                       </p:cBhvr>
                                     </p:animEffect>
@@ -23938,7 +24359,7 @@
                                           </p:stCondLst>
                                         </p:cTn>
                                         <p:tgtEl>
-                                          <p:spTgt spid="413"/>
+                                          <p:spTgt spid="419"/>
                                         </p:tgtEl>
                                         <p:attrNameLst>
                                           <p:attrName>style.visibility</p:attrName>
@@ -23952,7 +24373,7 @@
                                       <p:cBhvr>
                                         <p:cTn dur="1000"/>
                                         <p:tgtEl>
-                                          <p:spTgt spid="413"/>
+                                          <p:spTgt spid="419"/>
                                         </p:tgtEl>
                                       </p:cBhvr>
                                     </p:animEffect>
@@ -23990,98 +24411,6 @@
 </p:sld>
 </file>
 
-<file path=ppt/slides/slide42.xml><?xml version="1.0" encoding="utf-8"?>
-<p:sld xmlns:a="http://schemas.openxmlformats.org/drawingml/2006/main" xmlns:r="http://schemas.openxmlformats.org/officeDocument/2006/relationships" xmlns:mc="http://schemas.openxmlformats.org/markup-compatibility/2006" xmlns:mv="urn:schemas-microsoft-com:mac:vml" xmlns:p="http://schemas.openxmlformats.org/presentationml/2006/main" xmlns:c="http://schemas.openxmlformats.org/drawingml/2006/chart" xmlns:dgm="http://schemas.openxmlformats.org/drawingml/2006/diagram" xmlns:o="urn:schemas-microsoft-com:office:office" xmlns:v="urn:schemas-microsoft-com:vml" xmlns:pvml="urn:schemas-microsoft-com:office:powerpoint" xmlns:com="http://schemas.openxmlformats.org/drawingml/2006/compatibility" xmlns:p14="http://schemas.microsoft.com/office/powerpoint/2010/main">
-  <p:cSld>
-    <p:spTree>
-      <p:nvGrpSpPr>
-        <p:cNvPr id="417" name="Shape 417"/>
-        <p:cNvGrpSpPr/>
-        <p:nvPr/>
-      </p:nvGrpSpPr>
-      <p:grpSpPr>
-        <a:xfrm>
-          <a:off x="0" y="0"/>
-          <a:ext cx="0" cy="0"/>
-          <a:chOff x="0" y="0"/>
-          <a:chExt cx="0" cy="0"/>
-        </a:xfrm>
-      </p:grpSpPr>
-      <p:sp>
-        <p:nvSpPr>
-          <p:cNvPr id="418" name="Shape 418"/>
-          <p:cNvSpPr txBox="1"/>
-          <p:nvPr>
-            <p:ph type="title"/>
-          </p:nvPr>
-        </p:nvSpPr>
-        <p:spPr>
-          <a:xfrm>
-            <a:off x="98250" y="16350"/>
-            <a:ext cx="8826599" cy="602700"/>
-          </a:xfrm>
-          <a:prstGeom prst="rect">
-            <a:avLst/>
-          </a:prstGeom>
-        </p:spPr>
-        <p:txBody>
-          <a:bodyPr anchorCtr="0" anchor="ctr" bIns="91425" lIns="91425" rIns="91425" tIns="91425">
-            <a:noAutofit/>
-          </a:bodyPr>
-          <a:lstStyle/>
-          <a:p>
-            <a:pPr lvl="0">
-              <a:spcBef>
-                <a:spcPts val="0"/>
-              </a:spcBef>
-              <a:buNone/>
-            </a:pPr>
-            <a:r>
-              <a:rPr lang="en"/>
-              <a:t>Chose lambda via Cross-Validation</a:t>
-            </a:r>
-          </a:p>
-        </p:txBody>
-      </p:sp>
-      <p:pic>
-        <p:nvPicPr>
-          <p:cNvPr id="419" name="Shape 419"/>
-          <p:cNvPicPr preferRelativeResize="0"/>
-          <p:nvPr/>
-        </p:nvPicPr>
-        <p:blipFill>
-          <a:blip r:embed="rId3">
-            <a:alphaModFix/>
-          </a:blip>
-          <a:stretch>
-            <a:fillRect/>
-          </a:stretch>
-        </p:blipFill>
-        <p:spPr>
-          <a:xfrm>
-            <a:off x="2265937" y="747250"/>
-            <a:ext cx="4612124" cy="4262599"/>
-          </a:xfrm>
-          <a:prstGeom prst="rect">
-            <a:avLst/>
-          </a:prstGeom>
-          <a:noFill/>
-          <a:ln>
-            <a:noFill/>
-          </a:ln>
-        </p:spPr>
-      </p:pic>
-    </p:spTree>
-  </p:cSld>
-  <p:clrMapOvr>
-    <a:masterClrMapping/>
-  </p:clrMapOvr>
-  <p:transition spd="slow">
-    <p:cut/>
-  </p:transition>
-</p:sld>
-</file>
-
 <file path=ppt/slides/slide43.xml><?xml version="1.0" encoding="utf-8"?>
 <p:sld xmlns:a="http://schemas.openxmlformats.org/drawingml/2006/main" xmlns:r="http://schemas.openxmlformats.org/officeDocument/2006/relationships" xmlns:mc="http://schemas.openxmlformats.org/markup-compatibility/2006" xmlns:mv="urn:schemas-microsoft-com:mac:vml" xmlns:p="http://schemas.openxmlformats.org/presentationml/2006/main" xmlns:c="http://schemas.openxmlformats.org/drawingml/2006/chart" xmlns:dgm="http://schemas.openxmlformats.org/drawingml/2006/diagram" xmlns:o="urn:schemas-microsoft-com:office:office" xmlns:v="urn:schemas-microsoft-com:vml" xmlns:pvml="urn:schemas-microsoft-com:office:powerpoint" xmlns:com="http://schemas.openxmlformats.org/drawingml/2006/compatibility" xmlns:p14="http://schemas.microsoft.com/office/powerpoint/2010/main">
   <p:cSld>
@@ -24109,6 +24438,266 @@
         </p:nvSpPr>
         <p:spPr>
           <a:xfrm>
+            <a:off x="98250" y="16350"/>
+            <a:ext cx="8826600" cy="602700"/>
+          </a:xfrm>
+          <a:prstGeom prst="rect">
+            <a:avLst/>
+          </a:prstGeom>
+        </p:spPr>
+        <p:txBody>
+          <a:bodyPr anchorCtr="0" anchor="ctr" bIns="91425" lIns="91425" rIns="91425" tIns="91425">
+            <a:noAutofit/>
+          </a:bodyPr>
+          <a:lstStyle/>
+          <a:p>
+            <a:pPr lvl="0">
+              <a:spcBef>
+                <a:spcPts val="0"/>
+              </a:spcBef>
+              <a:buNone/>
+            </a:pPr>
+            <a:r>
+              <a:rPr lang="en"/>
+              <a:t>Ridge vs LASSO</a:t>
+            </a:r>
+          </a:p>
+        </p:txBody>
+      </p:sp>
+      <p:pic>
+        <p:nvPicPr>
+          <p:cNvPr id="425" name="Shape 425"/>
+          <p:cNvPicPr preferRelativeResize="0"/>
+          <p:nvPr/>
+        </p:nvPicPr>
+        <p:blipFill>
+          <a:blip r:embed="rId3">
+            <a:alphaModFix/>
+          </a:blip>
+          <a:stretch>
+            <a:fillRect/>
+          </a:stretch>
+        </p:blipFill>
+        <p:spPr>
+          <a:xfrm>
+            <a:off x="1392375" y="1163800"/>
+            <a:ext cx="6359226" cy="3603349"/>
+          </a:xfrm>
+          <a:prstGeom prst="rect">
+            <a:avLst/>
+          </a:prstGeom>
+          <a:noFill/>
+          <a:ln>
+            <a:noFill/>
+          </a:ln>
+        </p:spPr>
+      </p:pic>
+      <p:sp>
+        <p:nvSpPr>
+          <p:cNvPr id="426" name="Shape 426"/>
+          <p:cNvSpPr txBox="1"/>
+          <p:nvPr/>
+        </p:nvSpPr>
+        <p:spPr>
+          <a:xfrm>
+            <a:off x="1578600" y="1651775"/>
+            <a:ext cx="1087200" cy="428700"/>
+          </a:xfrm>
+          <a:prstGeom prst="rect">
+            <a:avLst/>
+          </a:prstGeom>
+          <a:noFill/>
+          <a:ln>
+            <a:noFill/>
+          </a:ln>
+        </p:spPr>
+        <p:txBody>
+          <a:bodyPr anchorCtr="0" anchor="t" bIns="91425" lIns="91425" rIns="91425" tIns="91425">
+            <a:noAutofit/>
+          </a:bodyPr>
+          <a:lstStyle/>
+          <a:p>
+            <a:pPr lvl="0">
+              <a:spcBef>
+                <a:spcPts val="0"/>
+              </a:spcBef>
+              <a:buNone/>
+            </a:pPr>
+            <a:r>
+              <a:rPr lang="en" sz="1800"/>
+              <a:t>LASSO</a:t>
+            </a:r>
+          </a:p>
+        </p:txBody>
+      </p:sp>
+      <p:sp>
+        <p:nvSpPr>
+          <p:cNvPr id="427" name="Shape 427"/>
+          <p:cNvSpPr txBox="1"/>
+          <p:nvPr/>
+        </p:nvSpPr>
+        <p:spPr>
+          <a:xfrm>
+            <a:off x="4752275" y="1651775"/>
+            <a:ext cx="1087200" cy="428700"/>
+          </a:xfrm>
+          <a:prstGeom prst="rect">
+            <a:avLst/>
+          </a:prstGeom>
+          <a:noFill/>
+          <a:ln>
+            <a:noFill/>
+          </a:ln>
+        </p:spPr>
+        <p:txBody>
+          <a:bodyPr anchorCtr="0" anchor="t" bIns="91425" lIns="91425" rIns="91425" tIns="91425">
+            <a:noAutofit/>
+          </a:bodyPr>
+          <a:lstStyle/>
+          <a:p>
+            <a:pPr lvl="0" rtl="0">
+              <a:spcBef>
+                <a:spcPts val="0"/>
+              </a:spcBef>
+              <a:buNone/>
+            </a:pPr>
+            <a:r>
+              <a:rPr lang="en" sz="1800"/>
+              <a:t>Ridge</a:t>
+            </a:r>
+          </a:p>
+        </p:txBody>
+      </p:sp>
+    </p:spTree>
+  </p:cSld>
+  <p:clrMapOvr>
+    <a:masterClrMapping/>
+  </p:clrMapOvr>
+  <p:transition spd="slow">
+    <p:cut/>
+  </p:transition>
+</p:sld>
+</file>
+
+<file path=ppt/slides/slide44.xml><?xml version="1.0" encoding="utf-8"?>
+<p:sld xmlns:a="http://schemas.openxmlformats.org/drawingml/2006/main" xmlns:r="http://schemas.openxmlformats.org/officeDocument/2006/relationships" xmlns:mc="http://schemas.openxmlformats.org/markup-compatibility/2006" xmlns:mv="urn:schemas-microsoft-com:mac:vml" xmlns:p="http://schemas.openxmlformats.org/presentationml/2006/main" xmlns:c="http://schemas.openxmlformats.org/drawingml/2006/chart" xmlns:dgm="http://schemas.openxmlformats.org/drawingml/2006/diagram" xmlns:o="urn:schemas-microsoft-com:office:office" xmlns:v="urn:schemas-microsoft-com:vml" xmlns:pvml="urn:schemas-microsoft-com:office:powerpoint" xmlns:com="http://schemas.openxmlformats.org/drawingml/2006/compatibility" xmlns:p14="http://schemas.microsoft.com/office/powerpoint/2010/main">
+  <p:cSld>
+    <p:spTree>
+      <p:nvGrpSpPr>
+        <p:cNvPr id="431" name="Shape 431"/>
+        <p:cNvGrpSpPr/>
+        <p:nvPr/>
+      </p:nvGrpSpPr>
+      <p:grpSpPr>
+        <a:xfrm>
+          <a:off x="0" y="0"/>
+          <a:ext cx="0" cy="0"/>
+          <a:chOff x="0" y="0"/>
+          <a:chExt cx="0" cy="0"/>
+        </a:xfrm>
+      </p:grpSpPr>
+      <p:sp>
+        <p:nvSpPr>
+          <p:cNvPr id="432" name="Shape 432"/>
+          <p:cNvSpPr txBox="1"/>
+          <p:nvPr>
+            <p:ph type="title"/>
+          </p:nvPr>
+        </p:nvSpPr>
+        <p:spPr>
+          <a:xfrm>
+            <a:off x="98250" y="16350"/>
+            <a:ext cx="8826599" cy="602700"/>
+          </a:xfrm>
+          <a:prstGeom prst="rect">
+            <a:avLst/>
+          </a:prstGeom>
+        </p:spPr>
+        <p:txBody>
+          <a:bodyPr anchorCtr="0" anchor="ctr" bIns="91425" lIns="91425" rIns="91425" tIns="91425">
+            <a:noAutofit/>
+          </a:bodyPr>
+          <a:lstStyle/>
+          <a:p>
+            <a:pPr lvl="0">
+              <a:spcBef>
+                <a:spcPts val="0"/>
+              </a:spcBef>
+              <a:buNone/>
+            </a:pPr>
+            <a:r>
+              <a:rPr lang="en"/>
+              <a:t>Chose lambda via Cross-Validation</a:t>
+            </a:r>
+          </a:p>
+        </p:txBody>
+      </p:sp>
+      <p:pic>
+        <p:nvPicPr>
+          <p:cNvPr id="433" name="Shape 433"/>
+          <p:cNvPicPr preferRelativeResize="0"/>
+          <p:nvPr/>
+        </p:nvPicPr>
+        <p:blipFill>
+          <a:blip r:embed="rId3">
+            <a:alphaModFix/>
+          </a:blip>
+          <a:stretch>
+            <a:fillRect/>
+          </a:stretch>
+        </p:blipFill>
+        <p:spPr>
+          <a:xfrm>
+            <a:off x="2265937" y="747250"/>
+            <a:ext cx="4612124" cy="4262599"/>
+          </a:xfrm>
+          <a:prstGeom prst="rect">
+            <a:avLst/>
+          </a:prstGeom>
+          <a:noFill/>
+          <a:ln>
+            <a:noFill/>
+          </a:ln>
+        </p:spPr>
+      </p:pic>
+    </p:spTree>
+  </p:cSld>
+  <p:clrMapOvr>
+    <a:masterClrMapping/>
+  </p:clrMapOvr>
+  <p:transition spd="slow">
+    <p:cut/>
+  </p:transition>
+</p:sld>
+</file>
+
+<file path=ppt/slides/slide45.xml><?xml version="1.0" encoding="utf-8"?>
+<p:sld xmlns:a="http://schemas.openxmlformats.org/drawingml/2006/main" xmlns:r="http://schemas.openxmlformats.org/officeDocument/2006/relationships" xmlns:mc="http://schemas.openxmlformats.org/markup-compatibility/2006" xmlns:mv="urn:schemas-microsoft-com:mac:vml" xmlns:p="http://schemas.openxmlformats.org/presentationml/2006/main" xmlns:c="http://schemas.openxmlformats.org/drawingml/2006/chart" xmlns:dgm="http://schemas.openxmlformats.org/drawingml/2006/diagram" xmlns:o="urn:schemas-microsoft-com:office:office" xmlns:v="urn:schemas-microsoft-com:vml" xmlns:pvml="urn:schemas-microsoft-com:office:powerpoint" xmlns:com="http://schemas.openxmlformats.org/drawingml/2006/compatibility" xmlns:p14="http://schemas.microsoft.com/office/powerpoint/2010/main">
+  <p:cSld>
+    <p:spTree>
+      <p:nvGrpSpPr>
+        <p:cNvPr id="437" name="Shape 437"/>
+        <p:cNvGrpSpPr/>
+        <p:nvPr/>
+      </p:nvGrpSpPr>
+      <p:grpSpPr>
+        <a:xfrm>
+          <a:off x="0" y="0"/>
+          <a:ext cx="0" cy="0"/>
+          <a:chOff x="0" y="0"/>
+          <a:chExt cx="0" cy="0"/>
+        </a:xfrm>
+      </p:grpSpPr>
+      <p:sp>
+        <p:nvSpPr>
+          <p:cNvPr id="438" name="Shape 438"/>
+          <p:cNvSpPr txBox="1"/>
+          <p:nvPr>
+            <p:ph type="title"/>
+          </p:nvPr>
+        </p:nvSpPr>
+        <p:spPr>
+          <a:xfrm>
             <a:off x="471900" y="738725"/>
             <a:ext cx="8222100" cy="767699"/>
           </a:xfrm>
@@ -24137,7 +24726,7 @@
       </p:sp>
       <p:sp>
         <p:nvSpPr>
-          <p:cNvPr id="425" name="Shape 425"/>
+          <p:cNvPr id="439" name="Shape 439"/>
           <p:cNvSpPr txBox="1"/>
           <p:nvPr>
             <p:ph idx="1" type="body"/>

--- a/regularized-regression/ryan_henning/Cross-Validation & Regularization.pptx
+++ b/regularized-regression/ryan_henning/Cross-Validation & Regularization.pptx
@@ -534,7 +534,7 @@
   <p:cSld>
     <p:spTree>
       <p:nvGrpSpPr>
-        <p:cNvPr id="152" name="Shape 152"/>
+        <p:cNvPr id="151" name="Shape 151"/>
         <p:cNvGrpSpPr/>
         <p:nvPr/>
       </p:nvGrpSpPr>
@@ -548,7 +548,7 @@
       </p:grpSpPr>
       <p:sp>
         <p:nvSpPr>
-          <p:cNvPr id="153" name="Shape 153"/>
+          <p:cNvPr id="152" name="Shape 152"/>
           <p:cNvSpPr/>
           <p:nvPr>
             <p:ph idx="2" type="sldImg"/>
@@ -582,7 +582,7 @@
       </p:sp>
       <p:sp>
         <p:nvSpPr>
-          <p:cNvPr id="154" name="Shape 154"/>
+          <p:cNvPr id="153" name="Shape 153"/>
           <p:cNvSpPr txBox="1"/>
           <p:nvPr>
             <p:ph idx="1" type="body"/>
@@ -677,7 +677,7 @@
   <p:cSld>
     <p:spTree>
       <p:nvGrpSpPr>
-        <p:cNvPr id="161" name="Shape 161"/>
+        <p:cNvPr id="160" name="Shape 160"/>
         <p:cNvGrpSpPr/>
         <p:nvPr/>
       </p:nvGrpSpPr>
@@ -691,7 +691,7 @@
       </p:grpSpPr>
       <p:sp>
         <p:nvSpPr>
-          <p:cNvPr id="162" name="Shape 162"/>
+          <p:cNvPr id="161" name="Shape 161"/>
           <p:cNvSpPr/>
           <p:nvPr>
             <p:ph idx="2" type="sldImg"/>
@@ -725,7 +725,7 @@
       </p:sp>
       <p:sp>
         <p:nvSpPr>
-          <p:cNvPr id="163" name="Shape 163"/>
+          <p:cNvPr id="162" name="Shape 162"/>
           <p:cNvSpPr txBox="1"/>
           <p:nvPr>
             <p:ph idx="1" type="body"/>
@@ -796,7 +796,7 @@
   <p:cSld>
     <p:spTree>
       <p:nvGrpSpPr>
-        <p:cNvPr id="176" name="Shape 176"/>
+        <p:cNvPr id="175" name="Shape 175"/>
         <p:cNvGrpSpPr/>
         <p:nvPr/>
       </p:nvGrpSpPr>
@@ -810,7 +810,7 @@
       </p:grpSpPr>
       <p:sp>
         <p:nvSpPr>
-          <p:cNvPr id="177" name="Shape 177"/>
+          <p:cNvPr id="176" name="Shape 176"/>
           <p:cNvSpPr/>
           <p:nvPr>
             <p:ph idx="2" type="sldImg"/>
@@ -844,7 +844,7 @@
       </p:sp>
       <p:sp>
         <p:nvSpPr>
-          <p:cNvPr id="178" name="Shape 178"/>
+          <p:cNvPr id="177" name="Shape 177"/>
           <p:cNvSpPr txBox="1"/>
           <p:nvPr>
             <p:ph idx="1" type="body"/>
@@ -891,7 +891,7 @@
   <p:cSld>
     <p:spTree>
       <p:nvGrpSpPr>
-        <p:cNvPr id="184" name="Shape 184"/>
+        <p:cNvPr id="183" name="Shape 183"/>
         <p:cNvGrpSpPr/>
         <p:nvPr/>
       </p:nvGrpSpPr>
@@ -905,7 +905,7 @@
       </p:grpSpPr>
       <p:sp>
         <p:nvSpPr>
-          <p:cNvPr id="185" name="Shape 185"/>
+          <p:cNvPr id="184" name="Shape 184"/>
           <p:cNvSpPr/>
           <p:nvPr>
             <p:ph idx="2" type="sldImg"/>
@@ -939,7 +939,7 @@
       </p:sp>
       <p:sp>
         <p:nvSpPr>
-          <p:cNvPr id="186" name="Shape 186"/>
+          <p:cNvPr id="185" name="Shape 185"/>
           <p:cNvSpPr txBox="1"/>
           <p:nvPr>
             <p:ph idx="1" type="body"/>
@@ -986,7 +986,7 @@
   <p:cSld>
     <p:spTree>
       <p:nvGrpSpPr>
-        <p:cNvPr id="199" name="Shape 199"/>
+        <p:cNvPr id="198" name="Shape 198"/>
         <p:cNvGrpSpPr/>
         <p:nvPr/>
       </p:nvGrpSpPr>
@@ -1000,7 +1000,7 @@
       </p:grpSpPr>
       <p:sp>
         <p:nvSpPr>
-          <p:cNvPr id="200" name="Shape 200"/>
+          <p:cNvPr id="199" name="Shape 199"/>
           <p:cNvSpPr/>
           <p:nvPr>
             <p:ph idx="2" type="sldImg"/>
@@ -1034,7 +1034,7 @@
       </p:sp>
       <p:sp>
         <p:nvSpPr>
-          <p:cNvPr id="201" name="Shape 201"/>
+          <p:cNvPr id="200" name="Shape 200"/>
           <p:cNvSpPr txBox="1"/>
           <p:nvPr>
             <p:ph idx="1" type="body"/>
@@ -1081,7 +1081,7 @@
   <p:cSld>
     <p:spTree>
       <p:nvGrpSpPr>
-        <p:cNvPr id="205" name="Shape 205"/>
+        <p:cNvPr id="204" name="Shape 204"/>
         <p:cNvGrpSpPr/>
         <p:nvPr/>
       </p:nvGrpSpPr>
@@ -1095,7 +1095,7 @@
       </p:grpSpPr>
       <p:sp>
         <p:nvSpPr>
-          <p:cNvPr id="206" name="Shape 206"/>
+          <p:cNvPr id="205" name="Shape 205"/>
           <p:cNvSpPr/>
           <p:nvPr>
             <p:ph idx="2" type="sldImg"/>
@@ -1129,7 +1129,7 @@
       </p:sp>
       <p:sp>
         <p:nvSpPr>
-          <p:cNvPr id="207" name="Shape 207"/>
+          <p:cNvPr id="206" name="Shape 206"/>
           <p:cNvSpPr txBox="1"/>
           <p:nvPr>
             <p:ph idx="1" type="body"/>
@@ -1176,7 +1176,7 @@
   <p:cSld>
     <p:spTree>
       <p:nvGrpSpPr>
-        <p:cNvPr id="212" name="Shape 212"/>
+        <p:cNvPr id="211" name="Shape 211"/>
         <p:cNvGrpSpPr/>
         <p:nvPr/>
       </p:nvGrpSpPr>
@@ -1190,7 +1190,7 @@
       </p:grpSpPr>
       <p:sp>
         <p:nvSpPr>
-          <p:cNvPr id="213" name="Shape 213"/>
+          <p:cNvPr id="212" name="Shape 212"/>
           <p:cNvSpPr/>
           <p:nvPr>
             <p:ph idx="2" type="sldImg"/>
@@ -1224,7 +1224,7 @@
       </p:sp>
       <p:sp>
         <p:nvSpPr>
-          <p:cNvPr id="214" name="Shape 214"/>
+          <p:cNvPr id="213" name="Shape 213"/>
           <p:cNvSpPr txBox="1"/>
           <p:nvPr>
             <p:ph idx="1" type="body"/>
@@ -1271,7 +1271,7 @@
   <p:cSld>
     <p:spTree>
       <p:nvGrpSpPr>
-        <p:cNvPr id="222" name="Shape 222"/>
+        <p:cNvPr id="221" name="Shape 221"/>
         <p:cNvGrpSpPr/>
         <p:nvPr/>
       </p:nvGrpSpPr>
@@ -1285,7 +1285,7 @@
       </p:grpSpPr>
       <p:sp>
         <p:nvSpPr>
-          <p:cNvPr id="223" name="Shape 223"/>
+          <p:cNvPr id="222" name="Shape 222"/>
           <p:cNvSpPr/>
           <p:nvPr>
             <p:ph idx="2" type="sldImg"/>
@@ -1319,7 +1319,7 @@
       </p:sp>
       <p:sp>
         <p:nvSpPr>
-          <p:cNvPr id="224" name="Shape 224"/>
+          <p:cNvPr id="223" name="Shape 223"/>
           <p:cNvSpPr txBox="1"/>
           <p:nvPr>
             <p:ph idx="1" type="body"/>
@@ -1366,7 +1366,7 @@
   <p:cSld>
     <p:spTree>
       <p:nvGrpSpPr>
-        <p:cNvPr id="229" name="Shape 229"/>
+        <p:cNvPr id="228" name="Shape 228"/>
         <p:cNvGrpSpPr/>
         <p:nvPr/>
       </p:nvGrpSpPr>
@@ -1380,7 +1380,7 @@
       </p:grpSpPr>
       <p:sp>
         <p:nvSpPr>
-          <p:cNvPr id="230" name="Shape 230"/>
+          <p:cNvPr id="229" name="Shape 229"/>
           <p:cNvSpPr/>
           <p:nvPr>
             <p:ph idx="2" type="sldImg"/>
@@ -1414,7 +1414,7 @@
       </p:sp>
       <p:sp>
         <p:nvSpPr>
-          <p:cNvPr id="231" name="Shape 231"/>
+          <p:cNvPr id="230" name="Shape 230"/>
           <p:cNvSpPr txBox="1"/>
           <p:nvPr>
             <p:ph idx="1" type="body"/>
@@ -1461,7 +1461,7 @@
   <p:cSld>
     <p:spTree>
       <p:nvGrpSpPr>
-        <p:cNvPr id="240" name="Shape 240"/>
+        <p:cNvPr id="239" name="Shape 239"/>
         <p:cNvGrpSpPr/>
         <p:nvPr/>
       </p:nvGrpSpPr>
@@ -1475,7 +1475,7 @@
       </p:grpSpPr>
       <p:sp>
         <p:nvSpPr>
-          <p:cNvPr id="241" name="Shape 241"/>
+          <p:cNvPr id="240" name="Shape 240"/>
           <p:cNvSpPr/>
           <p:nvPr>
             <p:ph idx="2" type="sldImg"/>
@@ -1509,7 +1509,7 @@
       </p:sp>
       <p:sp>
         <p:nvSpPr>
-          <p:cNvPr id="242" name="Shape 242"/>
+          <p:cNvPr id="241" name="Shape 241"/>
           <p:cNvSpPr txBox="1"/>
           <p:nvPr>
             <p:ph idx="1" type="body"/>
@@ -1625,90 +1625,6 @@
           </a:bodyPr>
           <a:lstStyle/>
           <a:p>
-            <a:pPr lvl="0" rtl="0">
-              <a:spcBef>
-                <a:spcPts val="0"/>
-              </a:spcBef>
-              <a:buNone/>
-            </a:pPr>
-            <a:r>
-              <a:rPr lang="en"/>
-              <a:t>What are the rewards of doing something like this?</a:t>
-            </a:r>
-          </a:p>
-          <a:p>
-            <a:pPr lvl="0" rtl="0">
-              <a:spcBef>
-                <a:spcPts val="0"/>
-              </a:spcBef>
-              <a:buNone/>
-            </a:pPr>
-            <a:r>
-              <a:t/>
-            </a:r>
-            <a:endParaRPr/>
-          </a:p>
-          <a:p>
-            <a:pPr lvl="0" rtl="0">
-              <a:spcBef>
-                <a:spcPts val="0"/>
-              </a:spcBef>
-              <a:buNone/>
-            </a:pPr>
-            <a:r>
-              <a:rPr lang="en"/>
-              <a:t>What are the risks of doing something like this?</a:t>
-            </a:r>
-          </a:p>
-          <a:p>
-            <a:pPr lvl="0" rtl="0">
-              <a:spcBef>
-                <a:spcPts val="0"/>
-              </a:spcBef>
-              <a:buNone/>
-            </a:pPr>
-            <a:r>
-              <a:t/>
-            </a:r>
-            <a:endParaRPr/>
-          </a:p>
-          <a:p>
-            <a:pPr lvl="0" rtl="0">
-              <a:spcBef>
-                <a:spcPts val="0"/>
-              </a:spcBef>
-              <a:buNone/>
-            </a:pPr>
-            <a:r>
-              <a:rPr lang="en"/>
-              <a:t>What is the business impact if our model predicts incorrectly?</a:t>
-            </a:r>
-          </a:p>
-          <a:p>
-            <a:pPr lvl="0" rtl="0">
-              <a:spcBef>
-                <a:spcPts val="0"/>
-              </a:spcBef>
-              <a:buNone/>
-            </a:pPr>
-            <a:r>
-              <a:t/>
-            </a:r>
-            <a:endParaRPr/>
-          </a:p>
-          <a:p>
-            <a:pPr lvl="0" rtl="0">
-              <a:spcBef>
-                <a:spcPts val="0"/>
-              </a:spcBef>
-              <a:buNone/>
-            </a:pPr>
-            <a:r>
-              <a:rPr lang="en"/>
-              <a:t>Is this a regression or a classification problem?   A: could be either… but the way we chose to frame it here, it’s regression</a:t>
-            </a:r>
-          </a:p>
-          <a:p>
             <a:pPr lvl="0">
               <a:spcBef>
                 <a:spcPts val="0"/>
@@ -1735,7 +1651,7 @@
   <p:cSld>
     <p:spTree>
       <p:nvGrpSpPr>
-        <p:cNvPr id="247" name="Shape 247"/>
+        <p:cNvPr id="246" name="Shape 246"/>
         <p:cNvGrpSpPr/>
         <p:nvPr/>
       </p:nvGrpSpPr>
@@ -1749,7 +1665,7 @@
       </p:grpSpPr>
       <p:sp>
         <p:nvSpPr>
-          <p:cNvPr id="248" name="Shape 248"/>
+          <p:cNvPr id="247" name="Shape 247"/>
           <p:cNvSpPr/>
           <p:nvPr>
             <p:ph idx="2" type="sldImg"/>
@@ -1783,7 +1699,7 @@
       </p:sp>
       <p:sp>
         <p:nvSpPr>
-          <p:cNvPr id="249" name="Shape 249"/>
+          <p:cNvPr id="248" name="Shape 248"/>
           <p:cNvSpPr txBox="1"/>
           <p:nvPr>
             <p:ph idx="1" type="body"/>
@@ -1830,7 +1746,7 @@
   <p:cSld>
     <p:spTree>
       <p:nvGrpSpPr>
-        <p:cNvPr id="257" name="Shape 257"/>
+        <p:cNvPr id="256" name="Shape 256"/>
         <p:cNvGrpSpPr/>
         <p:nvPr/>
       </p:nvGrpSpPr>
@@ -1844,7 +1760,7 @@
       </p:grpSpPr>
       <p:sp>
         <p:nvSpPr>
-          <p:cNvPr id="258" name="Shape 258"/>
+          <p:cNvPr id="257" name="Shape 257"/>
           <p:cNvSpPr/>
           <p:nvPr>
             <p:ph idx="2" type="sldImg"/>
@@ -1878,7 +1794,7 @@
       </p:sp>
       <p:sp>
         <p:nvSpPr>
-          <p:cNvPr id="259" name="Shape 259"/>
+          <p:cNvPr id="258" name="Shape 258"/>
           <p:cNvSpPr txBox="1"/>
           <p:nvPr>
             <p:ph idx="1" type="body"/>
@@ -1925,7 +1841,7 @@
   <p:cSld>
     <p:spTree>
       <p:nvGrpSpPr>
-        <p:cNvPr id="264" name="Shape 264"/>
+        <p:cNvPr id="263" name="Shape 263"/>
         <p:cNvGrpSpPr/>
         <p:nvPr/>
       </p:nvGrpSpPr>
@@ -1939,7 +1855,7 @@
       </p:grpSpPr>
       <p:sp>
         <p:nvSpPr>
-          <p:cNvPr id="265" name="Shape 265"/>
+          <p:cNvPr id="264" name="Shape 264"/>
           <p:cNvSpPr/>
           <p:nvPr>
             <p:ph idx="2" type="sldImg"/>
@@ -1973,7 +1889,7 @@
       </p:sp>
       <p:sp>
         <p:nvSpPr>
-          <p:cNvPr id="266" name="Shape 266"/>
+          <p:cNvPr id="265" name="Shape 265"/>
           <p:cNvSpPr txBox="1"/>
           <p:nvPr>
             <p:ph idx="1" type="body"/>
@@ -2020,7 +1936,7 @@
   <p:cSld>
     <p:spTree>
       <p:nvGrpSpPr>
-        <p:cNvPr id="270" name="Shape 270"/>
+        <p:cNvPr id="269" name="Shape 269"/>
         <p:cNvGrpSpPr/>
         <p:nvPr/>
       </p:nvGrpSpPr>
@@ -2034,7 +1950,7 @@
       </p:grpSpPr>
       <p:sp>
         <p:nvSpPr>
-          <p:cNvPr id="271" name="Shape 271"/>
+          <p:cNvPr id="270" name="Shape 270"/>
           <p:cNvSpPr/>
           <p:nvPr>
             <p:ph idx="2" type="sldImg"/>
@@ -2068,7 +1984,7 @@
       </p:sp>
       <p:sp>
         <p:nvSpPr>
-          <p:cNvPr id="272" name="Shape 272"/>
+          <p:cNvPr id="271" name="Shape 271"/>
           <p:cNvSpPr txBox="1"/>
           <p:nvPr>
             <p:ph idx="1" type="body"/>
@@ -2115,7 +2031,7 @@
   <p:cSld>
     <p:spTree>
       <p:nvGrpSpPr>
-        <p:cNvPr id="278" name="Shape 278"/>
+        <p:cNvPr id="277" name="Shape 277"/>
         <p:cNvGrpSpPr/>
         <p:nvPr/>
       </p:nvGrpSpPr>
@@ -2129,7 +2045,7 @@
       </p:grpSpPr>
       <p:sp>
         <p:nvSpPr>
-          <p:cNvPr id="279" name="Shape 279"/>
+          <p:cNvPr id="278" name="Shape 278"/>
           <p:cNvSpPr/>
           <p:nvPr>
             <p:ph idx="2" type="sldImg"/>
@@ -2163,7 +2079,7 @@
       </p:sp>
       <p:sp>
         <p:nvSpPr>
-          <p:cNvPr id="280" name="Shape 280"/>
+          <p:cNvPr id="279" name="Shape 279"/>
           <p:cNvSpPr txBox="1"/>
           <p:nvPr>
             <p:ph idx="1" type="body"/>
@@ -2210,7 +2126,7 @@
   <p:cSld>
     <p:spTree>
       <p:nvGrpSpPr>
-        <p:cNvPr id="284" name="Shape 284"/>
+        <p:cNvPr id="283" name="Shape 283"/>
         <p:cNvGrpSpPr/>
         <p:nvPr/>
       </p:nvGrpSpPr>
@@ -2224,7 +2140,7 @@
       </p:grpSpPr>
       <p:sp>
         <p:nvSpPr>
-          <p:cNvPr id="285" name="Shape 285"/>
+          <p:cNvPr id="284" name="Shape 284"/>
           <p:cNvSpPr/>
           <p:nvPr>
             <p:ph idx="2" type="sldImg"/>
@@ -2258,7 +2174,7 @@
       </p:sp>
       <p:sp>
         <p:nvSpPr>
-          <p:cNvPr id="286" name="Shape 286"/>
+          <p:cNvPr id="285" name="Shape 285"/>
           <p:cNvSpPr txBox="1"/>
           <p:nvPr>
             <p:ph idx="1" type="body"/>
@@ -2305,7 +2221,7 @@
   <p:cSld>
     <p:spTree>
       <p:nvGrpSpPr>
-        <p:cNvPr id="290" name="Shape 290"/>
+        <p:cNvPr id="289" name="Shape 289"/>
         <p:cNvGrpSpPr/>
         <p:nvPr/>
       </p:nvGrpSpPr>
@@ -2319,7 +2235,7 @@
       </p:grpSpPr>
       <p:sp>
         <p:nvSpPr>
-          <p:cNvPr id="291" name="Shape 291"/>
+          <p:cNvPr id="290" name="Shape 290"/>
           <p:cNvSpPr/>
           <p:nvPr>
             <p:ph idx="2" type="sldImg"/>
@@ -2353,7 +2269,7 @@
       </p:sp>
       <p:sp>
         <p:nvSpPr>
-          <p:cNvPr id="292" name="Shape 292"/>
+          <p:cNvPr id="291" name="Shape 291"/>
           <p:cNvSpPr txBox="1"/>
           <p:nvPr>
             <p:ph idx="1" type="body"/>
@@ -2400,7 +2316,7 @@
   <p:cSld>
     <p:spTree>
       <p:nvGrpSpPr>
-        <p:cNvPr id="297" name="Shape 297"/>
+        <p:cNvPr id="296" name="Shape 296"/>
         <p:cNvGrpSpPr/>
         <p:nvPr/>
       </p:nvGrpSpPr>
@@ -2414,7 +2330,7 @@
       </p:grpSpPr>
       <p:sp>
         <p:nvSpPr>
-          <p:cNvPr id="298" name="Shape 298"/>
+          <p:cNvPr id="297" name="Shape 297"/>
           <p:cNvSpPr/>
           <p:nvPr>
             <p:ph idx="2" type="sldImg"/>
@@ -2448,7 +2364,7 @@
       </p:sp>
       <p:sp>
         <p:nvSpPr>
-          <p:cNvPr id="299" name="Shape 299"/>
+          <p:cNvPr id="298" name="Shape 298"/>
           <p:cNvSpPr txBox="1"/>
           <p:nvPr>
             <p:ph idx="1" type="body"/>
@@ -2495,7 +2411,7 @@
   <p:cSld>
     <p:spTree>
       <p:nvGrpSpPr>
-        <p:cNvPr id="304" name="Shape 304"/>
+        <p:cNvPr id="303" name="Shape 303"/>
         <p:cNvGrpSpPr/>
         <p:nvPr/>
       </p:nvGrpSpPr>
@@ -2509,7 +2425,7 @@
       </p:grpSpPr>
       <p:sp>
         <p:nvSpPr>
-          <p:cNvPr id="305" name="Shape 305"/>
+          <p:cNvPr id="304" name="Shape 304"/>
           <p:cNvSpPr/>
           <p:nvPr>
             <p:ph idx="2" type="sldImg"/>
@@ -2543,7 +2459,7 @@
       </p:sp>
       <p:sp>
         <p:nvSpPr>
-          <p:cNvPr id="306" name="Shape 306"/>
+          <p:cNvPr id="305" name="Shape 305"/>
           <p:cNvSpPr txBox="1"/>
           <p:nvPr>
             <p:ph idx="1" type="body"/>
@@ -2590,7 +2506,7 @@
   <p:cSld>
     <p:spTree>
       <p:nvGrpSpPr>
-        <p:cNvPr id="310" name="Shape 310"/>
+        <p:cNvPr id="309" name="Shape 309"/>
         <p:cNvGrpSpPr/>
         <p:nvPr/>
       </p:nvGrpSpPr>
@@ -2604,7 +2520,7 @@
       </p:grpSpPr>
       <p:sp>
         <p:nvSpPr>
-          <p:cNvPr id="311" name="Shape 311"/>
+          <p:cNvPr id="310" name="Shape 310"/>
           <p:cNvSpPr/>
           <p:nvPr>
             <p:ph idx="2" type="sldImg"/>
@@ -2638,7 +2554,7 @@
       </p:sp>
       <p:sp>
         <p:nvSpPr>
-          <p:cNvPr id="312" name="Shape 312"/>
+          <p:cNvPr id="311" name="Shape 311"/>
           <p:cNvSpPr txBox="1"/>
           <p:nvPr>
             <p:ph idx="1" type="body"/>
@@ -2685,7 +2601,7 @@
   <p:cSld>
     <p:spTree>
       <p:nvGrpSpPr>
-        <p:cNvPr id="77" name="Shape 77"/>
+        <p:cNvPr id="76" name="Shape 76"/>
         <p:cNvGrpSpPr/>
         <p:nvPr/>
       </p:nvGrpSpPr>
@@ -2699,7 +2615,7 @@
       </p:grpSpPr>
       <p:sp>
         <p:nvSpPr>
-          <p:cNvPr id="78" name="Shape 78"/>
+          <p:cNvPr id="77" name="Shape 77"/>
           <p:cNvSpPr/>
           <p:nvPr>
             <p:ph idx="2" type="sldImg"/>
@@ -2733,7 +2649,7 @@
       </p:sp>
       <p:sp>
         <p:nvSpPr>
-          <p:cNvPr id="79" name="Shape 79"/>
+          <p:cNvPr id="78" name="Shape 78"/>
           <p:cNvSpPr txBox="1"/>
           <p:nvPr>
             <p:ph idx="1" type="body"/>
@@ -2753,6 +2669,90 @@
             <a:noAutofit/>
           </a:bodyPr>
           <a:lstStyle/>
+          <a:p>
+            <a:pPr lvl="0" rtl="0">
+              <a:spcBef>
+                <a:spcPts val="0"/>
+              </a:spcBef>
+              <a:buNone/>
+            </a:pPr>
+            <a:r>
+              <a:rPr lang="en"/>
+              <a:t>What are the rewards of doing something like this?</a:t>
+            </a:r>
+          </a:p>
+          <a:p>
+            <a:pPr lvl="0" rtl="0">
+              <a:spcBef>
+                <a:spcPts val="0"/>
+              </a:spcBef>
+              <a:buNone/>
+            </a:pPr>
+            <a:r>
+              <a:t/>
+            </a:r>
+            <a:endParaRPr/>
+          </a:p>
+          <a:p>
+            <a:pPr lvl="0" rtl="0">
+              <a:spcBef>
+                <a:spcPts val="0"/>
+              </a:spcBef>
+              <a:buNone/>
+            </a:pPr>
+            <a:r>
+              <a:rPr lang="en"/>
+              <a:t>What are the risks of doing something like this?</a:t>
+            </a:r>
+          </a:p>
+          <a:p>
+            <a:pPr lvl="0" rtl="0">
+              <a:spcBef>
+                <a:spcPts val="0"/>
+              </a:spcBef>
+              <a:buNone/>
+            </a:pPr>
+            <a:r>
+              <a:t/>
+            </a:r>
+            <a:endParaRPr/>
+          </a:p>
+          <a:p>
+            <a:pPr lvl="0" rtl="0">
+              <a:spcBef>
+                <a:spcPts val="0"/>
+              </a:spcBef>
+              <a:buNone/>
+            </a:pPr>
+            <a:r>
+              <a:rPr lang="en"/>
+              <a:t>What is the business impact if our model predicts incorrectly?</a:t>
+            </a:r>
+          </a:p>
+          <a:p>
+            <a:pPr lvl="0" rtl="0">
+              <a:spcBef>
+                <a:spcPts val="0"/>
+              </a:spcBef>
+              <a:buNone/>
+            </a:pPr>
+            <a:r>
+              <a:t/>
+            </a:r>
+            <a:endParaRPr/>
+          </a:p>
+          <a:p>
+            <a:pPr lvl="0" rtl="0">
+              <a:spcBef>
+                <a:spcPts val="0"/>
+              </a:spcBef>
+              <a:buNone/>
+            </a:pPr>
+            <a:r>
+              <a:rPr lang="en"/>
+              <a:t>Is this a regression or a classification problem?   A: could be either… but the way we chose to frame it here, it’s regression</a:t>
+            </a:r>
+          </a:p>
           <a:p>
             <a:pPr lvl="0">
               <a:spcBef>
@@ -2780,7 +2780,7 @@
   <p:cSld>
     <p:spTree>
       <p:nvGrpSpPr>
-        <p:cNvPr id="316" name="Shape 316"/>
+        <p:cNvPr id="315" name="Shape 315"/>
         <p:cNvGrpSpPr/>
         <p:nvPr/>
       </p:nvGrpSpPr>
@@ -2794,7 +2794,7 @@
       </p:grpSpPr>
       <p:sp>
         <p:nvSpPr>
-          <p:cNvPr id="317" name="Shape 317"/>
+          <p:cNvPr id="316" name="Shape 316"/>
           <p:cNvSpPr/>
           <p:nvPr>
             <p:ph idx="2" type="sldImg"/>
@@ -2828,7 +2828,7 @@
       </p:sp>
       <p:sp>
         <p:nvSpPr>
-          <p:cNvPr id="318" name="Shape 318"/>
+          <p:cNvPr id="317" name="Shape 317"/>
           <p:cNvSpPr txBox="1"/>
           <p:nvPr>
             <p:ph idx="1" type="body"/>
@@ -2875,7 +2875,7 @@
   <p:cSld>
     <p:spTree>
       <p:nvGrpSpPr>
-        <p:cNvPr id="322" name="Shape 322"/>
+        <p:cNvPr id="321" name="Shape 321"/>
         <p:cNvGrpSpPr/>
         <p:nvPr/>
       </p:nvGrpSpPr>
@@ -2889,7 +2889,7 @@
       </p:grpSpPr>
       <p:sp>
         <p:nvSpPr>
-          <p:cNvPr id="323" name="Shape 323"/>
+          <p:cNvPr id="322" name="Shape 322"/>
           <p:cNvSpPr/>
           <p:nvPr>
             <p:ph idx="2" type="sldImg"/>
@@ -2923,7 +2923,7 @@
       </p:sp>
       <p:sp>
         <p:nvSpPr>
-          <p:cNvPr id="324" name="Shape 324"/>
+          <p:cNvPr id="323" name="Shape 323"/>
           <p:cNvSpPr txBox="1"/>
           <p:nvPr>
             <p:ph idx="1" type="body"/>
@@ -2970,7 +2970,7 @@
   <p:cSld>
     <p:spTree>
       <p:nvGrpSpPr>
-        <p:cNvPr id="328" name="Shape 328"/>
+        <p:cNvPr id="327" name="Shape 327"/>
         <p:cNvGrpSpPr/>
         <p:nvPr/>
       </p:nvGrpSpPr>
@@ -2984,7 +2984,7 @@
       </p:grpSpPr>
       <p:sp>
         <p:nvSpPr>
-          <p:cNvPr id="329" name="Shape 329"/>
+          <p:cNvPr id="328" name="Shape 328"/>
           <p:cNvSpPr/>
           <p:nvPr>
             <p:ph idx="2" type="sldImg"/>
@@ -3018,7 +3018,7 @@
       </p:sp>
       <p:sp>
         <p:nvSpPr>
-          <p:cNvPr id="330" name="Shape 330"/>
+          <p:cNvPr id="329" name="Shape 329"/>
           <p:cNvSpPr txBox="1"/>
           <p:nvPr>
             <p:ph idx="1" type="body"/>
@@ -3065,7 +3065,7 @@
   <p:cSld>
     <p:spTree>
       <p:nvGrpSpPr>
-        <p:cNvPr id="334" name="Shape 334"/>
+        <p:cNvPr id="333" name="Shape 333"/>
         <p:cNvGrpSpPr/>
         <p:nvPr/>
       </p:nvGrpSpPr>
@@ -3079,7 +3079,7 @@
       </p:grpSpPr>
       <p:sp>
         <p:nvSpPr>
-          <p:cNvPr id="335" name="Shape 335"/>
+          <p:cNvPr id="334" name="Shape 334"/>
           <p:cNvSpPr/>
           <p:nvPr>
             <p:ph idx="2" type="sldImg"/>
@@ -3113,7 +3113,7 @@
       </p:sp>
       <p:sp>
         <p:nvSpPr>
-          <p:cNvPr id="336" name="Shape 336"/>
+          <p:cNvPr id="335" name="Shape 335"/>
           <p:cNvSpPr txBox="1"/>
           <p:nvPr>
             <p:ph idx="1" type="body"/>
@@ -3160,7 +3160,7 @@
   <p:cSld>
     <p:spTree>
       <p:nvGrpSpPr>
-        <p:cNvPr id="342" name="Shape 342"/>
+        <p:cNvPr id="341" name="Shape 341"/>
         <p:cNvGrpSpPr/>
         <p:nvPr/>
       </p:nvGrpSpPr>
@@ -3174,7 +3174,7 @@
       </p:grpSpPr>
       <p:sp>
         <p:nvSpPr>
-          <p:cNvPr id="343" name="Shape 343"/>
+          <p:cNvPr id="342" name="Shape 342"/>
           <p:cNvSpPr/>
           <p:nvPr>
             <p:ph idx="2" type="sldImg"/>
@@ -3208,7 +3208,7 @@
       </p:sp>
       <p:sp>
         <p:nvSpPr>
-          <p:cNvPr id="344" name="Shape 344"/>
+          <p:cNvPr id="343" name="Shape 343"/>
           <p:cNvSpPr txBox="1"/>
           <p:nvPr>
             <p:ph idx="1" type="body"/>
@@ -3255,7 +3255,7 @@
   <p:cSld>
     <p:spTree>
       <p:nvGrpSpPr>
-        <p:cNvPr id="358" name="Shape 358"/>
+        <p:cNvPr id="357" name="Shape 357"/>
         <p:cNvGrpSpPr/>
         <p:nvPr/>
       </p:nvGrpSpPr>
@@ -3269,7 +3269,7 @@
       </p:grpSpPr>
       <p:sp>
         <p:nvSpPr>
-          <p:cNvPr id="359" name="Shape 359"/>
+          <p:cNvPr id="358" name="Shape 358"/>
           <p:cNvSpPr/>
           <p:nvPr>
             <p:ph idx="2" type="sldImg"/>
@@ -3303,7 +3303,7 @@
       </p:sp>
       <p:sp>
         <p:nvSpPr>
-          <p:cNvPr id="360" name="Shape 360"/>
+          <p:cNvPr id="359" name="Shape 359"/>
           <p:cNvSpPr txBox="1"/>
           <p:nvPr>
             <p:ph idx="1" type="body"/>
@@ -3350,7 +3350,7 @@
   <p:cSld>
     <p:spTree>
       <p:nvGrpSpPr>
-        <p:cNvPr id="365" name="Shape 365"/>
+        <p:cNvPr id="364" name="Shape 364"/>
         <p:cNvGrpSpPr/>
         <p:nvPr/>
       </p:nvGrpSpPr>
@@ -3364,7 +3364,7 @@
       </p:grpSpPr>
       <p:sp>
         <p:nvSpPr>
-          <p:cNvPr id="366" name="Shape 366"/>
+          <p:cNvPr id="365" name="Shape 365"/>
           <p:cNvSpPr/>
           <p:nvPr>
             <p:ph idx="2" type="sldImg"/>
@@ -3398,7 +3398,7 @@
       </p:sp>
       <p:sp>
         <p:nvSpPr>
-          <p:cNvPr id="367" name="Shape 367"/>
+          <p:cNvPr id="366" name="Shape 366"/>
           <p:cNvSpPr txBox="1"/>
           <p:nvPr>
             <p:ph idx="1" type="body"/>
@@ -3445,7 +3445,7 @@
   <p:cSld>
     <p:spTree>
       <p:nvGrpSpPr>
-        <p:cNvPr id="372" name="Shape 372"/>
+        <p:cNvPr id="371" name="Shape 371"/>
         <p:cNvGrpSpPr/>
         <p:nvPr/>
       </p:nvGrpSpPr>
@@ -3459,7 +3459,7 @@
       </p:grpSpPr>
       <p:sp>
         <p:nvSpPr>
-          <p:cNvPr id="373" name="Shape 373"/>
+          <p:cNvPr id="372" name="Shape 372"/>
           <p:cNvSpPr/>
           <p:nvPr>
             <p:ph idx="2" type="sldImg"/>
@@ -3493,7 +3493,7 @@
       </p:sp>
       <p:sp>
         <p:nvSpPr>
-          <p:cNvPr id="374" name="Shape 374"/>
+          <p:cNvPr id="373" name="Shape 373"/>
           <p:cNvSpPr txBox="1"/>
           <p:nvPr>
             <p:ph idx="1" type="body"/>
@@ -3540,7 +3540,7 @@
   <p:cSld>
     <p:spTree>
       <p:nvGrpSpPr>
-        <p:cNvPr id="378" name="Shape 378"/>
+        <p:cNvPr id="377" name="Shape 377"/>
         <p:cNvGrpSpPr/>
         <p:nvPr/>
       </p:nvGrpSpPr>
@@ -3554,7 +3554,7 @@
       </p:grpSpPr>
       <p:sp>
         <p:nvSpPr>
-          <p:cNvPr id="379" name="Shape 379"/>
+          <p:cNvPr id="378" name="Shape 378"/>
           <p:cNvSpPr/>
           <p:nvPr>
             <p:ph idx="2" type="sldImg"/>
@@ -3588,7 +3588,7 @@
       </p:sp>
       <p:sp>
         <p:nvSpPr>
-          <p:cNvPr id="380" name="Shape 380"/>
+          <p:cNvPr id="379" name="Shape 379"/>
           <p:cNvSpPr txBox="1"/>
           <p:nvPr>
             <p:ph idx="1" type="body"/>
@@ -3659,7 +3659,7 @@
   <p:cSld>
     <p:spTree>
       <p:nvGrpSpPr>
-        <p:cNvPr id="384" name="Shape 384"/>
+        <p:cNvPr id="383" name="Shape 383"/>
         <p:cNvGrpSpPr/>
         <p:nvPr/>
       </p:nvGrpSpPr>
@@ -3673,7 +3673,7 @@
       </p:grpSpPr>
       <p:sp>
         <p:nvSpPr>
-          <p:cNvPr id="385" name="Shape 385"/>
+          <p:cNvPr id="384" name="Shape 384"/>
           <p:cNvSpPr/>
           <p:nvPr>
             <p:ph idx="2" type="sldImg"/>
@@ -3707,7 +3707,7 @@
       </p:sp>
       <p:sp>
         <p:nvSpPr>
-          <p:cNvPr id="386" name="Shape 386"/>
+          <p:cNvPr id="385" name="Shape 385"/>
           <p:cNvSpPr txBox="1"/>
           <p:nvPr>
             <p:ph idx="1" type="body"/>
@@ -3981,7 +3981,7 @@
   <p:cSld>
     <p:spTree>
       <p:nvGrpSpPr>
-        <p:cNvPr id="400" name="Shape 400"/>
+        <p:cNvPr id="399" name="Shape 399"/>
         <p:cNvGrpSpPr/>
         <p:nvPr/>
       </p:nvGrpSpPr>
@@ -3995,7 +3995,7 @@
       </p:grpSpPr>
       <p:sp>
         <p:nvSpPr>
-          <p:cNvPr id="401" name="Shape 401"/>
+          <p:cNvPr id="400" name="Shape 400"/>
           <p:cNvSpPr/>
           <p:nvPr>
             <p:ph idx="2" type="sldImg"/>
@@ -4029,7 +4029,7 @@
       </p:sp>
       <p:sp>
         <p:nvSpPr>
-          <p:cNvPr id="402" name="Shape 402"/>
+          <p:cNvPr id="401" name="Shape 401"/>
           <p:cNvSpPr txBox="1"/>
           <p:nvPr>
             <p:ph idx="1" type="body"/>
@@ -4076,7 +4076,7 @@
   <p:cSld>
     <p:spTree>
       <p:nvGrpSpPr>
-        <p:cNvPr id="406" name="Shape 406"/>
+        <p:cNvPr id="405" name="Shape 405"/>
         <p:cNvGrpSpPr/>
         <p:nvPr/>
       </p:nvGrpSpPr>
@@ -4090,7 +4090,7 @@
       </p:grpSpPr>
       <p:sp>
         <p:nvSpPr>
-          <p:cNvPr id="407" name="Shape 407"/>
+          <p:cNvPr id="406" name="Shape 406"/>
           <p:cNvSpPr/>
           <p:nvPr>
             <p:ph idx="2" type="sldImg"/>
@@ -4124,7 +4124,7 @@
       </p:sp>
       <p:sp>
         <p:nvSpPr>
-          <p:cNvPr id="408" name="Shape 408"/>
+          <p:cNvPr id="407" name="Shape 407"/>
           <p:cNvSpPr txBox="1"/>
           <p:nvPr>
             <p:ph idx="1" type="body"/>
@@ -4171,7 +4171,7 @@
   <p:cSld>
     <p:spTree>
       <p:nvGrpSpPr>
-        <p:cNvPr id="412" name="Shape 412"/>
+        <p:cNvPr id="411" name="Shape 411"/>
         <p:cNvGrpSpPr/>
         <p:nvPr/>
       </p:nvGrpSpPr>
@@ -4185,7 +4185,7 @@
       </p:grpSpPr>
       <p:sp>
         <p:nvSpPr>
-          <p:cNvPr id="413" name="Shape 413"/>
+          <p:cNvPr id="412" name="Shape 412"/>
           <p:cNvSpPr/>
           <p:nvPr>
             <p:ph idx="2" type="sldImg"/>
@@ -4219,7 +4219,7 @@
       </p:sp>
       <p:sp>
         <p:nvSpPr>
-          <p:cNvPr id="414" name="Shape 414"/>
+          <p:cNvPr id="413" name="Shape 413"/>
           <p:cNvSpPr txBox="1"/>
           <p:nvPr>
             <p:ph idx="1" type="body"/>
@@ -4266,7 +4266,7 @@
   <p:cSld>
     <p:spTree>
       <p:nvGrpSpPr>
-        <p:cNvPr id="420" name="Shape 420"/>
+        <p:cNvPr id="419" name="Shape 419"/>
         <p:cNvGrpSpPr/>
         <p:nvPr/>
       </p:nvGrpSpPr>
@@ -4280,7 +4280,7 @@
       </p:grpSpPr>
       <p:sp>
         <p:nvSpPr>
-          <p:cNvPr id="421" name="Shape 421"/>
+          <p:cNvPr id="420" name="Shape 420"/>
           <p:cNvSpPr/>
           <p:nvPr>
             <p:ph idx="2" type="sldImg"/>
@@ -4314,7 +4314,7 @@
       </p:sp>
       <p:sp>
         <p:nvSpPr>
-          <p:cNvPr id="422" name="Shape 422"/>
+          <p:cNvPr id="421" name="Shape 421"/>
           <p:cNvSpPr txBox="1"/>
           <p:nvPr>
             <p:ph idx="1" type="body"/>
@@ -4361,7 +4361,7 @@
   <p:cSld>
     <p:spTree>
       <p:nvGrpSpPr>
-        <p:cNvPr id="428" name="Shape 428"/>
+        <p:cNvPr id="427" name="Shape 427"/>
         <p:cNvGrpSpPr/>
         <p:nvPr/>
       </p:nvGrpSpPr>
@@ -4375,7 +4375,7 @@
       </p:grpSpPr>
       <p:sp>
         <p:nvSpPr>
-          <p:cNvPr id="429" name="Shape 429"/>
+          <p:cNvPr id="428" name="Shape 428"/>
           <p:cNvSpPr/>
           <p:nvPr>
             <p:ph idx="2" type="sldImg"/>
@@ -4409,7 +4409,7 @@
       </p:sp>
       <p:sp>
         <p:nvSpPr>
-          <p:cNvPr id="430" name="Shape 430"/>
+          <p:cNvPr id="429" name="Shape 429"/>
           <p:cNvSpPr txBox="1"/>
           <p:nvPr>
             <p:ph idx="1" type="body"/>
@@ -4456,7 +4456,7 @@
   <p:cSld>
     <p:spTree>
       <p:nvGrpSpPr>
-        <p:cNvPr id="434" name="Shape 434"/>
+        <p:cNvPr id="433" name="Shape 433"/>
         <p:cNvGrpSpPr/>
         <p:nvPr/>
       </p:nvGrpSpPr>
@@ -4470,7 +4470,7 @@
       </p:grpSpPr>
       <p:sp>
         <p:nvSpPr>
-          <p:cNvPr id="435" name="Shape 435"/>
+          <p:cNvPr id="434" name="Shape 434"/>
           <p:cNvSpPr/>
           <p:nvPr>
             <p:ph idx="2" type="sldImg"/>
@@ -4504,7 +4504,7 @@
       </p:sp>
       <p:sp>
         <p:nvSpPr>
-          <p:cNvPr id="436" name="Shape 436"/>
+          <p:cNvPr id="435" name="Shape 435"/>
           <p:cNvSpPr txBox="1"/>
           <p:nvPr>
             <p:ph idx="1" type="body"/>
@@ -4826,7 +4826,7 @@
   <p:cSld>
     <p:spTree>
       <p:nvGrpSpPr>
-        <p:cNvPr id="115" name="Shape 115"/>
+        <p:cNvPr id="114" name="Shape 114"/>
         <p:cNvGrpSpPr/>
         <p:nvPr/>
       </p:nvGrpSpPr>
@@ -4840,7 +4840,7 @@
       </p:grpSpPr>
       <p:sp>
         <p:nvSpPr>
-          <p:cNvPr id="116" name="Shape 116"/>
+          <p:cNvPr id="115" name="Shape 115"/>
           <p:cNvSpPr/>
           <p:nvPr>
             <p:ph idx="2" type="sldImg"/>
@@ -4874,7 +4874,7 @@
       </p:sp>
       <p:sp>
         <p:nvSpPr>
-          <p:cNvPr id="117" name="Shape 117"/>
+          <p:cNvPr id="116" name="Shape 116"/>
           <p:cNvSpPr txBox="1"/>
           <p:nvPr>
             <p:ph idx="1" type="body"/>
@@ -4945,7 +4945,7 @@
   <p:cSld>
     <p:spTree>
       <p:nvGrpSpPr>
-        <p:cNvPr id="123" name="Shape 123"/>
+        <p:cNvPr id="122" name="Shape 122"/>
         <p:cNvGrpSpPr/>
         <p:nvPr/>
       </p:nvGrpSpPr>
@@ -4959,7 +4959,7 @@
       </p:grpSpPr>
       <p:sp>
         <p:nvSpPr>
-          <p:cNvPr id="124" name="Shape 124"/>
+          <p:cNvPr id="123" name="Shape 123"/>
           <p:cNvSpPr/>
           <p:nvPr>
             <p:ph idx="2" type="sldImg"/>
@@ -4993,7 +4993,7 @@
       </p:sp>
       <p:sp>
         <p:nvSpPr>
-          <p:cNvPr id="125" name="Shape 125"/>
+          <p:cNvPr id="124" name="Shape 124"/>
           <p:cNvSpPr txBox="1"/>
           <p:nvPr>
             <p:ph idx="1" type="body"/>
@@ -5040,7 +5040,7 @@
   <p:cSld>
     <p:spTree>
       <p:nvGrpSpPr>
-        <p:cNvPr id="139" name="Shape 139"/>
+        <p:cNvPr id="138" name="Shape 138"/>
         <p:cNvGrpSpPr/>
         <p:nvPr/>
       </p:nvGrpSpPr>
@@ -5054,7 +5054,7 @@
       </p:grpSpPr>
       <p:sp>
         <p:nvSpPr>
-          <p:cNvPr id="140" name="Shape 140"/>
+          <p:cNvPr id="139" name="Shape 139"/>
           <p:cNvSpPr/>
           <p:nvPr>
             <p:ph idx="2" type="sldImg"/>
@@ -5088,7 +5088,7 @@
       </p:sp>
       <p:sp>
         <p:nvSpPr>
-          <p:cNvPr id="141" name="Shape 141"/>
+          <p:cNvPr id="140" name="Shape 140"/>
           <p:cNvSpPr txBox="1"/>
           <p:nvPr>
             <p:ph idx="1" type="body"/>
@@ -5135,7 +5135,7 @@
   <p:cSld>
     <p:spTree>
       <p:nvGrpSpPr>
-        <p:cNvPr id="145" name="Shape 145"/>
+        <p:cNvPr id="144" name="Shape 144"/>
         <p:cNvGrpSpPr/>
         <p:nvPr/>
       </p:nvGrpSpPr>
@@ -5149,7 +5149,7 @@
       </p:grpSpPr>
       <p:sp>
         <p:nvSpPr>
-          <p:cNvPr id="146" name="Shape 146"/>
+          <p:cNvPr id="145" name="Shape 145"/>
           <p:cNvSpPr/>
           <p:nvPr>
             <p:ph idx="2" type="sldImg"/>
@@ -5183,7 +5183,7 @@
       </p:sp>
       <p:sp>
         <p:nvSpPr>
-          <p:cNvPr id="147" name="Shape 147"/>
+          <p:cNvPr id="146" name="Shape 146"/>
           <p:cNvSpPr txBox="1"/>
           <p:nvPr>
             <p:ph idx="1" type="body"/>
@@ -9783,7 +9783,7 @@
     <a:masterClrMapping/>
   </p:clrMapOvr>
   <p:transition spd="slow">
-    <p:cut/>
+    <p:fade/>
   </p:transition>
 </p:sld>
 </file>
@@ -9793,7 +9793,7 @@
   <p:cSld>
     <p:spTree>
       <p:nvGrpSpPr>
-        <p:cNvPr id="155" name="Shape 155"/>
+        <p:cNvPr id="154" name="Shape 154"/>
         <p:cNvGrpSpPr/>
         <p:nvPr/>
       </p:nvGrpSpPr>
@@ -9807,7 +9807,7 @@
       </p:grpSpPr>
       <p:sp>
         <p:nvSpPr>
-          <p:cNvPr id="156" name="Shape 156"/>
+          <p:cNvPr id="155" name="Shape 155"/>
           <p:cNvSpPr txBox="1"/>
           <p:nvPr>
             <p:ph type="title"/>
@@ -9843,7 +9843,7 @@
       </p:sp>
       <p:sp>
         <p:nvSpPr>
-          <p:cNvPr id="157" name="Shape 157"/>
+          <p:cNvPr id="156" name="Shape 156"/>
           <p:cNvSpPr txBox="1"/>
           <p:nvPr>
             <p:ph idx="4294967295" type="body"/>
@@ -9951,7 +9951,7 @@
       </p:sp>
       <p:pic>
         <p:nvPicPr>
-          <p:cNvPr id="158" name="Shape 158"/>
+          <p:cNvPr id="157" name="Shape 157"/>
           <p:cNvPicPr preferRelativeResize="0"/>
           <p:nvPr/>
         </p:nvPicPr>
@@ -9979,7 +9979,7 @@
       </p:pic>
       <p:pic>
         <p:nvPicPr>
-          <p:cNvPr id="159" name="Shape 159"/>
+          <p:cNvPr id="158" name="Shape 158"/>
           <p:cNvPicPr preferRelativeResize="0"/>
           <p:nvPr/>
         </p:nvPicPr>
@@ -10007,7 +10007,7 @@
       </p:pic>
       <p:pic>
         <p:nvPicPr>
-          <p:cNvPr id="160" name="Shape 160"/>
+          <p:cNvPr id="159" name="Shape 159"/>
           <p:cNvPicPr preferRelativeResize="0"/>
           <p:nvPr/>
         </p:nvPicPr>
@@ -10039,7 +10039,7 @@
     <a:masterClrMapping/>
   </p:clrMapOvr>
   <p:transition spd="slow">
-    <p:cut/>
+    <p:fade/>
   </p:transition>
 </p:sld>
 </file>
@@ -10049,7 +10049,7 @@
   <p:cSld>
     <p:spTree>
       <p:nvGrpSpPr>
-        <p:cNvPr id="164" name="Shape 164"/>
+        <p:cNvPr id="163" name="Shape 163"/>
         <p:cNvGrpSpPr/>
         <p:nvPr/>
       </p:nvGrpSpPr>
@@ -10063,7 +10063,7 @@
       </p:grpSpPr>
       <p:sp>
         <p:nvSpPr>
-          <p:cNvPr id="165" name="Shape 165"/>
+          <p:cNvPr id="164" name="Shape 164"/>
           <p:cNvSpPr txBox="1"/>
           <p:nvPr>
             <p:ph type="title"/>
@@ -10099,7 +10099,7 @@
       </p:sp>
       <p:sp>
         <p:nvSpPr>
-          <p:cNvPr id="166" name="Shape 166"/>
+          <p:cNvPr id="165" name="Shape 165"/>
           <p:cNvSpPr txBox="1"/>
           <p:nvPr>
             <p:ph idx="4294967295" type="body"/>
@@ -10175,7 +10175,7 @@
       </p:sp>
       <p:sp>
         <p:nvSpPr>
-          <p:cNvPr id="167" name="Shape 167"/>
+          <p:cNvPr id="166" name="Shape 166"/>
           <p:cNvSpPr txBox="1"/>
           <p:nvPr/>
         </p:nvSpPr>
@@ -10217,7 +10217,7 @@
       </p:sp>
       <p:cxnSp>
         <p:nvCxnSpPr>
-          <p:cNvPr id="168" name="Shape 168"/>
+          <p:cNvPr id="167" name="Shape 167"/>
           <p:cNvCxnSpPr/>
           <p:nvPr/>
         </p:nvCxnSpPr>
@@ -10243,7 +10243,7 @@
       </p:cxnSp>
       <p:sp>
         <p:nvSpPr>
-          <p:cNvPr id="169" name="Shape 169"/>
+          <p:cNvPr id="168" name="Shape 168"/>
           <p:cNvSpPr txBox="1"/>
           <p:nvPr/>
         </p:nvSpPr>
@@ -10285,7 +10285,7 @@
       </p:sp>
       <p:cxnSp>
         <p:nvCxnSpPr>
-          <p:cNvPr id="170" name="Shape 170"/>
+          <p:cNvPr id="169" name="Shape 169"/>
           <p:cNvCxnSpPr/>
           <p:nvPr/>
         </p:nvCxnSpPr>
@@ -10311,7 +10311,7 @@
       </p:cxnSp>
       <p:cxnSp>
         <p:nvCxnSpPr>
-          <p:cNvPr id="171" name="Shape 171"/>
+          <p:cNvPr id="170" name="Shape 170"/>
           <p:cNvCxnSpPr/>
           <p:nvPr/>
         </p:nvCxnSpPr>
@@ -10337,7 +10337,7 @@
       </p:cxnSp>
       <p:sp>
         <p:nvSpPr>
-          <p:cNvPr id="172" name="Shape 172"/>
+          <p:cNvPr id="171" name="Shape 171"/>
           <p:cNvSpPr txBox="1"/>
           <p:nvPr/>
         </p:nvSpPr>
@@ -10403,7 +10403,7 @@
       </p:sp>
       <p:pic>
         <p:nvPicPr>
-          <p:cNvPr id="173" name="Shape 173"/>
+          <p:cNvPr id="172" name="Shape 172"/>
           <p:cNvPicPr preferRelativeResize="0"/>
           <p:nvPr/>
         </p:nvPicPr>
@@ -10431,7 +10431,7 @@
       </p:pic>
       <p:cxnSp>
         <p:nvCxnSpPr>
-          <p:cNvPr id="174" name="Shape 174"/>
+          <p:cNvPr id="173" name="Shape 173"/>
           <p:cNvCxnSpPr/>
           <p:nvPr/>
         </p:nvCxnSpPr>
@@ -10457,7 +10457,7 @@
       </p:cxnSp>
       <p:pic>
         <p:nvPicPr>
-          <p:cNvPr id="175" name="Shape 175"/>
+          <p:cNvPr id="174" name="Shape 174"/>
           <p:cNvPicPr preferRelativeResize="0"/>
           <p:nvPr/>
         </p:nvPicPr>
@@ -10489,7 +10489,7 @@
     <a:masterClrMapping/>
   </p:clrMapOvr>
   <p:transition spd="slow">
-    <p:cut/>
+    <p:fade/>
   </p:transition>
   <p:timing>
     <p:tnLst>
@@ -10499,6 +10499,182 @@
             <p:seq concurrent="1" nextAc="seek">
               <p:cTn dur="indefinite" id="2" nodeType="mainSeq">
                 <p:childTnLst>
+                  <p:par>
+                    <p:cTn fill="hold">
+                      <p:stCondLst>
+                        <p:cond delay="indefinite"/>
+                      </p:stCondLst>
+                      <p:childTnLst>
+                        <p:par>
+                          <p:cTn fill="hold">
+                            <p:stCondLst>
+                              <p:cond delay="0"/>
+                            </p:stCondLst>
+                            <p:childTnLst>
+                              <p:par>
+                                <p:cTn fill="hold" nodeType="clickEffect" presetClass="entr" presetID="10" presetSubtype="0">
+                                  <p:stCondLst>
+                                    <p:cond delay="0"/>
+                                  </p:stCondLst>
+                                  <p:childTnLst>
+                                    <p:set>
+                                      <p:cBhvr>
+                                        <p:cTn dur="1" fill="hold">
+                                          <p:stCondLst>
+                                            <p:cond delay="0"/>
+                                          </p:stCondLst>
+                                        </p:cTn>
+                                        <p:tgtEl>
+                                          <p:spTgt spid="167"/>
+                                        </p:tgtEl>
+                                        <p:attrNameLst>
+                                          <p:attrName>style.visibility</p:attrName>
+                                        </p:attrNameLst>
+                                      </p:cBhvr>
+                                      <p:to>
+                                        <p:strVal val="visible"/>
+                                      </p:to>
+                                    </p:set>
+                                    <p:animEffect filter="fade" transition="in">
+                                      <p:cBhvr>
+                                        <p:cTn dur="1000"/>
+                                        <p:tgtEl>
+                                          <p:spTgt spid="167"/>
+                                        </p:tgtEl>
+                                      </p:cBhvr>
+                                    </p:animEffect>
+                                  </p:childTnLst>
+                                </p:cTn>
+                              </p:par>
+                              <p:par>
+                                <p:cTn fill="hold" nodeType="withEffect" presetClass="entr" presetID="10" presetSubtype="0">
+                                  <p:stCondLst>
+                                    <p:cond delay="0"/>
+                                  </p:stCondLst>
+                                  <p:childTnLst>
+                                    <p:set>
+                                      <p:cBhvr>
+                                        <p:cTn dur="1" fill="hold">
+                                          <p:stCondLst>
+                                            <p:cond delay="0"/>
+                                          </p:stCondLst>
+                                        </p:cTn>
+                                        <p:tgtEl>
+                                          <p:spTgt spid="166"/>
+                                        </p:tgtEl>
+                                        <p:attrNameLst>
+                                          <p:attrName>style.visibility</p:attrName>
+                                        </p:attrNameLst>
+                                      </p:cBhvr>
+                                      <p:to>
+                                        <p:strVal val="visible"/>
+                                      </p:to>
+                                    </p:set>
+                                    <p:animEffect filter="fade" transition="in">
+                                      <p:cBhvr>
+                                        <p:cTn dur="1000"/>
+                                        <p:tgtEl>
+                                          <p:spTgt spid="166"/>
+                                        </p:tgtEl>
+                                      </p:cBhvr>
+                                    </p:animEffect>
+                                  </p:childTnLst>
+                                </p:cTn>
+                              </p:par>
+                            </p:childTnLst>
+                          </p:cTn>
+                        </p:par>
+                      </p:childTnLst>
+                    </p:cTn>
+                  </p:par>
+                  <p:par>
+                    <p:cTn fill="hold">
+                      <p:stCondLst>
+                        <p:cond delay="indefinite"/>
+                      </p:stCondLst>
+                      <p:childTnLst>
+                        <p:par>
+                          <p:cTn fill="hold">
+                            <p:stCondLst>
+                              <p:cond delay="0"/>
+                            </p:stCondLst>
+                            <p:childTnLst>
+                              <p:par>
+                                <p:cTn fill="hold" nodeType="clickEffect" presetClass="entr" presetID="10" presetSubtype="0">
+                                  <p:stCondLst>
+                                    <p:cond delay="0"/>
+                                  </p:stCondLst>
+                                  <p:childTnLst>
+                                    <p:set>
+                                      <p:cBhvr>
+                                        <p:cTn dur="1" fill="hold">
+                                          <p:stCondLst>
+                                            <p:cond delay="0"/>
+                                          </p:stCondLst>
+                                        </p:cTn>
+                                        <p:tgtEl>
+                                          <p:spTgt spid="171"/>
+                                        </p:tgtEl>
+                                        <p:attrNameLst>
+                                          <p:attrName>style.visibility</p:attrName>
+                                        </p:attrNameLst>
+                                      </p:cBhvr>
+                                      <p:to>
+                                        <p:strVal val="visible"/>
+                                      </p:to>
+                                    </p:set>
+                                    <p:animEffect filter="fade" transition="in">
+                                      <p:cBhvr>
+                                        <p:cTn dur="1000"/>
+                                        <p:tgtEl>
+                                          <p:spTgt spid="171"/>
+                                        </p:tgtEl>
+                                      </p:cBhvr>
+                                    </p:animEffect>
+                                  </p:childTnLst>
+                                </p:cTn>
+                              </p:par>
+                              <p:par>
+                                <p:cTn fill="hold" nodeType="withEffect" presetClass="entr" presetID="10" presetSubtype="0">
+                                  <p:stCondLst>
+                                    <p:cond delay="0"/>
+                                  </p:stCondLst>
+                                  <p:childTnLst>
+                                    <p:set>
+                                      <p:cBhvr>
+                                        <p:cTn dur="1" fill="hold">
+                                          <p:stCondLst>
+                                            <p:cond delay="0"/>
+                                          </p:stCondLst>
+                                        </p:cTn>
+                                        <p:tgtEl>
+                                          <p:spTgt spid="170"/>
+                                        </p:tgtEl>
+                                        <p:attrNameLst>
+                                          <p:attrName>style.visibility</p:attrName>
+                                        </p:attrNameLst>
+                                      </p:cBhvr>
+                                      <p:to>
+                                        <p:strVal val="visible"/>
+                                      </p:to>
+                                    </p:set>
+                                    <p:animEffect filter="fade" transition="in">
+                                      <p:cBhvr>
+                                        <p:cTn dur="1000"/>
+                                        <p:tgtEl>
+                                          <p:spTgt spid="170"/>
+                                        </p:tgtEl>
+                                      </p:cBhvr>
+                                    </p:animEffect>
+                                  </p:childTnLst>
+                                </p:cTn>
+                              </p:par>
+                            </p:childTnLst>
+                          </p:cTn>
+                        </p:par>
+                      </p:childTnLst>
+                    </p:cTn>
+                  </p:par>
                   <p:par>
                     <p:cTn fill="hold">
                       <p:stCondLst>
@@ -10560,147 +10736,6 @@
                                           </p:stCondLst>
                                         </p:cTn>
                                         <p:tgtEl>
-                                          <p:spTgt spid="167"/>
-                                        </p:tgtEl>
-                                        <p:attrNameLst>
-                                          <p:attrName>style.visibility</p:attrName>
-                                        </p:attrNameLst>
-                                      </p:cBhvr>
-                                      <p:to>
-                                        <p:strVal val="visible"/>
-                                      </p:to>
-                                    </p:set>
-                                    <p:animEffect filter="fade" transition="in">
-                                      <p:cBhvr>
-                                        <p:cTn dur="1000"/>
-                                        <p:tgtEl>
-                                          <p:spTgt spid="167"/>
-                                        </p:tgtEl>
-                                      </p:cBhvr>
-                                    </p:animEffect>
-                                  </p:childTnLst>
-                                </p:cTn>
-                              </p:par>
-                            </p:childTnLst>
-                          </p:cTn>
-                        </p:par>
-                      </p:childTnLst>
-                    </p:cTn>
-                  </p:par>
-                  <p:par>
-                    <p:cTn fill="hold">
-                      <p:stCondLst>
-                        <p:cond delay="indefinite"/>
-                      </p:stCondLst>
-                      <p:childTnLst>
-                        <p:par>
-                          <p:cTn fill="hold">
-                            <p:stCondLst>
-                              <p:cond delay="0"/>
-                            </p:stCondLst>
-                            <p:childTnLst>
-                              <p:par>
-                                <p:cTn fill="hold" nodeType="clickEffect" presetClass="entr" presetID="10" presetSubtype="0">
-                                  <p:stCondLst>
-                                    <p:cond delay="0"/>
-                                  </p:stCondLst>
-                                  <p:childTnLst>
-                                    <p:set>
-                                      <p:cBhvr>
-                                        <p:cTn dur="1" fill="hold">
-                                          <p:stCondLst>
-                                            <p:cond delay="0"/>
-                                          </p:stCondLst>
-                                        </p:cTn>
-                                        <p:tgtEl>
-                                          <p:spTgt spid="172"/>
-                                        </p:tgtEl>
-                                        <p:attrNameLst>
-                                          <p:attrName>style.visibility</p:attrName>
-                                        </p:attrNameLst>
-                                      </p:cBhvr>
-                                      <p:to>
-                                        <p:strVal val="visible"/>
-                                      </p:to>
-                                    </p:set>
-                                    <p:animEffect filter="fade" transition="in">
-                                      <p:cBhvr>
-                                        <p:cTn dur="1000"/>
-                                        <p:tgtEl>
-                                          <p:spTgt spid="172"/>
-                                        </p:tgtEl>
-                                      </p:cBhvr>
-                                    </p:animEffect>
-                                  </p:childTnLst>
-                                </p:cTn>
-                              </p:par>
-                              <p:par>
-                                <p:cTn fill="hold" nodeType="withEffect" presetClass="entr" presetID="10" presetSubtype="0">
-                                  <p:stCondLst>
-                                    <p:cond delay="0"/>
-                                  </p:stCondLst>
-                                  <p:childTnLst>
-                                    <p:set>
-                                      <p:cBhvr>
-                                        <p:cTn dur="1" fill="hold">
-                                          <p:stCondLst>
-                                            <p:cond delay="0"/>
-                                          </p:stCondLst>
-                                        </p:cTn>
-                                        <p:tgtEl>
-                                          <p:spTgt spid="171"/>
-                                        </p:tgtEl>
-                                        <p:attrNameLst>
-                                          <p:attrName>style.visibility</p:attrName>
-                                        </p:attrNameLst>
-                                      </p:cBhvr>
-                                      <p:to>
-                                        <p:strVal val="visible"/>
-                                      </p:to>
-                                    </p:set>
-                                    <p:animEffect filter="fade" transition="in">
-                                      <p:cBhvr>
-                                        <p:cTn dur="1000"/>
-                                        <p:tgtEl>
-                                          <p:spTgt spid="171"/>
-                                        </p:tgtEl>
-                                      </p:cBhvr>
-                                    </p:animEffect>
-                                  </p:childTnLst>
-                                </p:cTn>
-                              </p:par>
-                            </p:childTnLst>
-                          </p:cTn>
-                        </p:par>
-                      </p:childTnLst>
-                    </p:cTn>
-                  </p:par>
-                  <p:par>
-                    <p:cTn fill="hold">
-                      <p:stCondLst>
-                        <p:cond delay="indefinite"/>
-                      </p:stCondLst>
-                      <p:childTnLst>
-                        <p:par>
-                          <p:cTn fill="hold">
-                            <p:stCondLst>
-                              <p:cond delay="0"/>
-                            </p:stCondLst>
-                            <p:childTnLst>
-                              <p:par>
-                                <p:cTn fill="hold" nodeType="clickEffect" presetClass="entr" presetID="10" presetSubtype="0">
-                                  <p:stCondLst>
-                                    <p:cond delay="0"/>
-                                  </p:stCondLst>
-                                  <p:childTnLst>
-                                    <p:set>
-                                      <p:cBhvr>
-                                        <p:cTn dur="1" fill="hold">
-                                          <p:stCondLst>
-                                            <p:cond delay="0"/>
-                                          </p:stCondLst>
-                                        </p:cTn>
-                                        <p:tgtEl>
                                           <p:spTgt spid="169"/>
                                         </p:tgtEl>
                                         <p:attrNameLst>
@@ -10736,7 +10771,7 @@
                                           </p:stCondLst>
                                         </p:cTn>
                                         <p:tgtEl>
-                                          <p:spTgt spid="170"/>
+                                          <p:spTgt spid="173"/>
                                         </p:tgtEl>
                                         <p:attrNameLst>
                                           <p:attrName>style.visibility</p:attrName>
@@ -10750,7 +10785,7 @@
                                       <p:cBhvr>
                                         <p:cTn dur="1000"/>
                                         <p:tgtEl>
-                                          <p:spTgt spid="170"/>
+                                          <p:spTgt spid="173"/>
                                         </p:tgtEl>
                                       </p:cBhvr>
                                     </p:animEffect>
@@ -10771,7 +10806,7 @@
                                           </p:stCondLst>
                                         </p:cTn>
                                         <p:tgtEl>
-                                          <p:spTgt spid="174"/>
+                                          <p:spTgt spid="172"/>
                                         </p:tgtEl>
                                         <p:attrNameLst>
                                           <p:attrName>style.visibility</p:attrName>
@@ -10785,42 +10820,7 @@
                                       <p:cBhvr>
                                         <p:cTn dur="1000"/>
                                         <p:tgtEl>
-                                          <p:spTgt spid="174"/>
-                                        </p:tgtEl>
-                                      </p:cBhvr>
-                                    </p:animEffect>
-                                  </p:childTnLst>
-                                </p:cTn>
-                              </p:par>
-                              <p:par>
-                                <p:cTn fill="hold" nodeType="withEffect" presetClass="entr" presetID="10" presetSubtype="0">
-                                  <p:stCondLst>
-                                    <p:cond delay="0"/>
-                                  </p:stCondLst>
-                                  <p:childTnLst>
-                                    <p:set>
-                                      <p:cBhvr>
-                                        <p:cTn dur="1" fill="hold">
-                                          <p:stCondLst>
-                                            <p:cond delay="0"/>
-                                          </p:stCondLst>
-                                        </p:cTn>
-                                        <p:tgtEl>
-                                          <p:spTgt spid="173"/>
-                                        </p:tgtEl>
-                                        <p:attrNameLst>
-                                          <p:attrName>style.visibility</p:attrName>
-                                        </p:attrNameLst>
-                                      </p:cBhvr>
-                                      <p:to>
-                                        <p:strVal val="visible"/>
-                                      </p:to>
-                                    </p:set>
-                                    <p:animEffect filter="fade" transition="in">
-                                      <p:cBhvr>
-                                        <p:cTn dur="1000"/>
-                                        <p:tgtEl>
-                                          <p:spTgt spid="173"/>
+                                          <p:spTgt spid="172"/>
                                         </p:tgtEl>
                                       </p:cBhvr>
                                     </p:animEffect>
@@ -10863,7 +10863,7 @@
   <p:cSld>
     <p:spTree>
       <p:nvGrpSpPr>
-        <p:cNvPr id="179" name="Shape 179"/>
+        <p:cNvPr id="178" name="Shape 178"/>
         <p:cNvGrpSpPr/>
         <p:nvPr/>
       </p:nvGrpSpPr>
@@ -10877,7 +10877,7 @@
       </p:grpSpPr>
       <p:sp>
         <p:nvSpPr>
-          <p:cNvPr id="180" name="Shape 180"/>
+          <p:cNvPr id="179" name="Shape 179"/>
           <p:cNvSpPr txBox="1"/>
           <p:nvPr>
             <p:ph type="title"/>
@@ -10913,7 +10913,7 @@
       </p:sp>
       <p:pic>
         <p:nvPicPr>
-          <p:cNvPr id="181" name="Shape 181"/>
+          <p:cNvPr id="180" name="Shape 180"/>
           <p:cNvPicPr preferRelativeResize="0"/>
           <p:nvPr/>
         </p:nvPicPr>
@@ -10941,7 +10941,7 @@
       </p:pic>
       <p:sp>
         <p:nvSpPr>
-          <p:cNvPr id="182" name="Shape 182"/>
+          <p:cNvPr id="181" name="Shape 181"/>
           <p:cNvSpPr txBox="1"/>
           <p:nvPr/>
         </p:nvSpPr>
@@ -11063,7 +11063,7 @@
       </p:sp>
       <p:sp>
         <p:nvSpPr>
-          <p:cNvPr id="183" name="Shape 183"/>
+          <p:cNvPr id="182" name="Shape 182"/>
           <p:cNvSpPr txBox="1"/>
           <p:nvPr/>
         </p:nvSpPr>
@@ -11125,7 +11125,7 @@
     <a:masterClrMapping/>
   </p:clrMapOvr>
   <p:transition spd="slow">
-    <p:cut/>
+    <p:fade/>
   </p:transition>
   <p:timing>
     <p:tnLst>
@@ -11135,6 +11135,59 @@
             <p:seq concurrent="1" nextAc="seek">
               <p:cTn dur="indefinite" id="2" nodeType="mainSeq">
                 <p:childTnLst>
+                  <p:par>
+                    <p:cTn fill="hold">
+                      <p:stCondLst>
+                        <p:cond delay="indefinite"/>
+                      </p:stCondLst>
+                      <p:childTnLst>
+                        <p:par>
+                          <p:cTn fill="hold">
+                            <p:stCondLst>
+                              <p:cond delay="0"/>
+                            </p:stCondLst>
+                            <p:childTnLst>
+                              <p:par>
+                                <p:cTn fill="hold" nodeType="clickEffect" presetClass="entr" presetID="10" presetSubtype="0">
+                                  <p:stCondLst>
+                                    <p:cond delay="0"/>
+                                  </p:stCondLst>
+                                  <p:childTnLst>
+                                    <p:set>
+                                      <p:cBhvr>
+                                        <p:cTn dur="1" fill="hold">
+                                          <p:stCondLst>
+                                            <p:cond delay="0"/>
+                                          </p:stCondLst>
+                                        </p:cTn>
+                                        <p:tgtEl>
+                                          <p:spTgt spid="181"/>
+                                        </p:tgtEl>
+                                        <p:attrNameLst>
+                                          <p:attrName>style.visibility</p:attrName>
+                                        </p:attrNameLst>
+                                      </p:cBhvr>
+                                      <p:to>
+                                        <p:strVal val="visible"/>
+                                      </p:to>
+                                    </p:set>
+                                    <p:animEffect filter="fade" transition="in">
+                                      <p:cBhvr>
+                                        <p:cTn dur="1000"/>
+                                        <p:tgtEl>
+                                          <p:spTgt spid="181"/>
+                                        </p:tgtEl>
+                                      </p:cBhvr>
+                                    </p:animEffect>
+                                  </p:childTnLst>
+                                </p:cTn>
+                              </p:par>
+                            </p:childTnLst>
+                          </p:cTn>
+                        </p:par>
+                      </p:childTnLst>
+                    </p:cTn>
+                  </p:par>
                   <p:par>
                     <p:cTn fill="hold">
                       <p:stCondLst>
@@ -11188,59 +11241,6 @@
                       </p:childTnLst>
                     </p:cTn>
                   </p:par>
-                  <p:par>
-                    <p:cTn fill="hold">
-                      <p:stCondLst>
-                        <p:cond delay="indefinite"/>
-                      </p:stCondLst>
-                      <p:childTnLst>
-                        <p:par>
-                          <p:cTn fill="hold">
-                            <p:stCondLst>
-                              <p:cond delay="0"/>
-                            </p:stCondLst>
-                            <p:childTnLst>
-                              <p:par>
-                                <p:cTn fill="hold" nodeType="clickEffect" presetClass="entr" presetID="10" presetSubtype="0">
-                                  <p:stCondLst>
-                                    <p:cond delay="0"/>
-                                  </p:stCondLst>
-                                  <p:childTnLst>
-                                    <p:set>
-                                      <p:cBhvr>
-                                        <p:cTn dur="1" fill="hold">
-                                          <p:stCondLst>
-                                            <p:cond delay="0"/>
-                                          </p:stCondLst>
-                                        </p:cTn>
-                                        <p:tgtEl>
-                                          <p:spTgt spid="183"/>
-                                        </p:tgtEl>
-                                        <p:attrNameLst>
-                                          <p:attrName>style.visibility</p:attrName>
-                                        </p:attrNameLst>
-                                      </p:cBhvr>
-                                      <p:to>
-                                        <p:strVal val="visible"/>
-                                      </p:to>
-                                    </p:set>
-                                    <p:animEffect filter="fade" transition="in">
-                                      <p:cBhvr>
-                                        <p:cTn dur="1000"/>
-                                        <p:tgtEl>
-                                          <p:spTgt spid="183"/>
-                                        </p:tgtEl>
-                                      </p:cBhvr>
-                                    </p:animEffect>
-                                  </p:childTnLst>
-                                </p:cTn>
-                              </p:par>
-                            </p:childTnLst>
-                          </p:cTn>
-                        </p:par>
-                      </p:childTnLst>
-                    </p:cTn>
-                  </p:par>
                 </p:childTnLst>
               </p:cTn>
               <p:prevCondLst>
@@ -11271,7 +11271,7 @@
   <p:cSld>
     <p:spTree>
       <p:nvGrpSpPr>
-        <p:cNvPr id="187" name="Shape 187"/>
+        <p:cNvPr id="186" name="Shape 186"/>
         <p:cNvGrpSpPr/>
         <p:nvPr/>
       </p:nvGrpSpPr>
@@ -11285,7 +11285,7 @@
       </p:grpSpPr>
       <p:sp>
         <p:nvSpPr>
-          <p:cNvPr id="188" name="Shape 188"/>
+          <p:cNvPr id="187" name="Shape 187"/>
           <p:cNvSpPr txBox="1"/>
           <p:nvPr>
             <p:ph type="title"/>
@@ -11321,7 +11321,7 @@
       </p:sp>
       <p:sp>
         <p:nvSpPr>
-          <p:cNvPr id="189" name="Shape 189"/>
+          <p:cNvPr id="188" name="Shape 188"/>
           <p:cNvSpPr txBox="1"/>
           <p:nvPr>
             <p:ph idx="1" type="body"/>
@@ -11389,7 +11389,7 @@
       </p:sp>
       <p:pic>
         <p:nvPicPr>
-          <p:cNvPr id="190" name="Shape 190"/>
+          <p:cNvPr id="189" name="Shape 189"/>
           <p:cNvPicPr preferRelativeResize="0"/>
           <p:nvPr/>
         </p:nvPicPr>
@@ -11417,7 +11417,7 @@
       </p:pic>
       <p:sp>
         <p:nvSpPr>
-          <p:cNvPr id="191" name="Shape 191"/>
+          <p:cNvPr id="190" name="Shape 190"/>
           <p:cNvSpPr txBox="1"/>
           <p:nvPr/>
         </p:nvSpPr>
@@ -11459,7 +11459,7 @@
       </p:sp>
       <p:sp>
         <p:nvSpPr>
-          <p:cNvPr id="192" name="Shape 192"/>
+          <p:cNvPr id="191" name="Shape 191"/>
           <p:cNvSpPr txBox="1"/>
           <p:nvPr/>
         </p:nvSpPr>
@@ -11501,7 +11501,7 @@
       </p:sp>
       <p:cxnSp>
         <p:nvCxnSpPr>
-          <p:cNvPr id="193" name="Shape 193"/>
+          <p:cNvPr id="192" name="Shape 192"/>
           <p:cNvCxnSpPr/>
           <p:nvPr/>
         </p:nvCxnSpPr>
@@ -11527,7 +11527,7 @@
       </p:cxnSp>
       <p:cxnSp>
         <p:nvCxnSpPr>
-          <p:cNvPr id="194" name="Shape 194"/>
+          <p:cNvPr id="193" name="Shape 193"/>
           <p:cNvCxnSpPr/>
           <p:nvPr/>
         </p:nvCxnSpPr>
@@ -11553,7 +11553,7 @@
       </p:cxnSp>
       <p:sp>
         <p:nvSpPr>
-          <p:cNvPr id="195" name="Shape 195"/>
+          <p:cNvPr id="194" name="Shape 194"/>
           <p:cNvSpPr txBox="1"/>
           <p:nvPr/>
         </p:nvSpPr>
@@ -11611,7 +11611,7 @@
       </p:sp>
       <p:cxnSp>
         <p:nvCxnSpPr>
-          <p:cNvPr id="196" name="Shape 196"/>
+          <p:cNvPr id="195" name="Shape 195"/>
           <p:cNvCxnSpPr/>
           <p:nvPr/>
         </p:nvCxnSpPr>
@@ -11637,7 +11637,7 @@
       </p:cxnSp>
       <p:sp>
         <p:nvSpPr>
-          <p:cNvPr id="197" name="Shape 197"/>
+          <p:cNvPr id="196" name="Shape 196"/>
           <p:cNvSpPr txBox="1"/>
           <p:nvPr/>
         </p:nvSpPr>
@@ -11679,7 +11679,7 @@
       </p:sp>
       <p:cxnSp>
         <p:nvCxnSpPr>
-          <p:cNvPr id="198" name="Shape 198"/>
+          <p:cNvPr id="197" name="Shape 197"/>
           <p:cNvCxnSpPr/>
           <p:nvPr/>
         </p:nvCxnSpPr>
@@ -11709,7 +11709,7 @@
     <a:masterClrMapping/>
   </p:clrMapOvr>
   <p:transition spd="slow">
-    <p:cut/>
+    <p:fade/>
   </p:transition>
   <p:timing>
     <p:tnLst>
@@ -11719,6 +11719,59 @@
             <p:seq concurrent="1" nextAc="seek">
               <p:cTn dur="indefinite" id="2" nodeType="mainSeq">
                 <p:childTnLst>
+                  <p:par>
+                    <p:cTn fill="hold">
+                      <p:stCondLst>
+                        <p:cond delay="indefinite"/>
+                      </p:stCondLst>
+                      <p:childTnLst>
+                        <p:par>
+                          <p:cTn fill="hold">
+                            <p:stCondLst>
+                              <p:cond delay="0"/>
+                            </p:stCondLst>
+                            <p:childTnLst>
+                              <p:par>
+                                <p:cTn fill="hold" nodeType="clickEffect" presetClass="entr" presetID="10" presetSubtype="0">
+                                  <p:stCondLst>
+                                    <p:cond delay="0"/>
+                                  </p:stCondLst>
+                                  <p:childTnLst>
+                                    <p:set>
+                                      <p:cBhvr>
+                                        <p:cTn dur="1" fill="hold">
+                                          <p:stCondLst>
+                                            <p:cond delay="0"/>
+                                          </p:stCondLst>
+                                        </p:cTn>
+                                        <p:tgtEl>
+                                          <p:spTgt spid="189"/>
+                                        </p:tgtEl>
+                                        <p:attrNameLst>
+                                          <p:attrName>style.visibility</p:attrName>
+                                        </p:attrNameLst>
+                                      </p:cBhvr>
+                                      <p:to>
+                                        <p:strVal val="visible"/>
+                                      </p:to>
+                                    </p:set>
+                                    <p:animEffect filter="fade" transition="in">
+                                      <p:cBhvr>
+                                        <p:cTn dur="1000"/>
+                                        <p:tgtEl>
+                                          <p:spTgt spid="189"/>
+                                        </p:tgtEl>
+                                      </p:cBhvr>
+                                    </p:animEffect>
+                                  </p:childTnLst>
+                                </p:cTn>
+                              </p:par>
+                            </p:childTnLst>
+                          </p:cTn>
+                        </p:par>
+                      </p:childTnLst>
+                    </p:cTn>
+                  </p:par>
                   <p:par>
                     <p:cTn fill="hold">
                       <p:stCondLst>
@@ -11760,6 +11813,41 @@
                                         <p:cTn dur="1000"/>
                                         <p:tgtEl>
                                           <p:spTgt spid="190"/>
+                                        </p:tgtEl>
+                                      </p:cBhvr>
+                                    </p:animEffect>
+                                  </p:childTnLst>
+                                </p:cTn>
+                              </p:par>
+                              <p:par>
+                                <p:cTn fill="hold" nodeType="withEffect" presetClass="entr" presetID="10" presetSubtype="0">
+                                  <p:stCondLst>
+                                    <p:cond delay="0"/>
+                                  </p:stCondLst>
+                                  <p:childTnLst>
+                                    <p:set>
+                                      <p:cBhvr>
+                                        <p:cTn dur="1" fill="hold">
+                                          <p:stCondLst>
+                                            <p:cond delay="0"/>
+                                          </p:stCondLst>
+                                        </p:cTn>
+                                        <p:tgtEl>
+                                          <p:spTgt spid="192"/>
+                                        </p:tgtEl>
+                                        <p:attrNameLst>
+                                          <p:attrName>style.visibility</p:attrName>
+                                        </p:attrNameLst>
+                                      </p:cBhvr>
+                                      <p:to>
+                                        <p:strVal val="visible"/>
+                                      </p:to>
+                                    </p:set>
+                                    <p:animEffect filter="fade" transition="in">
+                                      <p:cBhvr>
+                                        <p:cTn dur="1000"/>
+                                        <p:tgtEl>
+                                          <p:spTgt spid="192"/>
                                         </p:tgtEl>
                                       </p:cBhvr>
                                     </p:animEffect>
@@ -11886,7 +11974,7 @@
                                           </p:stCondLst>
                                         </p:cTn>
                                         <p:tgtEl>
-                                          <p:spTgt spid="192"/>
+                                          <p:spTgt spid="196"/>
                                         </p:tgtEl>
                                         <p:attrNameLst>
                                           <p:attrName>style.visibility</p:attrName>
@@ -11900,7 +11988,7 @@
                                       <p:cBhvr>
                                         <p:cTn dur="1000"/>
                                         <p:tgtEl>
-                                          <p:spTgt spid="192"/>
+                                          <p:spTgt spid="196"/>
                                         </p:tgtEl>
                                       </p:cBhvr>
                                     </p:animEffect>
@@ -11921,7 +12009,7 @@
                                           </p:stCondLst>
                                         </p:cTn>
                                         <p:tgtEl>
-                                          <p:spTgt spid="194"/>
+                                          <p:spTgt spid="197"/>
                                         </p:tgtEl>
                                         <p:attrNameLst>
                                           <p:attrName>style.visibility</p:attrName>
@@ -11935,7 +12023,7 @@
                                       <p:cBhvr>
                                         <p:cTn dur="1000"/>
                                         <p:tgtEl>
-                                          <p:spTgt spid="194"/>
+                                          <p:spTgt spid="197"/>
                                         </p:tgtEl>
                                       </p:cBhvr>
                                     </p:animEffect>
@@ -11974,7 +12062,7 @@
                                           </p:stCondLst>
                                         </p:cTn>
                                         <p:tgtEl>
-                                          <p:spTgt spid="197"/>
+                                          <p:spTgt spid="194"/>
                                         </p:tgtEl>
                                         <p:attrNameLst>
                                           <p:attrName>style.visibility</p:attrName>
@@ -11988,7 +12076,7 @@
                                       <p:cBhvr>
                                         <p:cTn dur="1000"/>
                                         <p:tgtEl>
-                                          <p:spTgt spid="197"/>
+                                          <p:spTgt spid="194"/>
                                         </p:tgtEl>
                                       </p:cBhvr>
                                     </p:animEffect>
@@ -11997,59 +12085,6 @@
                               </p:par>
                               <p:par>
                                 <p:cTn fill="hold" nodeType="withEffect" presetClass="entr" presetID="10" presetSubtype="0">
-                                  <p:stCondLst>
-                                    <p:cond delay="0"/>
-                                  </p:stCondLst>
-                                  <p:childTnLst>
-                                    <p:set>
-                                      <p:cBhvr>
-                                        <p:cTn dur="1" fill="hold">
-                                          <p:stCondLst>
-                                            <p:cond delay="0"/>
-                                          </p:stCondLst>
-                                        </p:cTn>
-                                        <p:tgtEl>
-                                          <p:spTgt spid="198"/>
-                                        </p:tgtEl>
-                                        <p:attrNameLst>
-                                          <p:attrName>style.visibility</p:attrName>
-                                        </p:attrNameLst>
-                                      </p:cBhvr>
-                                      <p:to>
-                                        <p:strVal val="visible"/>
-                                      </p:to>
-                                    </p:set>
-                                    <p:animEffect filter="fade" transition="in">
-                                      <p:cBhvr>
-                                        <p:cTn dur="1000"/>
-                                        <p:tgtEl>
-                                          <p:spTgt spid="198"/>
-                                        </p:tgtEl>
-                                      </p:cBhvr>
-                                    </p:animEffect>
-                                  </p:childTnLst>
-                                </p:cTn>
-                              </p:par>
-                            </p:childTnLst>
-                          </p:cTn>
-                        </p:par>
-                      </p:childTnLst>
-                    </p:cTn>
-                  </p:par>
-                  <p:par>
-                    <p:cTn fill="hold">
-                      <p:stCondLst>
-                        <p:cond delay="indefinite"/>
-                      </p:stCondLst>
-                      <p:childTnLst>
-                        <p:par>
-                          <p:cTn fill="hold">
-                            <p:stCondLst>
-                              <p:cond delay="0"/>
-                            </p:stCondLst>
-                            <p:childTnLst>
-                              <p:par>
-                                <p:cTn fill="hold" nodeType="clickEffect" presetClass="entr" presetID="10" presetSubtype="0">
                                   <p:stCondLst>
                                     <p:cond delay="0"/>
                                   </p:stCondLst>
@@ -12077,41 +12112,6 @@
                                         <p:cTn dur="1000"/>
                                         <p:tgtEl>
                                           <p:spTgt spid="195"/>
-                                        </p:tgtEl>
-                                      </p:cBhvr>
-                                    </p:animEffect>
-                                  </p:childTnLst>
-                                </p:cTn>
-                              </p:par>
-                              <p:par>
-                                <p:cTn fill="hold" nodeType="withEffect" presetClass="entr" presetID="10" presetSubtype="0">
-                                  <p:stCondLst>
-                                    <p:cond delay="0"/>
-                                  </p:stCondLst>
-                                  <p:childTnLst>
-                                    <p:set>
-                                      <p:cBhvr>
-                                        <p:cTn dur="1" fill="hold">
-                                          <p:stCondLst>
-                                            <p:cond delay="0"/>
-                                          </p:stCondLst>
-                                        </p:cTn>
-                                        <p:tgtEl>
-                                          <p:spTgt spid="196"/>
-                                        </p:tgtEl>
-                                        <p:attrNameLst>
-                                          <p:attrName>style.visibility</p:attrName>
-                                        </p:attrNameLst>
-                                      </p:cBhvr>
-                                      <p:to>
-                                        <p:strVal val="visible"/>
-                                      </p:to>
-                                    </p:set>
-                                    <p:animEffect filter="fade" transition="in">
-                                      <p:cBhvr>
-                                        <p:cTn dur="1000"/>
-                                        <p:tgtEl>
-                                          <p:spTgt spid="196"/>
                                         </p:tgtEl>
                                       </p:cBhvr>
                                     </p:animEffect>
@@ -12154,7 +12154,7 @@
   <p:cSld>
     <p:spTree>
       <p:nvGrpSpPr>
-        <p:cNvPr id="202" name="Shape 202"/>
+        <p:cNvPr id="201" name="Shape 201"/>
         <p:cNvGrpSpPr/>
         <p:nvPr/>
       </p:nvGrpSpPr>
@@ -12168,7 +12168,7 @@
       </p:grpSpPr>
       <p:sp>
         <p:nvSpPr>
-          <p:cNvPr id="203" name="Shape 203"/>
+          <p:cNvPr id="202" name="Shape 202"/>
           <p:cNvSpPr txBox="1"/>
           <p:nvPr>
             <p:ph type="title"/>
@@ -12204,7 +12204,7 @@
       </p:sp>
       <p:sp>
         <p:nvSpPr>
-          <p:cNvPr id="204" name="Shape 204"/>
+          <p:cNvPr id="203" name="Shape 203"/>
           <p:cNvSpPr txBox="1"/>
           <p:nvPr>
             <p:ph idx="1" type="body"/>
@@ -12325,7 +12325,7 @@
     <a:masterClrMapping/>
   </p:clrMapOvr>
   <p:transition spd="slow">
-    <p:cut/>
+    <p:fade/>
   </p:transition>
   <p:timing>
     <p:tnLst>
@@ -12361,7 +12361,7 @@
                                           </p:stCondLst>
                                         </p:cTn>
                                         <p:tgtEl>
-                                          <p:spTgt spid="204">
+                                          <p:spTgt spid="203">
                                             <p:txEl>
                                               <p:pRg end="0" st="0"/>
                                             </p:txEl>
@@ -12379,7 +12379,7 @@
                                       <p:cBhvr>
                                         <p:cTn dur="1000"/>
                                         <p:tgtEl>
-                                          <p:spTgt spid="204">
+                                          <p:spTgt spid="203">
                                             <p:txEl>
                                               <p:pRg end="0" st="0"/>
                                             </p:txEl>
@@ -12422,7 +12422,7 @@
                                           </p:stCondLst>
                                         </p:cTn>
                                         <p:tgtEl>
-                                          <p:spTgt spid="204">
+                                          <p:spTgt spid="203">
                                             <p:txEl>
                                               <p:pRg end="1" st="1"/>
                                             </p:txEl>
@@ -12440,7 +12440,7 @@
                                       <p:cBhvr>
                                         <p:cTn dur="1000"/>
                                         <p:tgtEl>
-                                          <p:spTgt spid="204">
+                                          <p:spTgt spid="203">
                                             <p:txEl>
                                               <p:pRg end="1" st="1"/>
                                             </p:txEl>
@@ -12483,7 +12483,7 @@
                                           </p:stCondLst>
                                         </p:cTn>
                                         <p:tgtEl>
-                                          <p:spTgt spid="204">
+                                          <p:spTgt spid="203">
                                             <p:txEl>
                                               <p:pRg end="2" st="2"/>
                                             </p:txEl>
@@ -12501,7 +12501,7 @@
                                       <p:cBhvr>
                                         <p:cTn dur="1000"/>
                                         <p:tgtEl>
-                                          <p:spTgt spid="204">
+                                          <p:spTgt spid="203">
                                             <p:txEl>
                                               <p:pRg end="2" st="2"/>
                                             </p:txEl>
@@ -12544,7 +12544,7 @@
                                           </p:stCondLst>
                                         </p:cTn>
                                         <p:tgtEl>
-                                          <p:spTgt spid="204">
+                                          <p:spTgt spid="203">
                                             <p:txEl>
                                               <p:pRg end="3" st="3"/>
                                             </p:txEl>
@@ -12562,7 +12562,7 @@
                                       <p:cBhvr>
                                         <p:cTn dur="1000"/>
                                         <p:tgtEl>
-                                          <p:spTgt spid="204">
+                                          <p:spTgt spid="203">
                                             <p:txEl>
                                               <p:pRg end="3" st="3"/>
                                             </p:txEl>
@@ -12609,7 +12609,7 @@
   <p:cSld>
     <p:spTree>
       <p:nvGrpSpPr>
-        <p:cNvPr id="208" name="Shape 208"/>
+        <p:cNvPr id="207" name="Shape 207"/>
         <p:cNvGrpSpPr/>
         <p:nvPr/>
       </p:nvGrpSpPr>
@@ -12623,7 +12623,7 @@
       </p:grpSpPr>
       <p:pic>
         <p:nvPicPr>
-          <p:cNvPr id="209" name="Shape 209"/>
+          <p:cNvPr id="208" name="Shape 208"/>
           <p:cNvPicPr preferRelativeResize="0"/>
           <p:nvPr/>
         </p:nvPicPr>
@@ -12651,7 +12651,7 @@
       </p:pic>
       <p:sp>
         <p:nvSpPr>
-          <p:cNvPr id="210" name="Shape 210"/>
+          <p:cNvPr id="209" name="Shape 209"/>
           <p:cNvSpPr txBox="1"/>
           <p:nvPr>
             <p:ph type="title"/>
@@ -12687,7 +12687,7 @@
       </p:sp>
       <p:sp>
         <p:nvSpPr>
-          <p:cNvPr id="211" name="Shape 211"/>
+          <p:cNvPr id="210" name="Shape 210"/>
           <p:cNvSpPr txBox="1"/>
           <p:nvPr/>
         </p:nvSpPr>
@@ -12778,7 +12778,7 @@
                   <a:srgbClr val="666666"/>
                 </a:solidFill>
               </a:rPr>
-              <a:t> test set</a:t>
+              <a:t> validation set</a:t>
             </a:r>
           </a:p>
         </p:txBody>
@@ -12789,7 +12789,7 @@
     <a:masterClrMapping/>
   </p:clrMapOvr>
   <p:transition spd="slow">
-    <p:cut/>
+    <p:fade/>
   </p:transition>
 </p:sld>
 </file>
@@ -12799,7 +12799,7 @@
   <p:cSld>
     <p:spTree>
       <p:nvGrpSpPr>
-        <p:cNvPr id="215" name="Shape 215"/>
+        <p:cNvPr id="214" name="Shape 214"/>
         <p:cNvGrpSpPr/>
         <p:nvPr/>
       </p:nvGrpSpPr>
@@ -12813,7 +12813,7 @@
       </p:grpSpPr>
       <p:sp>
         <p:nvSpPr>
-          <p:cNvPr id="216" name="Shape 216"/>
+          <p:cNvPr id="215" name="Shape 215"/>
           <p:cNvSpPr txBox="1"/>
           <p:nvPr>
             <p:ph type="title"/>
@@ -12849,7 +12849,7 @@
       </p:sp>
       <p:pic>
         <p:nvPicPr>
-          <p:cNvPr id="217" name="Shape 217"/>
+          <p:cNvPr id="216" name="Shape 216"/>
           <p:cNvPicPr preferRelativeResize="0"/>
           <p:nvPr/>
         </p:nvPicPr>
@@ -12877,7 +12877,7 @@
       </p:pic>
       <p:sp>
         <p:nvSpPr>
-          <p:cNvPr id="218" name="Shape 218"/>
+          <p:cNvPr id="217" name="Shape 217"/>
           <p:cNvSpPr txBox="1"/>
           <p:nvPr/>
         </p:nvSpPr>
@@ -12951,7 +12951,7 @@
       </p:sp>
       <p:cxnSp>
         <p:nvCxnSpPr>
-          <p:cNvPr id="219" name="Shape 219"/>
+          <p:cNvPr id="218" name="Shape 218"/>
           <p:cNvCxnSpPr/>
           <p:nvPr/>
         </p:nvCxnSpPr>
@@ -12977,13 +12977,13 @@
       </p:cxnSp>
       <p:sp>
         <p:nvSpPr>
-          <p:cNvPr id="220" name="Shape 220"/>
+          <p:cNvPr id="219" name="Shape 219"/>
           <p:cNvSpPr txBox="1"/>
           <p:nvPr/>
         </p:nvSpPr>
         <p:spPr>
           <a:xfrm>
-            <a:off x="6884950" y="4399850"/>
+            <a:off x="6805205" y="4247450"/>
             <a:ext cx="2299800" cy="815400"/>
           </a:xfrm>
           <a:prstGeom prst="rect">
@@ -13012,14 +13012,14 @@
                   <a:srgbClr val="CC4125"/>
                 </a:solidFill>
               </a:rPr>
-              <a:t>linear regression w/ varying degree of polynomial</a:t>
+              <a:t>E.g. linear regression w/ varying degree of polynomial</a:t>
             </a:r>
           </a:p>
         </p:txBody>
       </p:sp>
       <p:cxnSp>
         <p:nvCxnSpPr>
-          <p:cNvPr id="221" name="Shape 221"/>
+          <p:cNvPr id="220" name="Shape 220"/>
           <p:cNvCxnSpPr/>
           <p:nvPr/>
         </p:nvCxnSpPr>
@@ -13049,7 +13049,7 @@
     <a:masterClrMapping/>
   </p:clrMapOvr>
   <p:transition spd="slow">
-    <p:cut/>
+    <p:fade/>
   </p:transition>
   <p:timing>
     <p:tnLst>
@@ -13085,7 +13085,7 @@
                                           </p:stCondLst>
                                         </p:cTn>
                                         <p:tgtEl>
-                                          <p:spTgt spid="220"/>
+                                          <p:spTgt spid="219"/>
                                         </p:tgtEl>
                                         <p:attrNameLst>
                                           <p:attrName>style.visibility</p:attrName>
@@ -13099,7 +13099,7 @@
                                       <p:cBhvr>
                                         <p:cTn dur="1000"/>
                                         <p:tgtEl>
-                                          <p:spTgt spid="220"/>
+                                          <p:spTgt spid="219"/>
                                         </p:tgtEl>
                                       </p:cBhvr>
                                     </p:animEffect>
@@ -13120,7 +13120,7 @@
                                           </p:stCondLst>
                                         </p:cTn>
                                         <p:tgtEl>
-                                          <p:spTgt spid="219"/>
+                                          <p:spTgt spid="218"/>
                                         </p:tgtEl>
                                         <p:attrNameLst>
                                           <p:attrName>style.visibility</p:attrName>
@@ -13134,7 +13134,7 @@
                                       <p:cBhvr>
                                         <p:cTn dur="1000"/>
                                         <p:tgtEl>
-                                          <p:spTgt spid="219"/>
+                                          <p:spTgt spid="218"/>
                                         </p:tgtEl>
                                       </p:cBhvr>
                                     </p:animEffect>
@@ -13173,7 +13173,7 @@
                                           </p:stCondLst>
                                         </p:cTn>
                                         <p:tgtEl>
-                                          <p:spTgt spid="218"/>
+                                          <p:spTgt spid="217"/>
                                         </p:tgtEl>
                                         <p:attrNameLst>
                                           <p:attrName>style.visibility</p:attrName>
@@ -13187,7 +13187,7 @@
                                       <p:cBhvr>
                                         <p:cTn dur="1000"/>
                                         <p:tgtEl>
-                                          <p:spTgt spid="218"/>
+                                          <p:spTgt spid="217"/>
                                         </p:tgtEl>
                                       </p:cBhvr>
                                     </p:animEffect>
@@ -13208,7 +13208,7 @@
                                           </p:stCondLst>
                                         </p:cTn>
                                         <p:tgtEl>
-                                          <p:spTgt spid="221"/>
+                                          <p:spTgt spid="220"/>
                                         </p:tgtEl>
                                         <p:attrNameLst>
                                           <p:attrName>style.visibility</p:attrName>
@@ -13222,7 +13222,7 @@
                                       <p:cBhvr>
                                         <p:cTn dur="1000"/>
                                         <p:tgtEl>
-                                          <p:spTgt spid="221"/>
+                                          <p:spTgt spid="220"/>
                                         </p:tgtEl>
                                       </p:cBhvr>
                                     </p:animEffect>
@@ -13265,7 +13265,7 @@
   <p:cSld>
     <p:spTree>
       <p:nvGrpSpPr>
-        <p:cNvPr id="225" name="Shape 225"/>
+        <p:cNvPr id="224" name="Shape 224"/>
         <p:cNvGrpSpPr/>
         <p:nvPr/>
       </p:nvGrpSpPr>
@@ -13279,7 +13279,7 @@
       </p:grpSpPr>
       <p:sp>
         <p:nvSpPr>
-          <p:cNvPr id="226" name="Shape 226"/>
+          <p:cNvPr id="225" name="Shape 225"/>
           <p:cNvSpPr txBox="1"/>
           <p:nvPr>
             <p:ph type="title"/>
@@ -13323,7 +13323,7 @@
       </p:sp>
       <p:pic>
         <p:nvPicPr>
-          <p:cNvPr id="227" name="Shape 227"/>
+          <p:cNvPr id="226" name="Shape 226"/>
           <p:cNvPicPr preferRelativeResize="0"/>
           <p:nvPr/>
         </p:nvPicPr>
@@ -13351,7 +13351,7 @@
       </p:pic>
       <p:sp>
         <p:nvSpPr>
-          <p:cNvPr id="228" name="Shape 228"/>
+          <p:cNvPr id="227" name="Shape 227"/>
           <p:cNvSpPr txBox="1"/>
           <p:nvPr/>
         </p:nvSpPr>
@@ -13509,7 +13509,7 @@
     <a:masterClrMapping/>
   </p:clrMapOvr>
   <p:transition spd="slow">
-    <p:cut/>
+    <p:fade/>
   </p:transition>
 </p:sld>
 </file>
@@ -13519,7 +13519,7 @@
   <p:cSld>
     <p:spTree>
       <p:nvGrpSpPr>
-        <p:cNvPr id="232" name="Shape 232"/>
+        <p:cNvPr id="231" name="Shape 231"/>
         <p:cNvGrpSpPr/>
         <p:nvPr/>
       </p:nvGrpSpPr>
@@ -13533,7 +13533,7 @@
       </p:grpSpPr>
       <p:sp>
         <p:nvSpPr>
-          <p:cNvPr id="233" name="Shape 233"/>
+          <p:cNvPr id="232" name="Shape 232"/>
           <p:cNvSpPr txBox="1"/>
           <p:nvPr>
             <p:ph type="title"/>
@@ -13569,7 +13569,7 @@
       </p:sp>
       <p:sp>
         <p:nvSpPr>
-          <p:cNvPr id="234" name="Shape 234"/>
+          <p:cNvPr id="233" name="Shape 233"/>
           <p:cNvSpPr txBox="1"/>
           <p:nvPr>
             <p:ph idx="4294967295" type="body"/>
@@ -13735,7 +13735,7 @@
       </p:sp>
       <p:pic>
         <p:nvPicPr>
-          <p:cNvPr id="235" name="Shape 235"/>
+          <p:cNvPr id="234" name="Shape 234"/>
           <p:cNvPicPr preferRelativeResize="0"/>
           <p:nvPr/>
         </p:nvPicPr>
@@ -13763,7 +13763,7 @@
       </p:pic>
       <p:sp>
         <p:nvSpPr>
-          <p:cNvPr id="236" name="Shape 236"/>
+          <p:cNvPr id="235" name="Shape 235"/>
           <p:cNvSpPr txBox="1"/>
           <p:nvPr/>
         </p:nvSpPr>
@@ -13835,9 +13835,9 @@
       </p:sp>
       <p:cxnSp>
         <p:nvCxnSpPr>
-          <p:cNvPr id="237" name="Shape 237"/>
+          <p:cNvPr id="236" name="Shape 236"/>
           <p:cNvCxnSpPr>
-            <a:stCxn id="236" idx="1"/>
+            <a:stCxn id="235" idx="1"/>
           </p:cNvCxnSpPr>
           <p:nvPr/>
         </p:nvCxnSpPr>
@@ -13863,7 +13863,7 @@
       </p:cxnSp>
       <p:sp>
         <p:nvSpPr>
-          <p:cNvPr id="238" name="Shape 238"/>
+          <p:cNvPr id="237" name="Shape 237"/>
           <p:cNvSpPr txBox="1"/>
           <p:nvPr/>
         </p:nvSpPr>
@@ -13935,9 +13935,9 @@
       </p:sp>
       <p:cxnSp>
         <p:nvCxnSpPr>
-          <p:cNvPr id="239" name="Shape 239"/>
+          <p:cNvPr id="238" name="Shape 238"/>
           <p:cNvCxnSpPr>
-            <a:stCxn id="238" idx="1"/>
+            <a:stCxn id="237" idx="1"/>
           </p:cNvCxnSpPr>
           <p:nvPr/>
         </p:nvCxnSpPr>
@@ -13967,7 +13967,7 @@
     <a:masterClrMapping/>
   </p:clrMapOvr>
   <p:transition spd="slow">
-    <p:cut/>
+    <p:fade/>
   </p:transition>
   <p:timing>
     <p:tnLst>
@@ -14003,7 +14003,7 @@
                                           </p:stCondLst>
                                         </p:cTn>
                                         <p:tgtEl>
-                                          <p:spTgt spid="234">
+                                          <p:spTgt spid="233">
                                             <p:txEl>
                                               <p:pRg end="0" st="0"/>
                                             </p:txEl>
@@ -14021,7 +14021,7 @@
                                       <p:cBhvr>
                                         <p:cTn dur="1000"/>
                                         <p:tgtEl>
-                                          <p:spTgt spid="234">
+                                          <p:spTgt spid="233">
                                             <p:txEl>
                                               <p:pRg end="0" st="0"/>
                                             </p:txEl>
@@ -14064,7 +14064,7 @@
                                           </p:stCondLst>
                                         </p:cTn>
                                         <p:tgtEl>
-                                          <p:spTgt spid="234">
+                                          <p:spTgt spid="233">
                                             <p:txEl>
                                               <p:pRg end="1" st="1"/>
                                             </p:txEl>
@@ -14082,7 +14082,7 @@
                                       <p:cBhvr>
                                         <p:cTn dur="1000"/>
                                         <p:tgtEl>
-                                          <p:spTgt spid="234">
+                                          <p:spTgt spid="233">
                                             <p:txEl>
                                               <p:pRg end="1" st="1"/>
                                             </p:txEl>
@@ -14125,7 +14125,7 @@
                                           </p:stCondLst>
                                         </p:cTn>
                                         <p:tgtEl>
-                                          <p:spTgt spid="234">
+                                          <p:spTgt spid="233">
                                             <p:txEl>
                                               <p:pRg end="2" st="2"/>
                                             </p:txEl>
@@ -14143,7 +14143,7 @@
                                       <p:cBhvr>
                                         <p:cTn dur="1000"/>
                                         <p:tgtEl>
-                                          <p:spTgt spid="234">
+                                          <p:spTgt spid="233">
                                             <p:txEl>
                                               <p:pRg end="2" st="2"/>
                                             </p:txEl>
@@ -14186,7 +14186,7 @@
                                           </p:stCondLst>
                                         </p:cTn>
                                         <p:tgtEl>
-                                          <p:spTgt spid="234">
+                                          <p:spTgt spid="233">
                                             <p:txEl>
                                               <p:pRg end="3" st="3"/>
                                             </p:txEl>
@@ -14204,7 +14204,7 @@
                                       <p:cBhvr>
                                         <p:cTn dur="1000"/>
                                         <p:tgtEl>
-                                          <p:spTgt spid="234">
+                                          <p:spTgt spid="233">
                                             <p:txEl>
                                               <p:pRg end="3" st="3"/>
                                             </p:txEl>
@@ -14247,7 +14247,7 @@
                                           </p:stCondLst>
                                         </p:cTn>
                                         <p:tgtEl>
-                                          <p:spTgt spid="234">
+                                          <p:spTgt spid="233">
                                             <p:txEl>
                                               <p:pRg end="4" st="4"/>
                                             </p:txEl>
@@ -14265,7 +14265,7 @@
                                       <p:cBhvr>
                                         <p:cTn dur="1000"/>
                                         <p:tgtEl>
-                                          <p:spTgt spid="234">
+                                          <p:spTgt spid="233">
                                             <p:txEl>
                                               <p:pRg end="4" st="4"/>
                                             </p:txEl>
@@ -14308,7 +14308,7 @@
                                           </p:stCondLst>
                                         </p:cTn>
                                         <p:tgtEl>
-                                          <p:spTgt spid="234">
+                                          <p:spTgt spid="233">
                                             <p:txEl>
                                               <p:pRg end="5" st="5"/>
                                             </p:txEl>
@@ -14326,7 +14326,7 @@
                                       <p:cBhvr>
                                         <p:cTn dur="1000"/>
                                         <p:tgtEl>
-                                          <p:spTgt spid="234">
+                                          <p:spTgt spid="233">
                                             <p:txEl>
                                               <p:pRg end="5" st="5"/>
                                             </p:txEl>
@@ -14369,7 +14369,7 @@
                                           </p:stCondLst>
                                         </p:cTn>
                                         <p:tgtEl>
-                                          <p:spTgt spid="236"/>
+                                          <p:spTgt spid="235"/>
                                         </p:tgtEl>
                                         <p:attrNameLst>
                                           <p:attrName>style.visibility</p:attrName>
@@ -14383,7 +14383,7 @@
                                       <p:cBhvr>
                                         <p:cTn dur="1000"/>
                                         <p:tgtEl>
-                                          <p:spTgt spid="236"/>
+                                          <p:spTgt spid="235"/>
                                         </p:tgtEl>
                                       </p:cBhvr>
                                     </p:animEffect>
@@ -14404,7 +14404,7 @@
                                           </p:stCondLst>
                                         </p:cTn>
                                         <p:tgtEl>
-                                          <p:spTgt spid="237"/>
+                                          <p:spTgt spid="236"/>
                                         </p:tgtEl>
                                         <p:attrNameLst>
                                           <p:attrName>style.visibility</p:attrName>
@@ -14418,7 +14418,7 @@
                                       <p:cBhvr>
                                         <p:cTn dur="1000"/>
                                         <p:tgtEl>
-                                          <p:spTgt spid="237"/>
+                                          <p:spTgt spid="236"/>
                                         </p:tgtEl>
                                       </p:cBhvr>
                                     </p:animEffect>
@@ -14457,7 +14457,7 @@
                                           </p:stCondLst>
                                         </p:cTn>
                                         <p:tgtEl>
-                                          <p:spTgt spid="238"/>
+                                          <p:spTgt spid="237"/>
                                         </p:tgtEl>
                                         <p:attrNameLst>
                                           <p:attrName>style.visibility</p:attrName>
@@ -14471,7 +14471,7 @@
                                       <p:cBhvr>
                                         <p:cTn dur="1000"/>
                                         <p:tgtEl>
-                                          <p:spTgt spid="238"/>
+                                          <p:spTgt spid="237"/>
                                         </p:tgtEl>
                                       </p:cBhvr>
                                     </p:animEffect>
@@ -14492,7 +14492,7 @@
                                           </p:stCondLst>
                                         </p:cTn>
                                         <p:tgtEl>
-                                          <p:spTgt spid="239"/>
+                                          <p:spTgt spid="238"/>
                                         </p:tgtEl>
                                         <p:attrNameLst>
                                           <p:attrName>style.visibility</p:attrName>
@@ -14506,7 +14506,7 @@
                                       <p:cBhvr>
                                         <p:cTn dur="1000"/>
                                         <p:tgtEl>
-                                          <p:spTgt spid="239"/>
+                                          <p:spTgt spid="238"/>
                                         </p:tgtEl>
                                       </p:cBhvr>
                                     </p:animEffect>
@@ -14549,7 +14549,7 @@
   <p:cSld>
     <p:spTree>
       <p:nvGrpSpPr>
-        <p:cNvPr id="243" name="Shape 243"/>
+        <p:cNvPr id="242" name="Shape 242"/>
         <p:cNvGrpSpPr/>
         <p:nvPr/>
       </p:nvGrpSpPr>
@@ -14563,7 +14563,7 @@
       </p:grpSpPr>
       <p:sp>
         <p:nvSpPr>
-          <p:cNvPr id="244" name="Shape 244"/>
+          <p:cNvPr id="243" name="Shape 243"/>
           <p:cNvSpPr txBox="1"/>
           <p:nvPr>
             <p:ph type="title"/>
@@ -14599,7 +14599,7 @@
       </p:sp>
       <p:pic>
         <p:nvPicPr>
-          <p:cNvPr id="245" name="Shape 245"/>
+          <p:cNvPr id="244" name="Shape 244"/>
           <p:cNvPicPr preferRelativeResize="0"/>
           <p:nvPr/>
         </p:nvPicPr>
@@ -14627,7 +14627,7 @@
       </p:pic>
       <p:sp>
         <p:nvSpPr>
-          <p:cNvPr id="246" name="Shape 246"/>
+          <p:cNvPr id="245" name="Shape 245"/>
           <p:cNvSpPr txBox="1"/>
           <p:nvPr/>
         </p:nvSpPr>
@@ -14805,7 +14805,7 @@
     <a:masterClrMapping/>
   </p:clrMapOvr>
   <p:transition spd="slow">
-    <p:cut/>
+    <p:fade/>
   </p:transition>
 </p:sld>
 </file>
@@ -14837,19 +14837,31 @@
         </p:nvSpPr>
         <p:spPr>
           <a:xfrm>
-            <a:off x="98250" y="16350"/>
-            <a:ext cx="8826599" cy="602700"/>
+            <a:off x="471900" y="315175"/>
+            <a:ext cx="8222100" cy="1191300"/>
           </a:xfrm>
           <a:prstGeom prst="rect">
             <a:avLst/>
           </a:prstGeom>
         </p:spPr>
         <p:txBody>
-          <a:bodyPr anchorCtr="0" anchor="ctr" bIns="91425" lIns="91425" rIns="91425" tIns="91425">
+          <a:bodyPr anchorCtr="0" anchor="b" bIns="91425" lIns="91425" rIns="91425" tIns="91425">
             <a:noAutofit/>
           </a:bodyPr>
           <a:lstStyle/>
           <a:p>
+            <a:pPr lvl="0" rtl="0">
+              <a:spcBef>
+                <a:spcPts val="0"/>
+              </a:spcBef>
+              <a:buNone/>
+            </a:pPr>
+            <a:r>
+              <a:rPr lang="en"/>
+              <a:t>Quick Review: Regression vs. Classification</a:t>
+            </a:r>
+          </a:p>
+          <a:p>
             <a:pPr lvl="0">
               <a:spcBef>
                 <a:spcPts val="0"/>
@@ -14857,12 +14869,8 @@
               <a:buNone/>
             </a:pPr>
             <a:r>
-              <a:rPr lang="en" u="sng"/>
-              <a:t>Stepping back:</a:t>
-            </a:r>
-            <a:r>
-              <a:rPr lang="en"/>
-              <a:t> One Goal of Data Science: Make Future Predictions</a:t>
+              <a:rPr lang="en" sz="2400"/>
+              <a:t>(in machine learning)</a:t>
             </a:r>
           </a:p>
         </p:txBody>
@@ -14872,13 +14880,13 @@
           <p:cNvPr id="75" name="Shape 75"/>
           <p:cNvSpPr txBox="1"/>
           <p:nvPr>
-            <p:ph idx="4294967295" type="body"/>
+            <p:ph idx="1" type="body"/>
           </p:nvPr>
         </p:nvSpPr>
         <p:spPr>
           <a:xfrm>
-            <a:off x="471900" y="930425"/>
-            <a:ext cx="8222100" cy="3909900"/>
+            <a:off x="471900" y="1919075"/>
+            <a:ext cx="8222100" cy="2710200"/>
           </a:xfrm>
           <a:prstGeom prst="rect">
             <a:avLst/>
@@ -14897,159 +14905,80 @@
               <a:buNone/>
             </a:pPr>
             <a:r>
+              <a:rPr b="1" lang="en"/>
+              <a:t>What is regression?</a:t>
+            </a:r>
+          </a:p>
+          <a:p>
+            <a:pPr lvl="0" rtl="0">
+              <a:spcBef>
+                <a:spcPts val="0"/>
+              </a:spcBef>
+              <a:buNone/>
+            </a:pPr>
+            <a:r>
               <a:rPr lang="en"/>
-              <a:t>One goal is to make accurate </a:t>
-            </a:r>
-            <a:r>
-              <a:rPr b="1" i="1" lang="en" u="sng"/>
-              <a:t>predictions</a:t>
+              <a:t>Use features to predict </a:t>
+            </a:r>
+            <a:r>
+              <a:rPr lang="en" u="sng"/>
+              <a:t>real valued</a:t>
             </a:r>
             <a:r>
               <a:rPr lang="en"/>
-              <a:t> on future (unseen) data.</a:t>
-            </a:r>
-          </a:p>
-          <a:p>
-            <a:pPr indent="-228600" lvl="0" marL="457200" rtl="0">
-              <a:spcBef>
-                <a:spcPts val="0"/>
-              </a:spcBef>
-              <a:buAutoNum type="arabicPeriod"/>
+              <a:t> targets.    </a:t>
+            </a:r>
+            <a:r>
+              <a:rPr lang="en" sz="1400"/>
+              <a:t>E.g. predict future sales/revenue</a:t>
+            </a:r>
+          </a:p>
+          <a:p>
+            <a:pPr lvl="0" rtl="0">
+              <a:spcBef>
+                <a:spcPts val="0"/>
+              </a:spcBef>
+              <a:buNone/>
+            </a:pPr>
+            <a:r>
+              <a:t/>
+            </a:r>
+            <a:endParaRPr/>
+          </a:p>
+          <a:p>
+            <a:pPr lvl="0" rtl="0">
+              <a:spcBef>
+                <a:spcPts val="0"/>
+              </a:spcBef>
+              <a:buNone/>
+            </a:pPr>
+            <a:r>
+              <a:rPr b="1" lang="en"/>
+              <a:t>What is classification?</a:t>
+            </a:r>
+          </a:p>
+          <a:p>
+            <a:pPr lvl="0">
+              <a:spcBef>
+                <a:spcPts val="0"/>
+              </a:spcBef>
+              <a:buNone/>
             </a:pPr>
             <a:r>
               <a:rPr lang="en"/>
-              <a:t>Define a business goal. </a:t>
-            </a:r>
-            <a:br>
+              <a:t>Use features to predict </a:t>
+            </a:r>
+            <a:r>
+              <a:rPr lang="en" u="sng"/>
+              <a:t>categorical</a:t>
+            </a:r>
+            <a:r>
               <a:rPr lang="en"/>
-            </a:br>
+              <a:t> targets.    </a:t>
+            </a:r>
             <a:r>
               <a:rPr lang="en" sz="1400"/>
-              <a:t>	e.g. make Tesla cars the most dependable vehicles on the market</a:t>
-            </a:r>
-            <a:br>
-              <a:rPr lang="en" sz="1400"/>
-            </a:br>
-          </a:p>
-          <a:p>
-            <a:pPr indent="-228600" lvl="0" marL="457200" rtl="0">
-              <a:spcBef>
-                <a:spcPts val="0"/>
-              </a:spcBef>
-              <a:buAutoNum type="arabicPeriod"/>
-            </a:pPr>
-            <a:r>
-              <a:rPr lang="en"/>
-              <a:t>Collect training data.</a:t>
-            </a:r>
-            <a:br>
-              <a:rPr lang="en"/>
-            </a:br>
-            <a:r>
-              <a:rPr lang="en" sz="1400"/>
-              <a:t>	e.g. Tesla cars’ event logs + historical record of parts replaced</a:t>
-            </a:r>
-            <a:br>
-              <a:rPr lang="en" sz="1400"/>
-            </a:br>
-          </a:p>
-          <a:p>
-            <a:pPr indent="-228600" lvl="0" marL="457200" rtl="0">
-              <a:spcBef>
-                <a:spcPts val="0"/>
-              </a:spcBef>
-              <a:buAutoNum type="arabicPeriod"/>
-            </a:pPr>
-            <a:r>
-              <a:rPr lang="en"/>
-              <a:t>Train a model.</a:t>
-            </a:r>
-            <a:br>
-              <a:rPr lang="en"/>
-            </a:br>
-            <a:r>
-              <a:rPr lang="en" sz="1400"/>
-              <a:t>	e.g. </a:t>
-            </a:r>
-            <a:r>
-              <a:rPr b="1" lang="en" sz="1400"/>
-              <a:t>features:</a:t>
-            </a:r>
-            <a:r>
-              <a:rPr lang="en" sz="1400"/>
-              <a:t> event statistics, </a:t>
-            </a:r>
-            <a:r>
-              <a:rPr b="1" lang="en" sz="1400"/>
-              <a:t>target:</a:t>
-            </a:r>
-            <a:r>
-              <a:rPr lang="en" sz="1400"/>
-              <a:t> time until failure</a:t>
-            </a:r>
-            <a:br>
-              <a:rPr lang="en" sz="1400"/>
-            </a:br>
-          </a:p>
-          <a:p>
-            <a:pPr indent="-228600" lvl="0" marL="457200" rtl="0">
-              <a:spcBef>
-                <a:spcPts val="0"/>
-              </a:spcBef>
-              <a:buAutoNum type="arabicPeriod"/>
-            </a:pPr>
-            <a:r>
-              <a:rPr lang="en"/>
-              <a:t>Deploy the model.</a:t>
-            </a:r>
-            <a:br>
-              <a:rPr lang="en"/>
-            </a:br>
-            <a:r>
-              <a:rPr lang="en" sz="1400"/>
-              <a:t>	e.g. monitor cars’ events in real time, send mechanics to replace parts that will soon fail</a:t>
-            </a:r>
-          </a:p>
-        </p:txBody>
-      </p:sp>
-      <p:sp>
-        <p:nvSpPr>
-          <p:cNvPr id="76" name="Shape 76"/>
-          <p:cNvSpPr txBox="1"/>
-          <p:nvPr/>
-        </p:nvSpPr>
-        <p:spPr>
-          <a:xfrm>
-            <a:off x="2503800" y="4593000"/>
-            <a:ext cx="4015500" cy="550500"/>
-          </a:xfrm>
-          <a:prstGeom prst="rect">
-            <a:avLst/>
-          </a:prstGeom>
-          <a:noFill/>
-          <a:ln>
-            <a:noFill/>
-          </a:ln>
-        </p:spPr>
-        <p:txBody>
-          <a:bodyPr anchorCtr="0" anchor="t" bIns="91425" lIns="91425" rIns="91425" tIns="91425">
-            <a:noAutofit/>
-          </a:bodyPr>
-          <a:lstStyle/>
-          <a:p>
-            <a:pPr lvl="0" algn="ctr">
-              <a:spcBef>
-                <a:spcPts val="0"/>
-              </a:spcBef>
-              <a:buNone/>
-            </a:pPr>
-            <a:r>
-              <a:rPr lang="en" sz="2400">
-                <a:solidFill>
-                  <a:srgbClr val="A61C00"/>
-                </a:solidFill>
-              </a:rPr>
-              <a:t>Questions!</a:t>
+              <a:t>E.g. predict   yes/no,    male/female,    0-9</a:t>
             </a:r>
           </a:p>
         </p:txBody>
@@ -15060,7 +14989,317 @@
     <a:masterClrMapping/>
   </p:clrMapOvr>
   <p:transition spd="slow">
-    <p:cut/>
+    <p:fade/>
+  </p:transition>
+</p:sld>
+</file>
+
+<file path=ppt/slides/slide20.xml><?xml version="1.0" encoding="utf-8"?>
+<p:sld xmlns:a="http://schemas.openxmlformats.org/drawingml/2006/main" xmlns:r="http://schemas.openxmlformats.org/officeDocument/2006/relationships" xmlns:mc="http://schemas.openxmlformats.org/markup-compatibility/2006" xmlns:mv="urn:schemas-microsoft-com:mac:vml" xmlns:p="http://schemas.openxmlformats.org/presentationml/2006/main" xmlns:c="http://schemas.openxmlformats.org/drawingml/2006/chart" xmlns:dgm="http://schemas.openxmlformats.org/drawingml/2006/diagram" xmlns:o="urn:schemas-microsoft-com:office:office" xmlns:v="urn:schemas-microsoft-com:vml" xmlns:pvml="urn:schemas-microsoft-com:office:powerpoint" xmlns:com="http://schemas.openxmlformats.org/drawingml/2006/compatibility" xmlns:p14="http://schemas.microsoft.com/office/powerpoint/2010/main">
+  <p:cSld>
+    <p:spTree>
+      <p:nvGrpSpPr>
+        <p:cNvPr id="249" name="Shape 249"/>
+        <p:cNvGrpSpPr/>
+        <p:nvPr/>
+      </p:nvGrpSpPr>
+      <p:grpSpPr>
+        <a:xfrm>
+          <a:off x="0" y="0"/>
+          <a:ext cx="0" cy="0"/>
+          <a:chOff x="0" y="0"/>
+          <a:chExt cx="0" cy="0"/>
+        </a:xfrm>
+      </p:grpSpPr>
+      <p:sp>
+        <p:nvSpPr>
+          <p:cNvPr id="250" name="Shape 250"/>
+          <p:cNvSpPr txBox="1"/>
+          <p:nvPr>
+            <p:ph type="title"/>
+          </p:nvPr>
+        </p:nvSpPr>
+        <p:spPr>
+          <a:xfrm>
+            <a:off x="98250" y="16350"/>
+            <a:ext cx="8826599" cy="602700"/>
+          </a:xfrm>
+          <a:prstGeom prst="rect">
+            <a:avLst/>
+          </a:prstGeom>
+        </p:spPr>
+        <p:txBody>
+          <a:bodyPr anchorCtr="0" anchor="ctr" bIns="91425" lIns="91425" rIns="91425" tIns="91425">
+            <a:noAutofit/>
+          </a:bodyPr>
+          <a:lstStyle/>
+          <a:p>
+            <a:pPr lvl="0" rtl="0">
+              <a:spcBef>
+                <a:spcPts val="0"/>
+              </a:spcBef>
+              <a:buNone/>
+            </a:pPr>
+            <a:r>
+              <a:rPr lang="en"/>
+              <a:t>Overfitting in high dimensions is easy, even with simple models.</a:t>
+            </a:r>
+          </a:p>
+        </p:txBody>
+      </p:sp>
+      <p:pic>
+        <p:nvPicPr>
+          <p:cNvPr id="251" name="Shape 251"/>
+          <p:cNvPicPr preferRelativeResize="0"/>
+          <p:nvPr/>
+        </p:nvPicPr>
+        <p:blipFill>
+          <a:blip r:embed="rId3">
+            <a:alphaModFix/>
+          </a:blip>
+          <a:stretch>
+            <a:fillRect/>
+          </a:stretch>
+        </p:blipFill>
+        <p:spPr>
+          <a:xfrm>
+            <a:off x="3564631" y="1069350"/>
+            <a:ext cx="5459743" cy="3428975"/>
+          </a:xfrm>
+          <a:prstGeom prst="rect">
+            <a:avLst/>
+          </a:prstGeom>
+          <a:noFill/>
+          <a:ln>
+            <a:noFill/>
+          </a:ln>
+        </p:spPr>
+      </p:pic>
+      <p:sp>
+        <p:nvSpPr>
+          <p:cNvPr id="252" name="Shape 252"/>
+          <p:cNvSpPr txBox="1"/>
+          <p:nvPr/>
+        </p:nvSpPr>
+        <p:spPr>
+          <a:xfrm>
+            <a:off x="313625" y="794525"/>
+            <a:ext cx="3125700" cy="4181400"/>
+          </a:xfrm>
+          <a:prstGeom prst="rect">
+            <a:avLst/>
+          </a:prstGeom>
+          <a:noFill/>
+          <a:ln>
+            <a:noFill/>
+          </a:ln>
+        </p:spPr>
+        <p:txBody>
+          <a:bodyPr anchorCtr="0" anchor="t" bIns="91425" lIns="91425" rIns="91425" tIns="91425">
+            <a:noAutofit/>
+          </a:bodyPr>
+          <a:lstStyle/>
+          <a:p>
+            <a:pPr lvl="0" rtl="0">
+              <a:spcBef>
+                <a:spcPts val="0"/>
+              </a:spcBef>
+              <a:buNone/>
+            </a:pPr>
+            <a:r>
+              <a:rPr lang="en" sz="1800">
+                <a:solidFill>
+                  <a:srgbClr val="666666"/>
+                </a:solidFill>
+              </a:rPr>
+              <a:t>If our data has high dimensionality (many many predictors), then it becomes easy to overfit the data.</a:t>
+            </a:r>
+          </a:p>
+          <a:p>
+            <a:pPr lvl="0" rtl="0">
+              <a:spcBef>
+                <a:spcPts val="0"/>
+              </a:spcBef>
+              <a:buNone/>
+            </a:pPr>
+            <a:r>
+              <a:t/>
+            </a:r>
+            <a:endParaRPr sz="1800">
+              <a:solidFill>
+                <a:srgbClr val="666666"/>
+              </a:solidFill>
+            </a:endParaRPr>
+          </a:p>
+          <a:p>
+            <a:pPr lvl="0" rtl="0">
+              <a:spcBef>
+                <a:spcPts val="0"/>
+              </a:spcBef>
+              <a:buNone/>
+            </a:pPr>
+            <a:r>
+              <a:rPr lang="en" sz="1800">
+                <a:solidFill>
+                  <a:srgbClr val="666666"/>
+                </a:solidFill>
+              </a:rPr>
+              <a:t>This is one result of the so-called </a:t>
+            </a:r>
+            <a:r>
+              <a:rPr b="1" lang="en" sz="1800" u="sng">
+                <a:solidFill>
+                  <a:srgbClr val="666666"/>
+                </a:solidFill>
+              </a:rPr>
+              <a:t>Curse of Dimensionality</a:t>
+            </a:r>
+            <a:r>
+              <a:rPr lang="en" sz="1800">
+                <a:solidFill>
+                  <a:srgbClr val="666666"/>
+                </a:solidFill>
+              </a:rPr>
+              <a:t> (look it up).</a:t>
+            </a:r>
+          </a:p>
+          <a:p>
+            <a:pPr lvl="0" rtl="0">
+              <a:spcBef>
+                <a:spcPts val="0"/>
+              </a:spcBef>
+              <a:buNone/>
+            </a:pPr>
+            <a:r>
+              <a:t/>
+            </a:r>
+            <a:endParaRPr sz="1800">
+              <a:solidFill>
+                <a:srgbClr val="666666"/>
+              </a:solidFill>
+            </a:endParaRPr>
+          </a:p>
+          <a:p>
+            <a:pPr lvl="0" rtl="0">
+              <a:spcBef>
+                <a:spcPts val="0"/>
+              </a:spcBef>
+              <a:buNone/>
+            </a:pPr>
+            <a:r>
+              <a:rPr lang="en" sz="1800">
+                <a:solidFill>
+                  <a:srgbClr val="666666"/>
+                </a:solidFill>
+              </a:rPr>
+              <a:t>Even linear regression might be too complex of a model for high dimensional data (and the smaller the dataset, the worse this problem is).</a:t>
+            </a:r>
+          </a:p>
+        </p:txBody>
+      </p:sp>
+      <p:cxnSp>
+        <p:nvCxnSpPr>
+          <p:cNvPr id="253" name="Shape 253"/>
+          <p:cNvCxnSpPr/>
+          <p:nvPr/>
+        </p:nvCxnSpPr>
+        <p:spPr>
+          <a:xfrm rot="10800000">
+            <a:off x="7673425" y="2153374"/>
+            <a:ext cx="0" cy="2101500"/>
+          </a:xfrm>
+          <a:prstGeom prst="straightConnector1">
+            <a:avLst/>
+          </a:prstGeom>
+          <a:noFill/>
+          <a:ln cap="flat" cmpd="sng" w="28575">
+            <a:solidFill>
+              <a:srgbClr val="1155CC"/>
+            </a:solidFill>
+            <a:prstDash val="solid"/>
+            <a:round/>
+            <a:headEnd len="lg" w="lg" type="none"/>
+            <a:tailEnd len="lg" w="lg" type="none"/>
+          </a:ln>
+        </p:spPr>
+      </p:cxnSp>
+      <p:sp>
+        <p:nvSpPr>
+          <p:cNvPr id="254" name="Shape 254"/>
+          <p:cNvSpPr txBox="1"/>
+          <p:nvPr/>
+        </p:nvSpPr>
+        <p:spPr>
+          <a:xfrm>
+            <a:off x="5582575" y="4662600"/>
+            <a:ext cx="3219900" cy="366000"/>
+          </a:xfrm>
+          <a:prstGeom prst="rect">
+            <a:avLst/>
+          </a:prstGeom>
+          <a:noFill/>
+          <a:ln>
+            <a:noFill/>
+          </a:ln>
+        </p:spPr>
+        <p:txBody>
+          <a:bodyPr anchorCtr="0" anchor="t" bIns="91425" lIns="91425" rIns="91425" tIns="91425">
+            <a:noAutofit/>
+          </a:bodyPr>
+          <a:lstStyle/>
+          <a:p>
+            <a:pPr lvl="0">
+              <a:spcBef>
+                <a:spcPts val="0"/>
+              </a:spcBef>
+              <a:buNone/>
+            </a:pPr>
+            <a:r>
+              <a:rPr lang="en">
+                <a:solidFill>
+                  <a:srgbClr val="0000FF"/>
+                </a:solidFill>
+              </a:rPr>
+              <a:t>Linear regression in high dimensions</a:t>
+            </a:r>
+          </a:p>
+        </p:txBody>
+      </p:sp>
+      <p:cxnSp>
+        <p:nvCxnSpPr>
+          <p:cNvPr id="255" name="Shape 255"/>
+          <p:cNvCxnSpPr>
+            <a:stCxn id="254" idx="0"/>
+          </p:cNvCxnSpPr>
+          <p:nvPr/>
+        </p:nvCxnSpPr>
+        <p:spPr>
+          <a:xfrm flipH="1" rot="10800000">
+            <a:off x="7192525" y="3564900"/>
+            <a:ext cx="428700" cy="1097700"/>
+          </a:xfrm>
+          <a:prstGeom prst="straightConnector1">
+            <a:avLst/>
+          </a:prstGeom>
+          <a:noFill/>
+          <a:ln cap="flat" cmpd="sng" w="9525">
+            <a:solidFill>
+              <a:schemeClr val="dk2"/>
+            </a:solidFill>
+            <a:prstDash val="solid"/>
+            <a:round/>
+            <a:headEnd len="lg" w="lg" type="none"/>
+            <a:tailEnd len="lg" w="lg" type="triangle"/>
+          </a:ln>
+        </p:spPr>
+      </p:cxnSp>
+    </p:spTree>
+  </p:cSld>
+  <p:clrMapOvr>
+    <a:masterClrMapping/>
+  </p:clrMapOvr>
+  <p:transition spd="slow">
+    <p:fade/>
   </p:transition>
   <p:timing>
     <p:tnLst>
@@ -15096,7 +15335,7 @@
                                           </p:stCondLst>
                                         </p:cTn>
                                         <p:tgtEl>
-                                          <p:spTgt spid="75">
+                                          <p:spTgt spid="252">
                                             <p:txEl>
                                               <p:pRg end="0" st="0"/>
                                             </p:txEl>
@@ -15114,7 +15353,7 @@
                                       <p:cBhvr>
                                         <p:cTn dur="1000"/>
                                         <p:tgtEl>
-                                          <p:spTgt spid="75">
+                                          <p:spTgt spid="252">
                                             <p:txEl>
                                               <p:pRg end="0" st="0"/>
                                             </p:txEl>
@@ -15157,7 +15396,7 @@
                                           </p:stCondLst>
                                         </p:cTn>
                                         <p:tgtEl>
-                                          <p:spTgt spid="75">
+                                          <p:spTgt spid="252">
                                             <p:txEl>
                                               <p:pRg end="1" st="1"/>
                                             </p:txEl>
@@ -15175,7 +15414,7 @@
                                       <p:cBhvr>
                                         <p:cTn dur="1000"/>
                                         <p:tgtEl>
-                                          <p:spTgt spid="75">
+                                          <p:spTgt spid="252">
                                             <p:txEl>
                                               <p:pRg end="1" st="1"/>
                                             </p:txEl>
@@ -15218,7 +15457,7 @@
                                           </p:stCondLst>
                                         </p:cTn>
                                         <p:tgtEl>
-                                          <p:spTgt spid="75">
+                                          <p:spTgt spid="252">
                                             <p:txEl>
                                               <p:pRg end="2" st="2"/>
                                             </p:txEl>
@@ -15236,7 +15475,7 @@
                                       <p:cBhvr>
                                         <p:cTn dur="1000"/>
                                         <p:tgtEl>
-                                          <p:spTgt spid="75">
+                                          <p:spTgt spid="252">
                                             <p:txEl>
                                               <p:pRg end="2" st="2"/>
                                             </p:txEl>
@@ -15279,7 +15518,7 @@
                                           </p:stCondLst>
                                         </p:cTn>
                                         <p:tgtEl>
-                                          <p:spTgt spid="75">
+                                          <p:spTgt spid="252">
                                             <p:txEl>
                                               <p:pRg end="3" st="3"/>
                                             </p:txEl>
@@ -15297,7 +15536,7 @@
                                       <p:cBhvr>
                                         <p:cTn dur="1000"/>
                                         <p:tgtEl>
-                                          <p:spTgt spid="75">
+                                          <p:spTgt spid="252">
                                             <p:txEl>
                                               <p:pRg end="3" st="3"/>
                                             </p:txEl>
@@ -15340,7 +15579,7 @@
                                           </p:stCondLst>
                                         </p:cTn>
                                         <p:tgtEl>
-                                          <p:spTgt spid="75">
+                                          <p:spTgt spid="252">
                                             <p:txEl>
                                               <p:pRg end="4" st="4"/>
                                             </p:txEl>
@@ -15358,7 +15597,7 @@
                                       <p:cBhvr>
                                         <p:cTn dur="1000"/>
                                         <p:tgtEl>
-                                          <p:spTgt spid="75">
+                                          <p:spTgt spid="252">
                                             <p:txEl>
                                               <p:pRg end="4" st="4"/>
                                             </p:txEl>
@@ -15401,7 +15640,7 @@
                                           </p:stCondLst>
                                         </p:cTn>
                                         <p:tgtEl>
-                                          <p:spTgt spid="76"/>
+                                          <p:spTgt spid="254"/>
                                         </p:tgtEl>
                                         <p:attrNameLst>
                                           <p:attrName>style.visibility</p:attrName>
@@ -15415,678 +15654,15 @@
                                       <p:cBhvr>
                                         <p:cTn dur="1000"/>
                                         <p:tgtEl>
-                                          <p:spTgt spid="76"/>
+                                          <p:spTgt spid="254"/>
                                         </p:tgtEl>
                                       </p:cBhvr>
                                     </p:animEffect>
                                   </p:childTnLst>
                                 </p:cTn>
                               </p:par>
-                            </p:childTnLst>
-                          </p:cTn>
-                        </p:par>
-                      </p:childTnLst>
-                    </p:cTn>
-                  </p:par>
-                </p:childTnLst>
-              </p:cTn>
-              <p:prevCondLst>
-                <p:cond evt="onPrev">
-                  <p:tgtEl>
-                    <p:sldTgt/>
-                  </p:tgtEl>
-                </p:cond>
-              </p:prevCondLst>
-              <p:nextCondLst>
-                <p:cond evt="onNext">
-                  <p:tgtEl>
-                    <p:sldTgt/>
-                  </p:tgtEl>
-                </p:cond>
-              </p:nextCondLst>
-            </p:seq>
-          </p:childTnLst>
-        </p:cTn>
-      </p:par>
-    </p:tnLst>
-  </p:timing>
-</p:sld>
-</file>
-
-<file path=ppt/slides/slide20.xml><?xml version="1.0" encoding="utf-8"?>
-<p:sld xmlns:a="http://schemas.openxmlformats.org/drawingml/2006/main" xmlns:r="http://schemas.openxmlformats.org/officeDocument/2006/relationships" xmlns:mc="http://schemas.openxmlformats.org/markup-compatibility/2006" xmlns:mv="urn:schemas-microsoft-com:mac:vml" xmlns:p="http://schemas.openxmlformats.org/presentationml/2006/main" xmlns:c="http://schemas.openxmlformats.org/drawingml/2006/chart" xmlns:dgm="http://schemas.openxmlformats.org/drawingml/2006/diagram" xmlns:o="urn:schemas-microsoft-com:office:office" xmlns:v="urn:schemas-microsoft-com:vml" xmlns:pvml="urn:schemas-microsoft-com:office:powerpoint" xmlns:com="http://schemas.openxmlformats.org/drawingml/2006/compatibility" xmlns:p14="http://schemas.microsoft.com/office/powerpoint/2010/main">
-  <p:cSld>
-    <p:spTree>
-      <p:nvGrpSpPr>
-        <p:cNvPr id="250" name="Shape 250"/>
-        <p:cNvGrpSpPr/>
-        <p:nvPr/>
-      </p:nvGrpSpPr>
-      <p:grpSpPr>
-        <a:xfrm>
-          <a:off x="0" y="0"/>
-          <a:ext cx="0" cy="0"/>
-          <a:chOff x="0" y="0"/>
-          <a:chExt cx="0" cy="0"/>
-        </a:xfrm>
-      </p:grpSpPr>
-      <p:sp>
-        <p:nvSpPr>
-          <p:cNvPr id="251" name="Shape 251"/>
-          <p:cNvSpPr txBox="1"/>
-          <p:nvPr>
-            <p:ph type="title"/>
-          </p:nvPr>
-        </p:nvSpPr>
-        <p:spPr>
-          <a:xfrm>
-            <a:off x="98250" y="16350"/>
-            <a:ext cx="8826599" cy="602700"/>
-          </a:xfrm>
-          <a:prstGeom prst="rect">
-            <a:avLst/>
-          </a:prstGeom>
-        </p:spPr>
-        <p:txBody>
-          <a:bodyPr anchorCtr="0" anchor="ctr" bIns="91425" lIns="91425" rIns="91425" tIns="91425">
-            <a:noAutofit/>
-          </a:bodyPr>
-          <a:lstStyle/>
-          <a:p>
-            <a:pPr lvl="0" rtl="0">
-              <a:spcBef>
-                <a:spcPts val="0"/>
-              </a:spcBef>
-              <a:buNone/>
-            </a:pPr>
-            <a:r>
-              <a:rPr lang="en"/>
-              <a:t>Overfitting in high dimensions is easy, even with simple models.</a:t>
-            </a:r>
-          </a:p>
-        </p:txBody>
-      </p:sp>
-      <p:pic>
-        <p:nvPicPr>
-          <p:cNvPr id="252" name="Shape 252"/>
-          <p:cNvPicPr preferRelativeResize="0"/>
-          <p:nvPr/>
-        </p:nvPicPr>
-        <p:blipFill>
-          <a:blip r:embed="rId3">
-            <a:alphaModFix/>
-          </a:blip>
-          <a:stretch>
-            <a:fillRect/>
-          </a:stretch>
-        </p:blipFill>
-        <p:spPr>
-          <a:xfrm>
-            <a:off x="3564631" y="1069350"/>
-            <a:ext cx="5459743" cy="3428975"/>
-          </a:xfrm>
-          <a:prstGeom prst="rect">
-            <a:avLst/>
-          </a:prstGeom>
-          <a:noFill/>
-          <a:ln>
-            <a:noFill/>
-          </a:ln>
-        </p:spPr>
-      </p:pic>
-      <p:sp>
-        <p:nvSpPr>
-          <p:cNvPr id="253" name="Shape 253"/>
-          <p:cNvSpPr txBox="1"/>
-          <p:nvPr/>
-        </p:nvSpPr>
-        <p:spPr>
-          <a:xfrm>
-            <a:off x="313625" y="794525"/>
-            <a:ext cx="3125700" cy="4181400"/>
-          </a:xfrm>
-          <a:prstGeom prst="rect">
-            <a:avLst/>
-          </a:prstGeom>
-          <a:noFill/>
-          <a:ln>
-            <a:noFill/>
-          </a:ln>
-        </p:spPr>
-        <p:txBody>
-          <a:bodyPr anchorCtr="0" anchor="t" bIns="91425" lIns="91425" rIns="91425" tIns="91425">
-            <a:noAutofit/>
-          </a:bodyPr>
-          <a:lstStyle/>
-          <a:p>
-            <a:pPr lvl="0" rtl="0">
-              <a:spcBef>
-                <a:spcPts val="0"/>
-              </a:spcBef>
-              <a:buNone/>
-            </a:pPr>
-            <a:r>
-              <a:rPr lang="en" sz="1800">
-                <a:solidFill>
-                  <a:srgbClr val="666666"/>
-                </a:solidFill>
-              </a:rPr>
-              <a:t>If our data has high dimensionality (many many predictors), then it becomes easy to overfit the data.</a:t>
-            </a:r>
-          </a:p>
-          <a:p>
-            <a:pPr lvl="0" rtl="0">
-              <a:spcBef>
-                <a:spcPts val="0"/>
-              </a:spcBef>
-              <a:buNone/>
-            </a:pPr>
-            <a:r>
-              <a:t/>
-            </a:r>
-            <a:endParaRPr sz="1800">
-              <a:solidFill>
-                <a:srgbClr val="666666"/>
-              </a:solidFill>
-            </a:endParaRPr>
-          </a:p>
-          <a:p>
-            <a:pPr lvl="0" rtl="0">
-              <a:spcBef>
-                <a:spcPts val="0"/>
-              </a:spcBef>
-              <a:buNone/>
-            </a:pPr>
-            <a:r>
-              <a:rPr lang="en" sz="1800">
-                <a:solidFill>
-                  <a:srgbClr val="666666"/>
-                </a:solidFill>
-              </a:rPr>
-              <a:t>This is one result of the so-called </a:t>
-            </a:r>
-            <a:r>
-              <a:rPr b="1" lang="en" sz="1800" u="sng">
-                <a:solidFill>
-                  <a:srgbClr val="666666"/>
-                </a:solidFill>
-              </a:rPr>
-              <a:t>Curse of Dimensionality</a:t>
-            </a:r>
-            <a:r>
-              <a:rPr lang="en" sz="1800">
-                <a:solidFill>
-                  <a:srgbClr val="666666"/>
-                </a:solidFill>
-              </a:rPr>
-              <a:t> (look it up).</a:t>
-            </a:r>
-          </a:p>
-          <a:p>
-            <a:pPr lvl="0" rtl="0">
-              <a:spcBef>
-                <a:spcPts val="0"/>
-              </a:spcBef>
-              <a:buNone/>
-            </a:pPr>
-            <a:r>
-              <a:t/>
-            </a:r>
-            <a:endParaRPr sz="1800">
-              <a:solidFill>
-                <a:srgbClr val="666666"/>
-              </a:solidFill>
-            </a:endParaRPr>
-          </a:p>
-          <a:p>
-            <a:pPr lvl="0" rtl="0">
-              <a:spcBef>
-                <a:spcPts val="0"/>
-              </a:spcBef>
-              <a:buNone/>
-            </a:pPr>
-            <a:r>
-              <a:rPr lang="en" sz="1800">
-                <a:solidFill>
-                  <a:srgbClr val="666666"/>
-                </a:solidFill>
-              </a:rPr>
-              <a:t>Even linear regression might be too complex of a model for high dimensional data (and the smaller the dataset, the worse this problem is).</a:t>
-            </a:r>
-          </a:p>
-        </p:txBody>
-      </p:sp>
-      <p:cxnSp>
-        <p:nvCxnSpPr>
-          <p:cNvPr id="254" name="Shape 254"/>
-          <p:cNvCxnSpPr/>
-          <p:nvPr/>
-        </p:nvCxnSpPr>
-        <p:spPr>
-          <a:xfrm rot="10800000">
-            <a:off x="7673425" y="2153374"/>
-            <a:ext cx="0" cy="2101500"/>
-          </a:xfrm>
-          <a:prstGeom prst="straightConnector1">
-            <a:avLst/>
-          </a:prstGeom>
-          <a:noFill/>
-          <a:ln cap="flat" cmpd="sng" w="28575">
-            <a:solidFill>
-              <a:srgbClr val="1155CC"/>
-            </a:solidFill>
-            <a:prstDash val="solid"/>
-            <a:round/>
-            <a:headEnd len="lg" w="lg" type="none"/>
-            <a:tailEnd len="lg" w="lg" type="none"/>
-          </a:ln>
-        </p:spPr>
-      </p:cxnSp>
-      <p:sp>
-        <p:nvSpPr>
-          <p:cNvPr id="255" name="Shape 255"/>
-          <p:cNvSpPr txBox="1"/>
-          <p:nvPr/>
-        </p:nvSpPr>
-        <p:spPr>
-          <a:xfrm>
-            <a:off x="5582575" y="4662600"/>
-            <a:ext cx="3219900" cy="366000"/>
-          </a:xfrm>
-          <a:prstGeom prst="rect">
-            <a:avLst/>
-          </a:prstGeom>
-          <a:noFill/>
-          <a:ln>
-            <a:noFill/>
-          </a:ln>
-        </p:spPr>
-        <p:txBody>
-          <a:bodyPr anchorCtr="0" anchor="t" bIns="91425" lIns="91425" rIns="91425" tIns="91425">
-            <a:noAutofit/>
-          </a:bodyPr>
-          <a:lstStyle/>
-          <a:p>
-            <a:pPr lvl="0">
-              <a:spcBef>
-                <a:spcPts val="0"/>
-              </a:spcBef>
-              <a:buNone/>
-            </a:pPr>
-            <a:r>
-              <a:rPr lang="en">
-                <a:solidFill>
-                  <a:srgbClr val="0000FF"/>
-                </a:solidFill>
-              </a:rPr>
-              <a:t>Linear regression in high dimensions</a:t>
-            </a:r>
-          </a:p>
-        </p:txBody>
-      </p:sp>
-      <p:cxnSp>
-        <p:nvCxnSpPr>
-          <p:cNvPr id="256" name="Shape 256"/>
-          <p:cNvCxnSpPr>
-            <a:stCxn id="255" idx="0"/>
-          </p:cNvCxnSpPr>
-          <p:nvPr/>
-        </p:nvCxnSpPr>
-        <p:spPr>
-          <a:xfrm flipH="1" rot="10800000">
-            <a:off x="7192525" y="3564900"/>
-            <a:ext cx="428700" cy="1097700"/>
-          </a:xfrm>
-          <a:prstGeom prst="straightConnector1">
-            <a:avLst/>
-          </a:prstGeom>
-          <a:noFill/>
-          <a:ln cap="flat" cmpd="sng" w="9525">
-            <a:solidFill>
-              <a:schemeClr val="dk2"/>
-            </a:solidFill>
-            <a:prstDash val="solid"/>
-            <a:round/>
-            <a:headEnd len="lg" w="lg" type="none"/>
-            <a:tailEnd len="lg" w="lg" type="triangle"/>
-          </a:ln>
-        </p:spPr>
-      </p:cxnSp>
-    </p:spTree>
-  </p:cSld>
-  <p:clrMapOvr>
-    <a:masterClrMapping/>
-  </p:clrMapOvr>
-  <p:transition spd="slow">
-    <p:cut/>
-  </p:transition>
-  <p:timing>
-    <p:tnLst>
-      <p:par>
-        <p:cTn dur="indefinite" nodeType="tmRoot" restart="never">
-          <p:childTnLst>
-            <p:seq concurrent="1" nextAc="seek">
-              <p:cTn dur="indefinite" id="2" nodeType="mainSeq">
-                <p:childTnLst>
-                  <p:par>
-                    <p:cTn fill="hold">
-                      <p:stCondLst>
-                        <p:cond delay="indefinite"/>
-                      </p:stCondLst>
-                      <p:childTnLst>
-                        <p:par>
-                          <p:cTn fill="hold">
-                            <p:stCondLst>
-                              <p:cond delay="0"/>
-                            </p:stCondLst>
-                            <p:childTnLst>
                               <p:par>
-                                <p:cTn fill="hold" nodeType="clickEffect" presetClass="entr" presetID="10" presetSubtype="0">
-                                  <p:stCondLst>
-                                    <p:cond delay="0"/>
-                                  </p:stCondLst>
-                                  <p:childTnLst>
-                                    <p:set>
-                                      <p:cBhvr>
-                                        <p:cTn dur="1" fill="hold">
-                                          <p:stCondLst>
-                                            <p:cond delay="0"/>
-                                          </p:stCondLst>
-                                        </p:cTn>
-                                        <p:tgtEl>
-                                          <p:spTgt spid="253">
-                                            <p:txEl>
-                                              <p:pRg end="0" st="0"/>
-                                            </p:txEl>
-                                          </p:spTgt>
-                                        </p:tgtEl>
-                                        <p:attrNameLst>
-                                          <p:attrName>style.visibility</p:attrName>
-                                        </p:attrNameLst>
-                                      </p:cBhvr>
-                                      <p:to>
-                                        <p:strVal val="visible"/>
-                                      </p:to>
-                                    </p:set>
-                                    <p:animEffect filter="fade" transition="in">
-                                      <p:cBhvr>
-                                        <p:cTn dur="1000"/>
-                                        <p:tgtEl>
-                                          <p:spTgt spid="253">
-                                            <p:txEl>
-                                              <p:pRg end="0" st="0"/>
-                                            </p:txEl>
-                                          </p:spTgt>
-                                        </p:tgtEl>
-                                      </p:cBhvr>
-                                    </p:animEffect>
-                                  </p:childTnLst>
-                                </p:cTn>
-                              </p:par>
-                            </p:childTnLst>
-                          </p:cTn>
-                        </p:par>
-                      </p:childTnLst>
-                    </p:cTn>
-                  </p:par>
-                  <p:par>
-                    <p:cTn fill="hold">
-                      <p:stCondLst>
-                        <p:cond delay="indefinite"/>
-                      </p:stCondLst>
-                      <p:childTnLst>
-                        <p:par>
-                          <p:cTn fill="hold">
-                            <p:stCondLst>
-                              <p:cond delay="0"/>
-                            </p:stCondLst>
-                            <p:childTnLst>
-                              <p:par>
-                                <p:cTn fill="hold" nodeType="clickEffect" presetClass="entr" presetID="10" presetSubtype="0">
-                                  <p:stCondLst>
-                                    <p:cond delay="0"/>
-                                  </p:stCondLst>
-                                  <p:childTnLst>
-                                    <p:set>
-                                      <p:cBhvr>
-                                        <p:cTn dur="1" fill="hold">
-                                          <p:stCondLst>
-                                            <p:cond delay="0"/>
-                                          </p:stCondLst>
-                                        </p:cTn>
-                                        <p:tgtEl>
-                                          <p:spTgt spid="253">
-                                            <p:txEl>
-                                              <p:pRg end="1" st="1"/>
-                                            </p:txEl>
-                                          </p:spTgt>
-                                        </p:tgtEl>
-                                        <p:attrNameLst>
-                                          <p:attrName>style.visibility</p:attrName>
-                                        </p:attrNameLst>
-                                      </p:cBhvr>
-                                      <p:to>
-                                        <p:strVal val="visible"/>
-                                      </p:to>
-                                    </p:set>
-                                    <p:animEffect filter="fade" transition="in">
-                                      <p:cBhvr>
-                                        <p:cTn dur="1000"/>
-                                        <p:tgtEl>
-                                          <p:spTgt spid="253">
-                                            <p:txEl>
-                                              <p:pRg end="1" st="1"/>
-                                            </p:txEl>
-                                          </p:spTgt>
-                                        </p:tgtEl>
-                                      </p:cBhvr>
-                                    </p:animEffect>
-                                  </p:childTnLst>
-                                </p:cTn>
-                              </p:par>
-                            </p:childTnLst>
-                          </p:cTn>
-                        </p:par>
-                      </p:childTnLst>
-                    </p:cTn>
-                  </p:par>
-                  <p:par>
-                    <p:cTn fill="hold">
-                      <p:stCondLst>
-                        <p:cond delay="indefinite"/>
-                      </p:stCondLst>
-                      <p:childTnLst>
-                        <p:par>
-                          <p:cTn fill="hold">
-                            <p:stCondLst>
-                              <p:cond delay="0"/>
-                            </p:stCondLst>
-                            <p:childTnLst>
-                              <p:par>
-                                <p:cTn fill="hold" nodeType="clickEffect" presetClass="entr" presetID="10" presetSubtype="0">
-                                  <p:stCondLst>
-                                    <p:cond delay="0"/>
-                                  </p:stCondLst>
-                                  <p:childTnLst>
-                                    <p:set>
-                                      <p:cBhvr>
-                                        <p:cTn dur="1" fill="hold">
-                                          <p:stCondLst>
-                                            <p:cond delay="0"/>
-                                          </p:stCondLst>
-                                        </p:cTn>
-                                        <p:tgtEl>
-                                          <p:spTgt spid="253">
-                                            <p:txEl>
-                                              <p:pRg end="2" st="2"/>
-                                            </p:txEl>
-                                          </p:spTgt>
-                                        </p:tgtEl>
-                                        <p:attrNameLst>
-                                          <p:attrName>style.visibility</p:attrName>
-                                        </p:attrNameLst>
-                                      </p:cBhvr>
-                                      <p:to>
-                                        <p:strVal val="visible"/>
-                                      </p:to>
-                                    </p:set>
-                                    <p:animEffect filter="fade" transition="in">
-                                      <p:cBhvr>
-                                        <p:cTn dur="1000"/>
-                                        <p:tgtEl>
-                                          <p:spTgt spid="253">
-                                            <p:txEl>
-                                              <p:pRg end="2" st="2"/>
-                                            </p:txEl>
-                                          </p:spTgt>
-                                        </p:tgtEl>
-                                      </p:cBhvr>
-                                    </p:animEffect>
-                                  </p:childTnLst>
-                                </p:cTn>
-                              </p:par>
-                            </p:childTnLst>
-                          </p:cTn>
-                        </p:par>
-                      </p:childTnLst>
-                    </p:cTn>
-                  </p:par>
-                  <p:par>
-                    <p:cTn fill="hold">
-                      <p:stCondLst>
-                        <p:cond delay="indefinite"/>
-                      </p:stCondLst>
-                      <p:childTnLst>
-                        <p:par>
-                          <p:cTn fill="hold">
-                            <p:stCondLst>
-                              <p:cond delay="0"/>
-                            </p:stCondLst>
-                            <p:childTnLst>
-                              <p:par>
-                                <p:cTn fill="hold" nodeType="clickEffect" presetClass="entr" presetID="10" presetSubtype="0">
-                                  <p:stCondLst>
-                                    <p:cond delay="0"/>
-                                  </p:stCondLst>
-                                  <p:childTnLst>
-                                    <p:set>
-                                      <p:cBhvr>
-                                        <p:cTn dur="1" fill="hold">
-                                          <p:stCondLst>
-                                            <p:cond delay="0"/>
-                                          </p:stCondLst>
-                                        </p:cTn>
-                                        <p:tgtEl>
-                                          <p:spTgt spid="253">
-                                            <p:txEl>
-                                              <p:pRg end="3" st="3"/>
-                                            </p:txEl>
-                                          </p:spTgt>
-                                        </p:tgtEl>
-                                        <p:attrNameLst>
-                                          <p:attrName>style.visibility</p:attrName>
-                                        </p:attrNameLst>
-                                      </p:cBhvr>
-                                      <p:to>
-                                        <p:strVal val="visible"/>
-                                      </p:to>
-                                    </p:set>
-                                    <p:animEffect filter="fade" transition="in">
-                                      <p:cBhvr>
-                                        <p:cTn dur="1000"/>
-                                        <p:tgtEl>
-                                          <p:spTgt spid="253">
-                                            <p:txEl>
-                                              <p:pRg end="3" st="3"/>
-                                            </p:txEl>
-                                          </p:spTgt>
-                                        </p:tgtEl>
-                                      </p:cBhvr>
-                                    </p:animEffect>
-                                  </p:childTnLst>
-                                </p:cTn>
-                              </p:par>
-                            </p:childTnLst>
-                          </p:cTn>
-                        </p:par>
-                      </p:childTnLst>
-                    </p:cTn>
-                  </p:par>
-                  <p:par>
-                    <p:cTn fill="hold">
-                      <p:stCondLst>
-                        <p:cond delay="indefinite"/>
-                      </p:stCondLst>
-                      <p:childTnLst>
-                        <p:par>
-                          <p:cTn fill="hold">
-                            <p:stCondLst>
-                              <p:cond delay="0"/>
-                            </p:stCondLst>
-                            <p:childTnLst>
-                              <p:par>
-                                <p:cTn fill="hold" nodeType="clickEffect" presetClass="entr" presetID="10" presetSubtype="0">
-                                  <p:stCondLst>
-                                    <p:cond delay="0"/>
-                                  </p:stCondLst>
-                                  <p:childTnLst>
-                                    <p:set>
-                                      <p:cBhvr>
-                                        <p:cTn dur="1" fill="hold">
-                                          <p:stCondLst>
-                                            <p:cond delay="0"/>
-                                          </p:stCondLst>
-                                        </p:cTn>
-                                        <p:tgtEl>
-                                          <p:spTgt spid="253">
-                                            <p:txEl>
-                                              <p:pRg end="4" st="4"/>
-                                            </p:txEl>
-                                          </p:spTgt>
-                                        </p:tgtEl>
-                                        <p:attrNameLst>
-                                          <p:attrName>style.visibility</p:attrName>
-                                        </p:attrNameLst>
-                                      </p:cBhvr>
-                                      <p:to>
-                                        <p:strVal val="visible"/>
-                                      </p:to>
-                                    </p:set>
-                                    <p:animEffect filter="fade" transition="in">
-                                      <p:cBhvr>
-                                        <p:cTn dur="1000"/>
-                                        <p:tgtEl>
-                                          <p:spTgt spid="253">
-                                            <p:txEl>
-                                              <p:pRg end="4" st="4"/>
-                                            </p:txEl>
-                                          </p:spTgt>
-                                        </p:tgtEl>
-                                      </p:cBhvr>
-                                    </p:animEffect>
-                                  </p:childTnLst>
-                                </p:cTn>
-                              </p:par>
-                            </p:childTnLst>
-                          </p:cTn>
-                        </p:par>
-                      </p:childTnLst>
-                    </p:cTn>
-                  </p:par>
-                  <p:par>
-                    <p:cTn fill="hold">
-                      <p:stCondLst>
-                        <p:cond delay="indefinite"/>
-                      </p:stCondLst>
-                      <p:childTnLst>
-                        <p:par>
-                          <p:cTn fill="hold">
-                            <p:stCondLst>
-                              <p:cond delay="0"/>
-                            </p:stCondLst>
-                            <p:childTnLst>
-                              <p:par>
-                                <p:cTn fill="hold" nodeType="clickEffect" presetClass="entr" presetID="10" presetSubtype="0">
+                                <p:cTn fill="hold" nodeType="withEffect" presetClass="entr" presetID="10" presetSubtype="0">
                                   <p:stCondLst>
                                     <p:cond delay="0"/>
                                   </p:stCondLst>
@@ -16134,7 +15710,7 @@
                                           </p:stCondLst>
                                         </p:cTn>
                                         <p:tgtEl>
-                                          <p:spTgt spid="256"/>
+                                          <p:spTgt spid="253"/>
                                         </p:tgtEl>
                                         <p:attrNameLst>
                                           <p:attrName>style.visibility</p:attrName>
@@ -16148,42 +15724,7 @@
                                       <p:cBhvr>
                                         <p:cTn dur="1000"/>
                                         <p:tgtEl>
-                                          <p:spTgt spid="256"/>
-                                        </p:tgtEl>
-                                      </p:cBhvr>
-                                    </p:animEffect>
-                                  </p:childTnLst>
-                                </p:cTn>
-                              </p:par>
-                              <p:par>
-                                <p:cTn fill="hold" nodeType="withEffect" presetClass="entr" presetID="10" presetSubtype="0">
-                                  <p:stCondLst>
-                                    <p:cond delay="0"/>
-                                  </p:stCondLst>
-                                  <p:childTnLst>
-                                    <p:set>
-                                      <p:cBhvr>
-                                        <p:cTn dur="1" fill="hold">
-                                          <p:stCondLst>
-                                            <p:cond delay="0"/>
-                                          </p:stCondLst>
-                                        </p:cTn>
-                                        <p:tgtEl>
-                                          <p:spTgt spid="254"/>
-                                        </p:tgtEl>
-                                        <p:attrNameLst>
-                                          <p:attrName>style.visibility</p:attrName>
-                                        </p:attrNameLst>
-                                      </p:cBhvr>
-                                      <p:to>
-                                        <p:strVal val="visible"/>
-                                      </p:to>
-                                    </p:set>
-                                    <p:animEffect filter="fade" transition="in">
-                                      <p:cBhvr>
-                                        <p:cTn dur="1000"/>
-                                        <p:tgtEl>
-                                          <p:spTgt spid="254"/>
+                                          <p:spTgt spid="253"/>
                                         </p:tgtEl>
                                       </p:cBhvr>
                                     </p:animEffect>
@@ -16226,7 +15767,7 @@
   <p:cSld>
     <p:spTree>
       <p:nvGrpSpPr>
-        <p:cNvPr id="260" name="Shape 260"/>
+        <p:cNvPr id="259" name="Shape 259"/>
         <p:cNvGrpSpPr/>
         <p:nvPr/>
       </p:nvGrpSpPr>
@@ -16240,7 +15781,7 @@
       </p:grpSpPr>
       <p:sp>
         <p:nvSpPr>
-          <p:cNvPr id="261" name="Shape 261"/>
+          <p:cNvPr id="260" name="Shape 260"/>
           <p:cNvSpPr txBox="1"/>
           <p:nvPr>
             <p:ph type="title"/>
@@ -16276,7 +15817,7 @@
       </p:sp>
       <p:sp>
         <p:nvSpPr>
-          <p:cNvPr id="262" name="Shape 262"/>
+          <p:cNvPr id="261" name="Shape 261"/>
           <p:cNvSpPr txBox="1"/>
           <p:nvPr/>
         </p:nvSpPr>
@@ -16483,7 +16024,7 @@
       </p:sp>
       <p:sp>
         <p:nvSpPr>
-          <p:cNvPr id="263" name="Shape 263"/>
+          <p:cNvPr id="262" name="Shape 262"/>
           <p:cNvSpPr/>
           <p:nvPr/>
         </p:nvSpPr>
@@ -16531,7 +16072,7 @@
     <a:masterClrMapping/>
   </p:clrMapOvr>
   <p:transition spd="slow">
-    <p:cut/>
+    <p:fade/>
   </p:transition>
   <p:timing>
     <p:tnLst>
@@ -16567,7 +16108,7 @@
                                           </p:stCondLst>
                                         </p:cTn>
                                         <p:tgtEl>
-                                          <p:spTgt spid="262">
+                                          <p:spTgt spid="261">
                                             <p:txEl>
                                               <p:pRg end="0" st="0"/>
                                             </p:txEl>
@@ -16585,7 +16126,7 @@
                                       <p:cBhvr>
                                         <p:cTn dur="1000"/>
                                         <p:tgtEl>
-                                          <p:spTgt spid="262">
+                                          <p:spTgt spid="261">
                                             <p:txEl>
                                               <p:pRg end="0" st="0"/>
                                             </p:txEl>
@@ -16628,7 +16169,7 @@
                                           </p:stCondLst>
                                         </p:cTn>
                                         <p:tgtEl>
-                                          <p:spTgt spid="262">
+                                          <p:spTgt spid="261">
                                             <p:txEl>
                                               <p:pRg end="1" st="1"/>
                                             </p:txEl>
@@ -16646,7 +16187,7 @@
                                       <p:cBhvr>
                                         <p:cTn dur="1000"/>
                                         <p:tgtEl>
-                                          <p:spTgt spid="262">
+                                          <p:spTgt spid="261">
                                             <p:txEl>
                                               <p:pRg end="1" st="1"/>
                                             </p:txEl>
@@ -16689,7 +16230,7 @@
                                           </p:stCondLst>
                                         </p:cTn>
                                         <p:tgtEl>
-                                          <p:spTgt spid="262">
+                                          <p:spTgt spid="261">
                                             <p:txEl>
                                               <p:pRg end="2" st="2"/>
                                             </p:txEl>
@@ -16707,7 +16248,7 @@
                                       <p:cBhvr>
                                         <p:cTn dur="1000"/>
                                         <p:tgtEl>
-                                          <p:spTgt spid="262">
+                                          <p:spTgt spid="261">
                                             <p:txEl>
                                               <p:pRg end="2" st="2"/>
                                             </p:txEl>
@@ -16750,7 +16291,7 @@
                                           </p:stCondLst>
                                         </p:cTn>
                                         <p:tgtEl>
-                                          <p:spTgt spid="262">
+                                          <p:spTgt spid="261">
                                             <p:txEl>
                                               <p:pRg end="3" st="3"/>
                                             </p:txEl>
@@ -16768,7 +16309,7 @@
                                       <p:cBhvr>
                                         <p:cTn dur="1000"/>
                                         <p:tgtEl>
-                                          <p:spTgt spid="262">
+                                          <p:spTgt spid="261">
                                             <p:txEl>
                                               <p:pRg end="3" st="3"/>
                                             </p:txEl>
@@ -16811,7 +16352,7 @@
                                           </p:stCondLst>
                                         </p:cTn>
                                         <p:tgtEl>
-                                          <p:spTgt spid="262">
+                                          <p:spTgt spid="261">
                                             <p:txEl>
                                               <p:pRg end="4" st="4"/>
                                             </p:txEl>
@@ -16829,7 +16370,7 @@
                                       <p:cBhvr>
                                         <p:cTn dur="1000"/>
                                         <p:tgtEl>
-                                          <p:spTgt spid="262">
+                                          <p:spTgt spid="261">
                                             <p:txEl>
                                               <p:pRg end="4" st="4"/>
                                             </p:txEl>
@@ -16872,7 +16413,7 @@
                                           </p:stCondLst>
                                         </p:cTn>
                                         <p:tgtEl>
-                                          <p:spTgt spid="262">
+                                          <p:spTgt spid="261">
                                             <p:txEl>
                                               <p:pRg end="5" st="5"/>
                                             </p:txEl>
@@ -16890,7 +16431,7 @@
                                       <p:cBhvr>
                                         <p:cTn dur="1000"/>
                                         <p:tgtEl>
-                                          <p:spTgt spid="262">
+                                          <p:spTgt spid="261">
                                             <p:txEl>
                                               <p:pRg end="5" st="5"/>
                                             </p:txEl>
@@ -16933,7 +16474,7 @@
                                           </p:stCondLst>
                                         </p:cTn>
                                         <p:tgtEl>
-                                          <p:spTgt spid="262">
+                                          <p:spTgt spid="261">
                                             <p:txEl>
                                               <p:pRg end="6" st="6"/>
                                             </p:txEl>
@@ -16951,7 +16492,7 @@
                                       <p:cBhvr>
                                         <p:cTn dur="1000"/>
                                         <p:tgtEl>
-                                          <p:spTgt spid="262">
+                                          <p:spTgt spid="261">
                                             <p:txEl>
                                               <p:pRg end="6" st="6"/>
                                             </p:txEl>
@@ -16994,7 +16535,7 @@
                                           </p:stCondLst>
                                         </p:cTn>
                                         <p:tgtEl>
-                                          <p:spTgt spid="263"/>
+                                          <p:spTgt spid="262"/>
                                         </p:tgtEl>
                                         <p:attrNameLst>
                                           <p:attrName>style.visibility</p:attrName>
@@ -17008,7 +16549,7 @@
                                       <p:cBhvr>
                                         <p:cTn dur="1000"/>
                                         <p:tgtEl>
-                                          <p:spTgt spid="263"/>
+                                          <p:spTgt spid="262"/>
                                         </p:tgtEl>
                                       </p:cBhvr>
                                     </p:animEffect>
@@ -17051,7 +16592,7 @@
   <p:cSld>
     <p:spTree>
       <p:nvGrpSpPr>
-        <p:cNvPr id="267" name="Shape 267"/>
+        <p:cNvPr id="266" name="Shape 266"/>
         <p:cNvGrpSpPr/>
         <p:nvPr/>
       </p:nvGrpSpPr>
@@ -17065,7 +16606,7 @@
       </p:grpSpPr>
       <p:sp>
         <p:nvSpPr>
-          <p:cNvPr id="268" name="Shape 268"/>
+          <p:cNvPr id="267" name="Shape 267"/>
           <p:cNvSpPr txBox="1"/>
           <p:nvPr>
             <p:ph type="title"/>
@@ -17101,7 +16642,7 @@
       </p:sp>
       <p:sp>
         <p:nvSpPr>
-          <p:cNvPr id="269" name="Shape 269"/>
+          <p:cNvPr id="268" name="Shape 268"/>
           <p:cNvSpPr txBox="1"/>
           <p:nvPr>
             <p:ph idx="1" type="body"/>
@@ -17236,7 +16777,7 @@
     <a:masterClrMapping/>
   </p:clrMapOvr>
   <p:transition spd="slow">
-    <p:cut/>
+    <p:fade/>
   </p:transition>
 </p:sld>
 </file>
@@ -17246,7 +16787,7 @@
   <p:cSld>
     <p:spTree>
       <p:nvGrpSpPr>
-        <p:cNvPr id="273" name="Shape 273"/>
+        <p:cNvPr id="272" name="Shape 272"/>
         <p:cNvGrpSpPr/>
         <p:nvPr/>
       </p:nvGrpSpPr>
@@ -17260,7 +16801,7 @@
       </p:grpSpPr>
       <p:sp>
         <p:nvSpPr>
-          <p:cNvPr id="274" name="Shape 274"/>
+          <p:cNvPr id="273" name="Shape 273"/>
           <p:cNvSpPr txBox="1"/>
           <p:nvPr>
             <p:ph type="title"/>
@@ -17296,7 +16837,7 @@
       </p:sp>
       <p:sp>
         <p:nvSpPr>
-          <p:cNvPr id="275" name="Shape 275"/>
+          <p:cNvPr id="274" name="Shape 274"/>
           <p:cNvSpPr txBox="1"/>
           <p:nvPr>
             <p:ph idx="4294967295" type="body"/>
@@ -17368,7 +16909,7 @@
       </p:sp>
       <p:pic>
         <p:nvPicPr>
-          <p:cNvPr id="276" name="Shape 276"/>
+          <p:cNvPr id="275" name="Shape 275"/>
           <p:cNvPicPr preferRelativeResize="0"/>
           <p:nvPr/>
         </p:nvPicPr>
@@ -17395,7 +16936,7 @@
       </p:pic>
       <p:sp>
         <p:nvSpPr>
-          <p:cNvPr id="277" name="Shape 277"/>
+          <p:cNvPr id="276" name="Shape 276"/>
           <p:cNvSpPr txBox="1"/>
           <p:nvPr/>
         </p:nvSpPr>
@@ -17501,7 +17042,7 @@
     <a:masterClrMapping/>
   </p:clrMapOvr>
   <p:transition spd="slow">
-    <p:cut/>
+    <p:fade/>
   </p:transition>
   <p:timing>
     <p:tnLst>
@@ -17537,7 +17078,7 @@
                                           </p:stCondLst>
                                         </p:cTn>
                                         <p:tgtEl>
-                                          <p:spTgt spid="275"/>
+                                          <p:spTgt spid="274"/>
                                         </p:tgtEl>
                                         <p:attrNameLst>
                                           <p:attrName>style.visibility</p:attrName>
@@ -17551,7 +17092,7 @@
                                       <p:cBhvr>
                                         <p:cTn dur="1000"/>
                                         <p:tgtEl>
-                                          <p:spTgt spid="275"/>
+                                          <p:spTgt spid="274"/>
                                         </p:tgtEl>
                                       </p:cBhvr>
                                     </p:animEffect>
@@ -17590,7 +17131,7 @@
                                           </p:stCondLst>
                                         </p:cTn>
                                         <p:tgtEl>
-                                          <p:spTgt spid="277">
+                                          <p:spTgt spid="276">
                                             <p:txEl>
                                               <p:pRg end="0" st="0"/>
                                             </p:txEl>
@@ -17608,7 +17149,7 @@
                                       <p:cBhvr>
                                         <p:cTn dur="1000"/>
                                         <p:tgtEl>
-                                          <p:spTgt spid="277">
+                                          <p:spTgt spid="276">
                                             <p:txEl>
                                               <p:pRg end="0" st="0"/>
                                             </p:txEl>
@@ -17651,7 +17192,7 @@
                                           </p:stCondLst>
                                         </p:cTn>
                                         <p:tgtEl>
-                                          <p:spTgt spid="277">
+                                          <p:spTgt spid="276">
                                             <p:txEl>
                                               <p:pRg end="1" st="1"/>
                                             </p:txEl>
@@ -17669,7 +17210,7 @@
                                       <p:cBhvr>
                                         <p:cTn dur="1000"/>
                                         <p:tgtEl>
-                                          <p:spTgt spid="277">
+                                          <p:spTgt spid="276">
                                             <p:txEl>
                                               <p:pRg end="1" st="1"/>
                                             </p:txEl>
@@ -17712,7 +17253,7 @@
                                           </p:stCondLst>
                                         </p:cTn>
                                         <p:tgtEl>
-                                          <p:spTgt spid="277">
+                                          <p:spTgt spid="276">
                                             <p:txEl>
                                               <p:pRg end="2" st="2"/>
                                             </p:txEl>
@@ -17730,7 +17271,7 @@
                                       <p:cBhvr>
                                         <p:cTn dur="1000"/>
                                         <p:tgtEl>
-                                          <p:spTgt spid="277">
+                                          <p:spTgt spid="276">
                                             <p:txEl>
                                               <p:pRg end="2" st="2"/>
                                             </p:txEl>
@@ -17773,7 +17314,7 @@
                                           </p:stCondLst>
                                         </p:cTn>
                                         <p:tgtEl>
-                                          <p:spTgt spid="277">
+                                          <p:spTgt spid="276">
                                             <p:txEl>
                                               <p:pRg end="3" st="3"/>
                                             </p:txEl>
@@ -17791,7 +17332,7 @@
                                       <p:cBhvr>
                                         <p:cTn dur="1000"/>
                                         <p:tgtEl>
-                                          <p:spTgt spid="277">
+                                          <p:spTgt spid="276">
                                             <p:txEl>
                                               <p:pRg end="3" st="3"/>
                                             </p:txEl>
@@ -17838,7 +17379,7 @@
   <p:cSld>
     <p:spTree>
       <p:nvGrpSpPr>
-        <p:cNvPr id="281" name="Shape 281"/>
+        <p:cNvPr id="280" name="Shape 280"/>
         <p:cNvGrpSpPr/>
         <p:nvPr/>
       </p:nvGrpSpPr>
@@ -17852,7 +17393,7 @@
       </p:grpSpPr>
       <p:sp>
         <p:nvSpPr>
-          <p:cNvPr id="282" name="Shape 282"/>
+          <p:cNvPr id="281" name="Shape 281"/>
           <p:cNvSpPr txBox="1"/>
           <p:nvPr>
             <p:ph type="title"/>
@@ -17888,7 +17429,7 @@
       </p:sp>
       <p:pic>
         <p:nvPicPr>
-          <p:cNvPr id="283" name="Shape 283"/>
+          <p:cNvPr id="282" name="Shape 282"/>
           <p:cNvPicPr preferRelativeResize="0"/>
           <p:nvPr/>
         </p:nvPicPr>
@@ -17920,7 +17461,7 @@
     <a:masterClrMapping/>
   </p:clrMapOvr>
   <p:transition spd="slow">
-    <p:cut/>
+    <p:fade/>
   </p:transition>
 </p:sld>
 </file>
@@ -17930,7 +17471,7 @@
   <p:cSld>
     <p:spTree>
       <p:nvGrpSpPr>
-        <p:cNvPr id="287" name="Shape 287"/>
+        <p:cNvPr id="286" name="Shape 286"/>
         <p:cNvGrpSpPr/>
         <p:nvPr/>
       </p:nvGrpSpPr>
@@ -17944,7 +17485,7 @@
       </p:grpSpPr>
       <p:sp>
         <p:nvSpPr>
-          <p:cNvPr id="288" name="Shape 288"/>
+          <p:cNvPr id="287" name="Shape 287"/>
           <p:cNvSpPr txBox="1"/>
           <p:nvPr>
             <p:ph type="title"/>
@@ -17980,7 +17521,7 @@
       </p:sp>
       <p:pic>
         <p:nvPicPr>
-          <p:cNvPr id="289" name="Shape 289"/>
+          <p:cNvPr id="288" name="Shape 288"/>
           <p:cNvPicPr preferRelativeResize="0"/>
           <p:nvPr/>
         </p:nvPicPr>
@@ -18012,7 +17553,7 @@
     <a:masterClrMapping/>
   </p:clrMapOvr>
   <p:transition spd="slow">
-    <p:cut/>
+    <p:fade/>
   </p:transition>
 </p:sld>
 </file>
@@ -18022,7 +17563,7 @@
   <p:cSld>
     <p:spTree>
       <p:nvGrpSpPr>
-        <p:cNvPr id="293" name="Shape 293"/>
+        <p:cNvPr id="292" name="Shape 292"/>
         <p:cNvGrpSpPr/>
         <p:nvPr/>
       </p:nvGrpSpPr>
@@ -18036,7 +17577,7 @@
       </p:grpSpPr>
       <p:sp>
         <p:nvSpPr>
-          <p:cNvPr id="294" name="Shape 294"/>
+          <p:cNvPr id="293" name="Shape 293"/>
           <p:cNvSpPr txBox="1"/>
           <p:nvPr>
             <p:ph type="title"/>
@@ -18044,8 +17585,8 @@
         </p:nvSpPr>
         <p:spPr>
           <a:xfrm>
-            <a:off x="265500" y="1251850"/>
-            <a:ext cx="4045199" cy="1235100"/>
+            <a:off x="265500" y="846974"/>
+            <a:ext cx="4045200" cy="2097300"/>
           </a:xfrm>
           <a:prstGeom prst="rect">
             <a:avLst/>
@@ -18065,7 +17606,43 @@
             </a:pPr>
             <a:r>
               <a:rPr lang="en"/>
-              <a:t>Regularization</a:t>
+              <a:t>Regularized Linear Regression</a:t>
+            </a:r>
+          </a:p>
+        </p:txBody>
+      </p:sp>
+      <p:sp>
+        <p:nvSpPr>
+          <p:cNvPr id="294" name="Shape 294"/>
+          <p:cNvSpPr txBox="1"/>
+          <p:nvPr>
+            <p:ph idx="1" type="subTitle"/>
+          </p:nvPr>
+        </p:nvSpPr>
+        <p:spPr>
+          <a:xfrm>
+            <a:off x="265500" y="3160466"/>
+            <a:ext cx="4045200" cy="1235099"/>
+          </a:xfrm>
+          <a:prstGeom prst="rect">
+            <a:avLst/>
+          </a:prstGeom>
+        </p:spPr>
+        <p:txBody>
+          <a:bodyPr anchorCtr="0" anchor="t" bIns="91425" lIns="91425" rIns="91425" tIns="91425">
+            <a:noAutofit/>
+          </a:bodyPr>
+          <a:lstStyle/>
+          <a:p>
+            <a:pPr lvl="0">
+              <a:spcBef>
+                <a:spcPts val="0"/>
+              </a:spcBef>
+              <a:buNone/>
+            </a:pPr>
+            <a:r>
+              <a:rPr lang="en"/>
+              <a:t>Ryan Henning</a:t>
             </a:r>
           </a:p>
         </p:txBody>
@@ -18073,42 +17650,6 @@
       <p:sp>
         <p:nvSpPr>
           <p:cNvPr id="295" name="Shape 295"/>
-          <p:cNvSpPr txBox="1"/>
-          <p:nvPr>
-            <p:ph idx="1" type="subTitle"/>
-          </p:nvPr>
-        </p:nvSpPr>
-        <p:spPr>
-          <a:xfrm>
-            <a:off x="265500" y="2703266"/>
-            <a:ext cx="4045199" cy="1235100"/>
-          </a:xfrm>
-          <a:prstGeom prst="rect">
-            <a:avLst/>
-          </a:prstGeom>
-        </p:spPr>
-        <p:txBody>
-          <a:bodyPr anchorCtr="0" anchor="t" bIns="91425" lIns="91425" rIns="91425" tIns="91425">
-            <a:noAutofit/>
-          </a:bodyPr>
-          <a:lstStyle/>
-          <a:p>
-            <a:pPr lvl="0">
-              <a:spcBef>
-                <a:spcPts val="0"/>
-              </a:spcBef>
-              <a:buNone/>
-            </a:pPr>
-            <a:r>
-              <a:rPr lang="en"/>
-              <a:t>Ryan Henning</a:t>
-            </a:r>
-          </a:p>
-        </p:txBody>
-      </p:sp>
-      <p:sp>
-        <p:nvSpPr>
-          <p:cNvPr id="296" name="Shape 296"/>
           <p:cNvSpPr txBox="1"/>
           <p:nvPr>
             <p:ph idx="2" type="body"/>
@@ -18180,7 +17721,7 @@
     <a:masterClrMapping/>
   </p:clrMapOvr>
   <p:transition spd="slow">
-    <p:cut/>
+    <p:fade/>
   </p:transition>
 </p:sld>
 </file>
@@ -18190,7 +17731,7 @@
   <p:cSld>
     <p:spTree>
       <p:nvGrpSpPr>
-        <p:cNvPr id="300" name="Shape 300"/>
+        <p:cNvPr id="299" name="Shape 299"/>
         <p:cNvGrpSpPr/>
         <p:nvPr/>
       </p:nvGrpSpPr>
@@ -18204,7 +17745,7 @@
       </p:grpSpPr>
       <p:sp>
         <p:nvSpPr>
-          <p:cNvPr id="301" name="Shape 301"/>
+          <p:cNvPr id="300" name="Shape 300"/>
           <p:cNvSpPr txBox="1"/>
           <p:nvPr>
             <p:ph type="title"/>
@@ -18240,7 +17781,7 @@
       </p:sp>
       <p:sp>
         <p:nvSpPr>
-          <p:cNvPr id="302" name="Shape 302"/>
+          <p:cNvPr id="301" name="Shape 301"/>
           <p:cNvSpPr txBox="1"/>
           <p:nvPr>
             <p:ph idx="1" type="body"/>
@@ -18312,7 +17853,7 @@
       </p:sp>
       <p:pic>
         <p:nvPicPr>
-          <p:cNvPr id="303" name="Shape 303"/>
+          <p:cNvPr id="302" name="Shape 302"/>
           <p:cNvPicPr preferRelativeResize="0"/>
           <p:nvPr/>
         </p:nvPicPr>
@@ -18344,7 +17885,7 @@
     <a:masterClrMapping/>
   </p:clrMapOvr>
   <p:transition spd="slow">
-    <p:cut/>
+    <p:fade/>
   </p:transition>
 </p:sld>
 </file>
@@ -18354,7 +17895,7 @@
   <p:cSld>
     <p:spTree>
       <p:nvGrpSpPr>
-        <p:cNvPr id="307" name="Shape 307"/>
+        <p:cNvPr id="306" name="Shape 306"/>
         <p:cNvGrpSpPr/>
         <p:nvPr/>
       </p:nvGrpSpPr>
@@ -18368,7 +17909,7 @@
       </p:grpSpPr>
       <p:sp>
         <p:nvSpPr>
-          <p:cNvPr id="308" name="Shape 308"/>
+          <p:cNvPr id="307" name="Shape 307"/>
           <p:cNvSpPr txBox="1"/>
           <p:nvPr>
             <p:ph type="title"/>
@@ -18404,7 +17945,7 @@
       </p:sp>
       <p:pic>
         <p:nvPicPr>
-          <p:cNvPr id="309" name="Shape 309"/>
+          <p:cNvPr id="308" name="Shape 308"/>
           <p:cNvPicPr preferRelativeResize="0"/>
           <p:nvPr/>
         </p:nvPicPr>
@@ -18436,7 +17977,7 @@
     <a:masterClrMapping/>
   </p:clrMapOvr>
   <p:transition spd="slow">
-    <p:cut/>
+    <p:fade/>
   </p:transition>
 </p:sld>
 </file>
@@ -18446,7 +17987,7 @@
   <p:cSld>
     <p:spTree>
       <p:nvGrpSpPr>
-        <p:cNvPr id="313" name="Shape 313"/>
+        <p:cNvPr id="312" name="Shape 312"/>
         <p:cNvGrpSpPr/>
         <p:nvPr/>
       </p:nvGrpSpPr>
@@ -18460,7 +18001,7 @@
       </p:grpSpPr>
       <p:sp>
         <p:nvSpPr>
-          <p:cNvPr id="314" name="Shape 314"/>
+          <p:cNvPr id="313" name="Shape 313"/>
           <p:cNvSpPr txBox="1"/>
           <p:nvPr>
             <p:ph type="title"/>
@@ -18496,7 +18037,7 @@
       </p:sp>
       <p:pic>
         <p:nvPicPr>
-          <p:cNvPr id="315" name="Shape 315"/>
+          <p:cNvPr id="314" name="Shape 314"/>
           <p:cNvPicPr preferRelativeResize="0"/>
           <p:nvPr/>
         </p:nvPicPr>
@@ -18528,7 +18069,7 @@
     <a:masterClrMapping/>
   </p:clrMapOvr>
   <p:transition spd="slow">
-    <p:cut/>
+    <p:fade/>
   </p:transition>
 </p:sld>
 </file>
@@ -18538,7 +18079,7 @@
   <p:cSld>
     <p:spTree>
       <p:nvGrpSpPr>
-        <p:cNvPr id="80" name="Shape 80"/>
+        <p:cNvPr id="79" name="Shape 79"/>
         <p:cNvGrpSpPr/>
         <p:nvPr/>
       </p:nvGrpSpPr>
@@ -18552,7 +18093,7 @@
       </p:grpSpPr>
       <p:sp>
         <p:nvSpPr>
-          <p:cNvPr id="81" name="Shape 81"/>
+          <p:cNvPr id="80" name="Shape 80"/>
           <p:cNvSpPr txBox="1"/>
           <p:nvPr>
             <p:ph type="title"/>
@@ -18560,19 +18101,59 @@
         </p:nvSpPr>
         <p:spPr>
           <a:xfrm>
-            <a:off x="471900" y="315175"/>
-            <a:ext cx="8222100" cy="1191300"/>
+            <a:off x="98250" y="16350"/>
+            <a:ext cx="8826599" cy="602700"/>
           </a:xfrm>
           <a:prstGeom prst="rect">
             <a:avLst/>
           </a:prstGeom>
         </p:spPr>
         <p:txBody>
-          <a:bodyPr anchorCtr="0" anchor="b" bIns="91425" lIns="91425" rIns="91425" tIns="91425">
+          <a:bodyPr anchorCtr="0" anchor="ctr" bIns="91425" lIns="91425" rIns="91425" tIns="91425">
             <a:noAutofit/>
           </a:bodyPr>
           <a:lstStyle/>
           <a:p>
+            <a:pPr lvl="0">
+              <a:spcBef>
+                <a:spcPts val="0"/>
+              </a:spcBef>
+              <a:buNone/>
+            </a:pPr>
+            <a:r>
+              <a:rPr lang="en" u="sng"/>
+              <a:t>Stepping back:</a:t>
+            </a:r>
+            <a:r>
+              <a:rPr lang="en"/>
+              <a:t> One Goal of Data Science: Make Future Predictions</a:t>
+            </a:r>
+          </a:p>
+        </p:txBody>
+      </p:sp>
+      <p:sp>
+        <p:nvSpPr>
+          <p:cNvPr id="81" name="Shape 81"/>
+          <p:cNvSpPr txBox="1"/>
+          <p:nvPr>
+            <p:ph idx="4294967295" type="body"/>
+          </p:nvPr>
+        </p:nvSpPr>
+        <p:spPr>
+          <a:xfrm>
+            <a:off x="471900" y="930425"/>
+            <a:ext cx="8222100" cy="3909900"/>
+          </a:xfrm>
+          <a:prstGeom prst="rect">
+            <a:avLst/>
+          </a:prstGeom>
+        </p:spPr>
+        <p:txBody>
+          <a:bodyPr anchorCtr="0" anchor="t" bIns="91425" lIns="91425" rIns="91425" tIns="91425">
+            <a:noAutofit/>
+          </a:bodyPr>
+          <a:lstStyle/>
+          <a:p>
             <a:pPr lvl="0" rtl="0">
               <a:spcBef>
                 <a:spcPts val="0"/>
@@ -18581,19 +18162,116 @@
             </a:pPr>
             <a:r>
               <a:rPr lang="en"/>
-              <a:t>Quick Review: Regression vs. Classification</a:t>
-            </a:r>
-          </a:p>
-          <a:p>
-            <a:pPr lvl="0">
-              <a:spcBef>
-                <a:spcPts val="0"/>
-              </a:spcBef>
-              <a:buNone/>
-            </a:pPr>
-            <a:r>
-              <a:rPr lang="en" sz="2400"/>
-              <a:t>(in machine learning)</a:t>
+              <a:t>One goal is to make accurate </a:t>
+            </a:r>
+            <a:r>
+              <a:rPr b="1" i="1" lang="en" u="sng"/>
+              <a:t>predictions</a:t>
+            </a:r>
+            <a:r>
+              <a:rPr lang="en"/>
+              <a:t> on future (unseen) data.</a:t>
+            </a:r>
+          </a:p>
+          <a:p>
+            <a:pPr indent="-228600" lvl="0" marL="457200" rtl="0">
+              <a:spcBef>
+                <a:spcPts val="0"/>
+              </a:spcBef>
+              <a:buAutoNum type="arabicPeriod"/>
+            </a:pPr>
+            <a:r>
+              <a:rPr lang="en"/>
+              <a:t>Define a business goal. </a:t>
+            </a:r>
+            <a:br>
+              <a:rPr lang="en"/>
+            </a:br>
+            <a:r>
+              <a:rPr lang="en" sz="1400"/>
+              <a:t>	e.g. make Tesla cars the most dependable vehicles on the market</a:t>
+            </a:r>
+            <a:br>
+              <a:rPr lang="en" sz="1400"/>
+            </a:br>
+          </a:p>
+          <a:p>
+            <a:pPr indent="-228600" lvl="0" marL="457200" rtl="0">
+              <a:spcBef>
+                <a:spcPts val="0"/>
+              </a:spcBef>
+              <a:buAutoNum type="arabicPeriod"/>
+            </a:pPr>
+            <a:r>
+              <a:rPr lang="en"/>
+              <a:t>Collect training data.</a:t>
+            </a:r>
+            <a:br>
+              <a:rPr lang="en"/>
+            </a:br>
+            <a:r>
+              <a:rPr lang="en" sz="1400"/>
+              <a:t>	e.g. Tesla cars’ event logs + historical record of parts replaced</a:t>
+            </a:r>
+            <a:br>
+              <a:rPr lang="en" sz="1400"/>
+            </a:br>
+          </a:p>
+          <a:p>
+            <a:pPr indent="-228600" lvl="0" marL="457200" rtl="0">
+              <a:spcBef>
+                <a:spcPts val="0"/>
+              </a:spcBef>
+              <a:buAutoNum type="arabicPeriod"/>
+            </a:pPr>
+            <a:r>
+              <a:rPr lang="en"/>
+              <a:t>Train a model.</a:t>
+            </a:r>
+            <a:br>
+              <a:rPr lang="en"/>
+            </a:br>
+            <a:r>
+              <a:rPr lang="en" sz="1400"/>
+              <a:t>	e.g. </a:t>
+            </a:r>
+            <a:r>
+              <a:rPr b="1" lang="en" sz="1400"/>
+              <a:t>features:</a:t>
+            </a:r>
+            <a:r>
+              <a:rPr lang="en" sz="1400"/>
+              <a:t> event statistics, </a:t>
+            </a:r>
+            <a:r>
+              <a:rPr b="1" lang="en" sz="1400"/>
+              <a:t>target:</a:t>
+            </a:r>
+            <a:r>
+              <a:rPr lang="en" sz="1400"/>
+              <a:t> time until failure</a:t>
+            </a:r>
+            <a:br>
+              <a:rPr lang="en" sz="1400"/>
+            </a:br>
+          </a:p>
+          <a:p>
+            <a:pPr indent="-228600" lvl="0" marL="457200" rtl="0">
+              <a:spcBef>
+                <a:spcPts val="0"/>
+              </a:spcBef>
+              <a:buAutoNum type="arabicPeriod"/>
+            </a:pPr>
+            <a:r>
+              <a:rPr lang="en"/>
+              <a:t>Deploy the model.</a:t>
+            </a:r>
+            <a:br>
+              <a:rPr lang="en"/>
+            </a:br>
+            <a:r>
+              <a:rPr lang="en" sz="1400"/>
+              <a:t>	e.g. monitor cars’ events in real time, send mechanics to replace parts that will soon fail</a:t>
             </a:r>
           </a:p>
         </p:txBody>
@@ -18602,18 +18280,20 @@
         <p:nvSpPr>
           <p:cNvPr id="82" name="Shape 82"/>
           <p:cNvSpPr txBox="1"/>
-          <p:nvPr>
-            <p:ph idx="1" type="body"/>
-          </p:nvPr>
+          <p:nvPr/>
         </p:nvSpPr>
         <p:spPr>
           <a:xfrm>
-            <a:off x="471900" y="1919075"/>
-            <a:ext cx="8222100" cy="2710200"/>
+            <a:off x="2503800" y="4593000"/>
+            <a:ext cx="4015500" cy="550500"/>
           </a:xfrm>
           <a:prstGeom prst="rect">
             <a:avLst/>
           </a:prstGeom>
+          <a:noFill/>
+          <a:ln>
+            <a:noFill/>
+          </a:ln>
         </p:spPr>
         <p:txBody>
           <a:bodyPr anchorCtr="0" anchor="t" bIns="91425" lIns="91425" rIns="91425" tIns="91425">
@@ -18621,87 +18301,19 @@
           </a:bodyPr>
           <a:lstStyle/>
           <a:p>
-            <a:pPr lvl="0" rtl="0">
-              <a:spcBef>
-                <a:spcPts val="0"/>
-              </a:spcBef>
-              <a:buNone/>
-            </a:pPr>
-            <a:r>
-              <a:rPr b="1" lang="en"/>
-              <a:t>What is regression?</a:t>
-            </a:r>
-          </a:p>
-          <a:p>
-            <a:pPr lvl="0" rtl="0">
-              <a:spcBef>
-                <a:spcPts val="0"/>
-              </a:spcBef>
-              <a:buNone/>
-            </a:pPr>
-            <a:r>
-              <a:rPr lang="en"/>
-              <a:t>Use features to predict </a:t>
-            </a:r>
-            <a:r>
-              <a:rPr lang="en" u="sng"/>
-              <a:t>real valued</a:t>
-            </a:r>
-            <a:r>
-              <a:rPr lang="en"/>
-              <a:t> targets.    </a:t>
-            </a:r>
-            <a:r>
-              <a:rPr lang="en" sz="1400"/>
-              <a:t>E.g. predict future sales/revenue</a:t>
-            </a:r>
-          </a:p>
-          <a:p>
-            <a:pPr lvl="0" rtl="0">
-              <a:spcBef>
-                <a:spcPts val="0"/>
-              </a:spcBef>
-              <a:buNone/>
-            </a:pPr>
-            <a:r>
-              <a:t/>
-            </a:r>
-            <a:endParaRPr/>
-          </a:p>
-          <a:p>
-            <a:pPr lvl="0" rtl="0">
-              <a:spcBef>
-                <a:spcPts val="0"/>
-              </a:spcBef>
-              <a:buNone/>
-            </a:pPr>
-            <a:r>
-              <a:rPr b="1" lang="en"/>
-              <a:t>What is classification?</a:t>
-            </a:r>
-          </a:p>
-          <a:p>
-            <a:pPr lvl="0">
-              <a:spcBef>
-                <a:spcPts val="0"/>
-              </a:spcBef>
-              <a:buNone/>
-            </a:pPr>
-            <a:r>
-              <a:rPr lang="en"/>
-              <a:t>Use features to predict </a:t>
-            </a:r>
-            <a:r>
-              <a:rPr lang="en" u="sng"/>
-              <a:t>categorical</a:t>
-            </a:r>
-            <a:r>
-              <a:rPr lang="en"/>
-              <a:t> targets.    </a:t>
-            </a:r>
-            <a:r>
-              <a:rPr lang="en" sz="1400"/>
-              <a:t>E.g. predict   yes/no,    male/female,    0-9</a:t>
+            <a:pPr lvl="0" algn="ctr">
+              <a:spcBef>
+                <a:spcPts val="0"/>
+              </a:spcBef>
+              <a:buNone/>
+            </a:pPr>
+            <a:r>
+              <a:rPr lang="en" sz="2400">
+                <a:solidFill>
+                  <a:srgbClr val="A61C00"/>
+                </a:solidFill>
+              </a:rPr>
+              <a:t>Questions!</a:t>
             </a:r>
           </a:p>
         </p:txBody>
@@ -18712,7 +18324,7 @@
     <a:masterClrMapping/>
   </p:clrMapOvr>
   <p:transition spd="slow">
-    <p:cut/>
+    <p:fade/>
   </p:transition>
   <p:timing>
     <p:tnLst>
@@ -18722,6 +18334,311 @@
             <p:seq concurrent="1" nextAc="seek">
               <p:cTn dur="indefinite" id="2" nodeType="mainSeq">
                 <p:childTnLst>
+                  <p:par>
+                    <p:cTn fill="hold">
+                      <p:stCondLst>
+                        <p:cond delay="indefinite"/>
+                      </p:stCondLst>
+                      <p:childTnLst>
+                        <p:par>
+                          <p:cTn fill="hold">
+                            <p:stCondLst>
+                              <p:cond delay="0"/>
+                            </p:stCondLst>
+                            <p:childTnLst>
+                              <p:par>
+                                <p:cTn fill="hold" nodeType="clickEffect" presetClass="entr" presetID="10" presetSubtype="0">
+                                  <p:stCondLst>
+                                    <p:cond delay="0"/>
+                                  </p:stCondLst>
+                                  <p:childTnLst>
+                                    <p:set>
+                                      <p:cBhvr>
+                                        <p:cTn dur="1" fill="hold">
+                                          <p:stCondLst>
+                                            <p:cond delay="0"/>
+                                          </p:stCondLst>
+                                        </p:cTn>
+                                        <p:tgtEl>
+                                          <p:spTgt spid="81">
+                                            <p:txEl>
+                                              <p:pRg end="0" st="0"/>
+                                            </p:txEl>
+                                          </p:spTgt>
+                                        </p:tgtEl>
+                                        <p:attrNameLst>
+                                          <p:attrName>style.visibility</p:attrName>
+                                        </p:attrNameLst>
+                                      </p:cBhvr>
+                                      <p:to>
+                                        <p:strVal val="visible"/>
+                                      </p:to>
+                                    </p:set>
+                                    <p:animEffect filter="fade" transition="in">
+                                      <p:cBhvr>
+                                        <p:cTn dur="1000"/>
+                                        <p:tgtEl>
+                                          <p:spTgt spid="81">
+                                            <p:txEl>
+                                              <p:pRg end="0" st="0"/>
+                                            </p:txEl>
+                                          </p:spTgt>
+                                        </p:tgtEl>
+                                      </p:cBhvr>
+                                    </p:animEffect>
+                                  </p:childTnLst>
+                                </p:cTn>
+                              </p:par>
+                            </p:childTnLst>
+                          </p:cTn>
+                        </p:par>
+                      </p:childTnLst>
+                    </p:cTn>
+                  </p:par>
+                  <p:par>
+                    <p:cTn fill="hold">
+                      <p:stCondLst>
+                        <p:cond delay="indefinite"/>
+                      </p:stCondLst>
+                      <p:childTnLst>
+                        <p:par>
+                          <p:cTn fill="hold">
+                            <p:stCondLst>
+                              <p:cond delay="0"/>
+                            </p:stCondLst>
+                            <p:childTnLst>
+                              <p:par>
+                                <p:cTn fill="hold" nodeType="clickEffect" presetClass="entr" presetID="10" presetSubtype="0">
+                                  <p:stCondLst>
+                                    <p:cond delay="0"/>
+                                  </p:stCondLst>
+                                  <p:childTnLst>
+                                    <p:set>
+                                      <p:cBhvr>
+                                        <p:cTn dur="1" fill="hold">
+                                          <p:stCondLst>
+                                            <p:cond delay="0"/>
+                                          </p:stCondLst>
+                                        </p:cTn>
+                                        <p:tgtEl>
+                                          <p:spTgt spid="81">
+                                            <p:txEl>
+                                              <p:pRg end="1" st="1"/>
+                                            </p:txEl>
+                                          </p:spTgt>
+                                        </p:tgtEl>
+                                        <p:attrNameLst>
+                                          <p:attrName>style.visibility</p:attrName>
+                                        </p:attrNameLst>
+                                      </p:cBhvr>
+                                      <p:to>
+                                        <p:strVal val="visible"/>
+                                      </p:to>
+                                    </p:set>
+                                    <p:animEffect filter="fade" transition="in">
+                                      <p:cBhvr>
+                                        <p:cTn dur="1000"/>
+                                        <p:tgtEl>
+                                          <p:spTgt spid="81">
+                                            <p:txEl>
+                                              <p:pRg end="1" st="1"/>
+                                            </p:txEl>
+                                          </p:spTgt>
+                                        </p:tgtEl>
+                                      </p:cBhvr>
+                                    </p:animEffect>
+                                  </p:childTnLst>
+                                </p:cTn>
+                              </p:par>
+                            </p:childTnLst>
+                          </p:cTn>
+                        </p:par>
+                      </p:childTnLst>
+                    </p:cTn>
+                  </p:par>
+                  <p:par>
+                    <p:cTn fill="hold">
+                      <p:stCondLst>
+                        <p:cond delay="indefinite"/>
+                      </p:stCondLst>
+                      <p:childTnLst>
+                        <p:par>
+                          <p:cTn fill="hold">
+                            <p:stCondLst>
+                              <p:cond delay="0"/>
+                            </p:stCondLst>
+                            <p:childTnLst>
+                              <p:par>
+                                <p:cTn fill="hold" nodeType="clickEffect" presetClass="entr" presetID="10" presetSubtype="0">
+                                  <p:stCondLst>
+                                    <p:cond delay="0"/>
+                                  </p:stCondLst>
+                                  <p:childTnLst>
+                                    <p:set>
+                                      <p:cBhvr>
+                                        <p:cTn dur="1" fill="hold">
+                                          <p:stCondLst>
+                                            <p:cond delay="0"/>
+                                          </p:stCondLst>
+                                        </p:cTn>
+                                        <p:tgtEl>
+                                          <p:spTgt spid="81">
+                                            <p:txEl>
+                                              <p:pRg end="2" st="2"/>
+                                            </p:txEl>
+                                          </p:spTgt>
+                                        </p:tgtEl>
+                                        <p:attrNameLst>
+                                          <p:attrName>style.visibility</p:attrName>
+                                        </p:attrNameLst>
+                                      </p:cBhvr>
+                                      <p:to>
+                                        <p:strVal val="visible"/>
+                                      </p:to>
+                                    </p:set>
+                                    <p:animEffect filter="fade" transition="in">
+                                      <p:cBhvr>
+                                        <p:cTn dur="1000"/>
+                                        <p:tgtEl>
+                                          <p:spTgt spid="81">
+                                            <p:txEl>
+                                              <p:pRg end="2" st="2"/>
+                                            </p:txEl>
+                                          </p:spTgt>
+                                        </p:tgtEl>
+                                      </p:cBhvr>
+                                    </p:animEffect>
+                                  </p:childTnLst>
+                                </p:cTn>
+                              </p:par>
+                            </p:childTnLst>
+                          </p:cTn>
+                        </p:par>
+                      </p:childTnLst>
+                    </p:cTn>
+                  </p:par>
+                  <p:par>
+                    <p:cTn fill="hold">
+                      <p:stCondLst>
+                        <p:cond delay="indefinite"/>
+                      </p:stCondLst>
+                      <p:childTnLst>
+                        <p:par>
+                          <p:cTn fill="hold">
+                            <p:stCondLst>
+                              <p:cond delay="0"/>
+                            </p:stCondLst>
+                            <p:childTnLst>
+                              <p:par>
+                                <p:cTn fill="hold" nodeType="clickEffect" presetClass="entr" presetID="10" presetSubtype="0">
+                                  <p:stCondLst>
+                                    <p:cond delay="0"/>
+                                  </p:stCondLst>
+                                  <p:childTnLst>
+                                    <p:set>
+                                      <p:cBhvr>
+                                        <p:cTn dur="1" fill="hold">
+                                          <p:stCondLst>
+                                            <p:cond delay="0"/>
+                                          </p:stCondLst>
+                                        </p:cTn>
+                                        <p:tgtEl>
+                                          <p:spTgt spid="81">
+                                            <p:txEl>
+                                              <p:pRg end="3" st="3"/>
+                                            </p:txEl>
+                                          </p:spTgt>
+                                        </p:tgtEl>
+                                        <p:attrNameLst>
+                                          <p:attrName>style.visibility</p:attrName>
+                                        </p:attrNameLst>
+                                      </p:cBhvr>
+                                      <p:to>
+                                        <p:strVal val="visible"/>
+                                      </p:to>
+                                    </p:set>
+                                    <p:animEffect filter="fade" transition="in">
+                                      <p:cBhvr>
+                                        <p:cTn dur="1000"/>
+                                        <p:tgtEl>
+                                          <p:spTgt spid="81">
+                                            <p:txEl>
+                                              <p:pRg end="3" st="3"/>
+                                            </p:txEl>
+                                          </p:spTgt>
+                                        </p:tgtEl>
+                                      </p:cBhvr>
+                                    </p:animEffect>
+                                  </p:childTnLst>
+                                </p:cTn>
+                              </p:par>
+                            </p:childTnLst>
+                          </p:cTn>
+                        </p:par>
+                      </p:childTnLst>
+                    </p:cTn>
+                  </p:par>
+                  <p:par>
+                    <p:cTn fill="hold">
+                      <p:stCondLst>
+                        <p:cond delay="indefinite"/>
+                      </p:stCondLst>
+                      <p:childTnLst>
+                        <p:par>
+                          <p:cTn fill="hold">
+                            <p:stCondLst>
+                              <p:cond delay="0"/>
+                            </p:stCondLst>
+                            <p:childTnLst>
+                              <p:par>
+                                <p:cTn fill="hold" nodeType="clickEffect" presetClass="entr" presetID="10" presetSubtype="0">
+                                  <p:stCondLst>
+                                    <p:cond delay="0"/>
+                                  </p:stCondLst>
+                                  <p:childTnLst>
+                                    <p:set>
+                                      <p:cBhvr>
+                                        <p:cTn dur="1" fill="hold">
+                                          <p:stCondLst>
+                                            <p:cond delay="0"/>
+                                          </p:stCondLst>
+                                        </p:cTn>
+                                        <p:tgtEl>
+                                          <p:spTgt spid="81">
+                                            <p:txEl>
+                                              <p:pRg end="4" st="4"/>
+                                            </p:txEl>
+                                          </p:spTgt>
+                                        </p:tgtEl>
+                                        <p:attrNameLst>
+                                          <p:attrName>style.visibility</p:attrName>
+                                        </p:attrNameLst>
+                                      </p:cBhvr>
+                                      <p:to>
+                                        <p:strVal val="visible"/>
+                                      </p:to>
+                                    </p:set>
+                                    <p:animEffect filter="fade" transition="in">
+                                      <p:cBhvr>
+                                        <p:cTn dur="1000"/>
+                                        <p:tgtEl>
+                                          <p:spTgt spid="81">
+                                            <p:txEl>
+                                              <p:pRg end="4" st="4"/>
+                                            </p:txEl>
+                                          </p:spTgt>
+                                        </p:tgtEl>
+                                      </p:cBhvr>
+                                    </p:animEffect>
+                                  </p:childTnLst>
+                                </p:cTn>
+                              </p:par>
+                            </p:childTnLst>
+                          </p:cTn>
+                        </p:par>
+                      </p:childTnLst>
+                    </p:cTn>
+                  </p:par>
                   <p:par>
                     <p:cTn fill="hold">
                       <p:stCondLst>
@@ -18805,7 +18722,7 @@
   <p:cSld>
     <p:spTree>
       <p:nvGrpSpPr>
-        <p:cNvPr id="319" name="Shape 319"/>
+        <p:cNvPr id="318" name="Shape 318"/>
         <p:cNvGrpSpPr/>
         <p:nvPr/>
       </p:nvGrpSpPr>
@@ -18819,7 +18736,7 @@
       </p:grpSpPr>
       <p:sp>
         <p:nvSpPr>
-          <p:cNvPr id="320" name="Shape 320"/>
+          <p:cNvPr id="319" name="Shape 319"/>
           <p:cNvSpPr txBox="1"/>
           <p:nvPr>
             <p:ph type="title"/>
@@ -18855,7 +18772,7 @@
       </p:sp>
       <p:pic>
         <p:nvPicPr>
-          <p:cNvPr id="321" name="Shape 321"/>
+          <p:cNvPr id="320" name="Shape 320"/>
           <p:cNvPicPr preferRelativeResize="0"/>
           <p:nvPr/>
         </p:nvPicPr>
@@ -18887,7 +18804,7 @@
     <a:masterClrMapping/>
   </p:clrMapOvr>
   <p:transition spd="slow">
-    <p:cut/>
+    <p:fade/>
   </p:transition>
 </p:sld>
 </file>
@@ -18897,7 +18814,7 @@
   <p:cSld>
     <p:spTree>
       <p:nvGrpSpPr>
-        <p:cNvPr id="325" name="Shape 325"/>
+        <p:cNvPr id="324" name="Shape 324"/>
         <p:cNvGrpSpPr/>
         <p:nvPr/>
       </p:nvGrpSpPr>
@@ -18911,7 +18828,7 @@
       </p:grpSpPr>
       <p:sp>
         <p:nvSpPr>
-          <p:cNvPr id="326" name="Shape 326"/>
+          <p:cNvPr id="325" name="Shape 325"/>
           <p:cNvSpPr txBox="1"/>
           <p:nvPr>
             <p:ph type="title"/>
@@ -18947,7 +18864,7 @@
       </p:sp>
       <p:pic>
         <p:nvPicPr>
-          <p:cNvPr id="327" name="Shape 327"/>
+          <p:cNvPr id="326" name="Shape 326"/>
           <p:cNvPicPr preferRelativeResize="0"/>
           <p:nvPr/>
         </p:nvPicPr>
@@ -18979,7 +18896,7 @@
     <a:masterClrMapping/>
   </p:clrMapOvr>
   <p:transition spd="slow">
-    <p:cut/>
+    <p:fade/>
   </p:transition>
 </p:sld>
 </file>
@@ -18989,7 +18906,7 @@
   <p:cSld>
     <p:spTree>
       <p:nvGrpSpPr>
-        <p:cNvPr id="331" name="Shape 331"/>
+        <p:cNvPr id="330" name="Shape 330"/>
         <p:cNvGrpSpPr/>
         <p:nvPr/>
       </p:nvGrpSpPr>
@@ -19003,7 +18920,7 @@
       </p:grpSpPr>
       <p:sp>
         <p:nvSpPr>
-          <p:cNvPr id="332" name="Shape 332"/>
+          <p:cNvPr id="331" name="Shape 331"/>
           <p:cNvSpPr txBox="1"/>
           <p:nvPr>
             <p:ph type="title"/>
@@ -19039,7 +18956,7 @@
       </p:sp>
       <p:sp>
         <p:nvSpPr>
-          <p:cNvPr id="333" name="Shape 333"/>
+          <p:cNvPr id="332" name="Shape 332"/>
           <p:cNvSpPr txBox="1"/>
           <p:nvPr>
             <p:ph idx="1" type="body"/>
@@ -19144,7 +19061,7 @@
     <a:masterClrMapping/>
   </p:clrMapOvr>
   <p:transition spd="slow">
-    <p:cut/>
+    <p:fade/>
   </p:transition>
   <p:timing>
     <p:tnLst>
@@ -19180,7 +19097,7 @@
                                           </p:stCondLst>
                                         </p:cTn>
                                         <p:tgtEl>
-                                          <p:spTgt spid="333">
+                                          <p:spTgt spid="332">
                                             <p:txEl>
                                               <p:pRg end="0" st="0"/>
                                             </p:txEl>
@@ -19198,7 +19115,7 @@
                                       <p:cBhvr>
                                         <p:cTn dur="1000"/>
                                         <p:tgtEl>
-                                          <p:spTgt spid="333">
+                                          <p:spTgt spid="332">
                                             <p:txEl>
                                               <p:pRg end="0" st="0"/>
                                             </p:txEl>
@@ -19241,7 +19158,7 @@
                                           </p:stCondLst>
                                         </p:cTn>
                                         <p:tgtEl>
-                                          <p:spTgt spid="333">
+                                          <p:spTgt spid="332">
                                             <p:txEl>
                                               <p:pRg end="1" st="1"/>
                                             </p:txEl>
@@ -19259,7 +19176,7 @@
                                       <p:cBhvr>
                                         <p:cTn dur="1000"/>
                                         <p:tgtEl>
-                                          <p:spTgt spid="333">
+                                          <p:spTgt spid="332">
                                             <p:txEl>
                                               <p:pRg end="1" st="1"/>
                                             </p:txEl>
@@ -19302,7 +19219,7 @@
                                           </p:stCondLst>
                                         </p:cTn>
                                         <p:tgtEl>
-                                          <p:spTgt spid="333">
+                                          <p:spTgt spid="332">
                                             <p:txEl>
                                               <p:pRg end="2" st="2"/>
                                             </p:txEl>
@@ -19320,7 +19237,7 @@
                                       <p:cBhvr>
                                         <p:cTn dur="1000"/>
                                         <p:tgtEl>
-                                          <p:spTgt spid="333">
+                                          <p:spTgt spid="332">
                                             <p:txEl>
                                               <p:pRg end="2" st="2"/>
                                             </p:txEl>
@@ -19363,7 +19280,7 @@
                                           </p:stCondLst>
                                         </p:cTn>
                                         <p:tgtEl>
-                                          <p:spTgt spid="333">
+                                          <p:spTgt spid="332">
                                             <p:txEl>
                                               <p:pRg end="3" st="3"/>
                                             </p:txEl>
@@ -19381,7 +19298,7 @@
                                       <p:cBhvr>
                                         <p:cTn dur="1000"/>
                                         <p:tgtEl>
-                                          <p:spTgt spid="333">
+                                          <p:spTgt spid="332">
                                             <p:txEl>
                                               <p:pRg end="3" st="3"/>
                                             </p:txEl>
@@ -19428,7 +19345,7 @@
   <p:cSld>
     <p:spTree>
       <p:nvGrpSpPr>
-        <p:cNvPr id="337" name="Shape 337"/>
+        <p:cNvPr id="336" name="Shape 336"/>
         <p:cNvGrpSpPr/>
         <p:nvPr/>
       </p:nvGrpSpPr>
@@ -19442,7 +19359,7 @@
       </p:grpSpPr>
       <p:sp>
         <p:nvSpPr>
-          <p:cNvPr id="338" name="Shape 338"/>
+          <p:cNvPr id="337" name="Shape 337"/>
           <p:cNvSpPr txBox="1"/>
           <p:nvPr>
             <p:ph type="title"/>
@@ -19478,7 +19395,7 @@
       </p:sp>
       <p:sp>
         <p:nvSpPr>
-          <p:cNvPr id="339" name="Shape 339"/>
+          <p:cNvPr id="338" name="Shape 338"/>
           <p:cNvSpPr txBox="1"/>
           <p:nvPr>
             <p:ph idx="1" type="body"/>
@@ -19550,7 +19467,7 @@
       </p:sp>
       <p:pic>
         <p:nvPicPr>
-          <p:cNvPr id="340" name="Shape 340"/>
+          <p:cNvPr id="339" name="Shape 339"/>
           <p:cNvPicPr preferRelativeResize="0"/>
           <p:nvPr/>
         </p:nvPicPr>
@@ -19578,7 +19495,7 @@
       </p:pic>
       <p:pic>
         <p:nvPicPr>
-          <p:cNvPr id="341" name="Shape 341"/>
+          <p:cNvPr id="340" name="Shape 340"/>
           <p:cNvPicPr preferRelativeResize="0"/>
           <p:nvPr/>
         </p:nvPicPr>
@@ -19610,7 +19527,7 @@
     <a:masterClrMapping/>
   </p:clrMapOvr>
   <p:transition spd="slow">
-    <p:cut/>
+    <p:fade/>
   </p:transition>
 </p:sld>
 </file>
@@ -19620,7 +19537,7 @@
   <p:cSld>
     <p:spTree>
       <p:nvGrpSpPr>
-        <p:cNvPr id="345" name="Shape 345"/>
+        <p:cNvPr id="344" name="Shape 344"/>
         <p:cNvGrpSpPr/>
         <p:nvPr/>
       </p:nvGrpSpPr>
@@ -19634,7 +19551,7 @@
       </p:grpSpPr>
       <p:sp>
         <p:nvSpPr>
-          <p:cNvPr id="346" name="Shape 346"/>
+          <p:cNvPr id="345" name="Shape 345"/>
           <p:cNvSpPr txBox="1"/>
           <p:nvPr>
             <p:ph type="title"/>
@@ -19682,7 +19599,7 @@
       </p:sp>
       <p:sp>
         <p:nvSpPr>
-          <p:cNvPr id="347" name="Shape 347"/>
+          <p:cNvPr id="346" name="Shape 346"/>
           <p:cNvSpPr txBox="1"/>
           <p:nvPr>
             <p:ph idx="1" type="body"/>
@@ -19754,7 +19671,7 @@
       </p:sp>
       <p:pic>
         <p:nvPicPr>
-          <p:cNvPr id="348" name="Shape 348"/>
+          <p:cNvPr id="347" name="Shape 347"/>
           <p:cNvPicPr preferRelativeResize="0"/>
           <p:nvPr/>
         </p:nvPicPr>
@@ -19782,7 +19699,7 @@
       </p:pic>
       <p:sp>
         <p:nvSpPr>
-          <p:cNvPr id="349" name="Shape 349"/>
+          <p:cNvPr id="348" name="Shape 348"/>
           <p:cNvSpPr txBox="1"/>
           <p:nvPr/>
         </p:nvSpPr>
@@ -19824,9 +19741,9 @@
       </p:sp>
       <p:cxnSp>
         <p:nvCxnSpPr>
-          <p:cNvPr id="350" name="Shape 350"/>
+          <p:cNvPr id="349" name="Shape 349"/>
           <p:cNvCxnSpPr>
-            <a:stCxn id="349" idx="1"/>
+            <a:stCxn id="348" idx="1"/>
           </p:cNvCxnSpPr>
           <p:nvPr/>
         </p:nvCxnSpPr>
@@ -19852,7 +19769,7 @@
       </p:cxnSp>
       <p:pic>
         <p:nvPicPr>
-          <p:cNvPr id="351" name="Shape 351"/>
+          <p:cNvPr id="350" name="Shape 350"/>
           <p:cNvPicPr preferRelativeResize="0"/>
           <p:nvPr/>
         </p:nvPicPr>
@@ -19880,7 +19797,7 @@
       </p:pic>
       <p:sp>
         <p:nvSpPr>
-          <p:cNvPr id="352" name="Shape 352"/>
+          <p:cNvPr id="351" name="Shape 351"/>
           <p:cNvSpPr txBox="1"/>
           <p:nvPr/>
         </p:nvSpPr>
@@ -19922,9 +19839,9 @@
       </p:sp>
       <p:cxnSp>
         <p:nvCxnSpPr>
-          <p:cNvPr id="353" name="Shape 353"/>
+          <p:cNvPr id="352" name="Shape 352"/>
           <p:cNvCxnSpPr>
-            <a:stCxn id="352" idx="1"/>
+            <a:stCxn id="351" idx="1"/>
           </p:cNvCxnSpPr>
           <p:nvPr/>
         </p:nvCxnSpPr>
@@ -19950,7 +19867,7 @@
       </p:cxnSp>
       <p:cxnSp>
         <p:nvCxnSpPr>
-          <p:cNvPr id="354" name="Shape 354"/>
+          <p:cNvPr id="353" name="Shape 353"/>
           <p:cNvCxnSpPr/>
           <p:nvPr/>
         </p:nvCxnSpPr>
@@ -19976,7 +19893,7 @@
       </p:cxnSp>
       <p:sp>
         <p:nvSpPr>
-          <p:cNvPr id="355" name="Shape 355"/>
+          <p:cNvPr id="354" name="Shape 354"/>
           <p:cNvSpPr/>
           <p:nvPr/>
         </p:nvSpPr>
@@ -20020,7 +19937,7 @@
       </p:sp>
       <p:sp>
         <p:nvSpPr>
-          <p:cNvPr id="356" name="Shape 356"/>
+          <p:cNvPr id="355" name="Shape 355"/>
           <p:cNvSpPr txBox="1"/>
           <p:nvPr/>
         </p:nvSpPr>
@@ -20062,10 +19979,10 @@
       </p:sp>
       <p:cxnSp>
         <p:nvCxnSpPr>
-          <p:cNvPr id="357" name="Shape 357"/>
+          <p:cNvPr id="356" name="Shape 356"/>
           <p:cNvCxnSpPr>
-            <a:stCxn id="356" idx="1"/>
-            <a:endCxn id="355" idx="0"/>
+            <a:stCxn id="355" idx="1"/>
+            <a:endCxn id="354" idx="0"/>
           </p:cNvCxnSpPr>
           <p:nvPr/>
         </p:nvCxnSpPr>
@@ -20095,7 +20012,7 @@
     <a:masterClrMapping/>
   </p:clrMapOvr>
   <p:transition spd="slow">
-    <p:cut/>
+    <p:fade/>
   </p:transition>
   <p:timing>
     <p:tnLst>
@@ -20131,7 +20048,7 @@
                                           </p:stCondLst>
                                         </p:cTn>
                                         <p:tgtEl>
-                                          <p:spTgt spid="349"/>
+                                          <p:spTgt spid="348"/>
                                         </p:tgtEl>
                                         <p:attrNameLst>
                                           <p:attrName>style.visibility</p:attrName>
@@ -20145,7 +20062,7 @@
                                       <p:cBhvr>
                                         <p:cTn dur="1000"/>
                                         <p:tgtEl>
-                                          <p:spTgt spid="349"/>
+                                          <p:spTgt spid="348"/>
                                         </p:tgtEl>
                                       </p:cBhvr>
                                     </p:animEffect>
@@ -20166,7 +20083,7 @@
                                           </p:stCondLst>
                                         </p:cTn>
                                         <p:tgtEl>
-                                          <p:spTgt spid="350"/>
+                                          <p:spTgt spid="349"/>
                                         </p:tgtEl>
                                         <p:attrNameLst>
                                           <p:attrName>style.visibility</p:attrName>
@@ -20180,7 +20097,7 @@
                                       <p:cBhvr>
                                         <p:cTn dur="1000"/>
                                         <p:tgtEl>
-                                          <p:spTgt spid="350"/>
+                                          <p:spTgt spid="349"/>
                                         </p:tgtEl>
                                       </p:cBhvr>
                                     </p:animEffect>
@@ -20207,6 +20124,41 @@
                             <p:childTnLst>
                               <p:par>
                                 <p:cTn fill="hold" nodeType="clickEffect" presetClass="entr" presetID="10" presetSubtype="0">
+                                  <p:stCondLst>
+                                    <p:cond delay="0"/>
+                                  </p:stCondLst>
+                                  <p:childTnLst>
+                                    <p:set>
+                                      <p:cBhvr>
+                                        <p:cTn dur="1" fill="hold">
+                                          <p:stCondLst>
+                                            <p:cond delay="0"/>
+                                          </p:stCondLst>
+                                        </p:cTn>
+                                        <p:tgtEl>
+                                          <p:spTgt spid="351"/>
+                                        </p:tgtEl>
+                                        <p:attrNameLst>
+                                          <p:attrName>style.visibility</p:attrName>
+                                        </p:attrNameLst>
+                                      </p:cBhvr>
+                                      <p:to>
+                                        <p:strVal val="visible"/>
+                                      </p:to>
+                                    </p:set>
+                                    <p:animEffect filter="fade" transition="in">
+                                      <p:cBhvr>
+                                        <p:cTn dur="1000"/>
+                                        <p:tgtEl>
+                                          <p:spTgt spid="351"/>
+                                        </p:tgtEl>
+                                      </p:cBhvr>
+                                    </p:animEffect>
+                                  </p:childTnLst>
+                                </p:cTn>
+                              </p:par>
+                              <p:par>
+                                <p:cTn fill="hold" nodeType="withEffect" presetClass="entr" presetID="10" presetSubtype="0">
                                   <p:stCondLst>
                                     <p:cond delay="0"/>
                                   </p:stCondLst>
@@ -20275,41 +20227,6 @@
                                   </p:childTnLst>
                                 </p:cTn>
                               </p:par>
-                              <p:par>
-                                <p:cTn fill="hold" nodeType="withEffect" presetClass="entr" presetID="10" presetSubtype="0">
-                                  <p:stCondLst>
-                                    <p:cond delay="0"/>
-                                  </p:stCondLst>
-                                  <p:childTnLst>
-                                    <p:set>
-                                      <p:cBhvr>
-                                        <p:cTn dur="1" fill="hold">
-                                          <p:stCondLst>
-                                            <p:cond delay="0"/>
-                                          </p:stCondLst>
-                                        </p:cTn>
-                                        <p:tgtEl>
-                                          <p:spTgt spid="354"/>
-                                        </p:tgtEl>
-                                        <p:attrNameLst>
-                                          <p:attrName>style.visibility</p:attrName>
-                                        </p:attrNameLst>
-                                      </p:cBhvr>
-                                      <p:to>
-                                        <p:strVal val="visible"/>
-                                      </p:to>
-                                    </p:set>
-                                    <p:animEffect filter="fade" transition="in">
-                                      <p:cBhvr>
-                                        <p:cTn dur="1000"/>
-                                        <p:tgtEl>
-                                          <p:spTgt spid="354"/>
-                                        </p:tgtEl>
-                                      </p:cBhvr>
-                                    </p:animEffect>
-                                  </p:childTnLst>
-                                </p:cTn>
-                              </p:par>
                             </p:childTnLst>
                           </p:cTn>
                         </p:par>
@@ -20330,6 +20247,41 @@
                             <p:childTnLst>
                               <p:par>
                                 <p:cTn fill="hold" nodeType="clickEffect" presetClass="entr" presetID="10" presetSubtype="0">
+                                  <p:stCondLst>
+                                    <p:cond delay="0"/>
+                                  </p:stCondLst>
+                                  <p:childTnLst>
+                                    <p:set>
+                                      <p:cBhvr>
+                                        <p:cTn dur="1" fill="hold">
+                                          <p:stCondLst>
+                                            <p:cond delay="0"/>
+                                          </p:stCondLst>
+                                        </p:cTn>
+                                        <p:tgtEl>
+                                          <p:spTgt spid="355"/>
+                                        </p:tgtEl>
+                                        <p:attrNameLst>
+                                          <p:attrName>style.visibility</p:attrName>
+                                        </p:attrNameLst>
+                                      </p:cBhvr>
+                                      <p:to>
+                                        <p:strVal val="visible"/>
+                                      </p:to>
+                                    </p:set>
+                                    <p:animEffect filter="fade" transition="in">
+                                      <p:cBhvr>
+                                        <p:cTn dur="1000"/>
+                                        <p:tgtEl>
+                                          <p:spTgt spid="355"/>
+                                        </p:tgtEl>
+                                      </p:cBhvr>
+                                    </p:animEffect>
+                                  </p:childTnLst>
+                                </p:cTn>
+                              </p:par>
+                              <p:par>
+                                <p:cTn fill="hold" nodeType="withEffect" presetClass="entr" presetID="10" presetSubtype="0">
                                   <p:stCondLst>
                                     <p:cond delay="0"/>
                                   </p:stCondLst>
@@ -20377,7 +20329,7 @@
                                           </p:stCondLst>
                                         </p:cTn>
                                         <p:tgtEl>
-                                          <p:spTgt spid="357"/>
+                                          <p:spTgt spid="354"/>
                                         </p:tgtEl>
                                         <p:attrNameLst>
                                           <p:attrName>style.visibility</p:attrName>
@@ -20391,42 +20343,7 @@
                                       <p:cBhvr>
                                         <p:cTn dur="1000"/>
                                         <p:tgtEl>
-                                          <p:spTgt spid="357"/>
-                                        </p:tgtEl>
-                                      </p:cBhvr>
-                                    </p:animEffect>
-                                  </p:childTnLst>
-                                </p:cTn>
-                              </p:par>
-                              <p:par>
-                                <p:cTn fill="hold" nodeType="withEffect" presetClass="entr" presetID="10" presetSubtype="0">
-                                  <p:stCondLst>
-                                    <p:cond delay="0"/>
-                                  </p:stCondLst>
-                                  <p:childTnLst>
-                                    <p:set>
-                                      <p:cBhvr>
-                                        <p:cTn dur="1" fill="hold">
-                                          <p:stCondLst>
-                                            <p:cond delay="0"/>
-                                          </p:stCondLst>
-                                        </p:cTn>
-                                        <p:tgtEl>
-                                          <p:spTgt spid="355"/>
-                                        </p:tgtEl>
-                                        <p:attrNameLst>
-                                          <p:attrName>style.visibility</p:attrName>
-                                        </p:attrNameLst>
-                                      </p:cBhvr>
-                                      <p:to>
-                                        <p:strVal val="visible"/>
-                                      </p:to>
-                                    </p:set>
-                                    <p:animEffect filter="fade" transition="in">
-                                      <p:cBhvr>
-                                        <p:cTn dur="1000"/>
-                                        <p:tgtEl>
-                                          <p:spTgt spid="355"/>
+                                          <p:spTgt spid="354"/>
                                         </p:tgtEl>
                                       </p:cBhvr>
                                     </p:animEffect>
@@ -20469,7 +20386,7 @@
   <p:cSld>
     <p:spTree>
       <p:nvGrpSpPr>
-        <p:cNvPr id="361" name="Shape 361"/>
+        <p:cNvPr id="360" name="Shape 360"/>
         <p:cNvGrpSpPr/>
         <p:nvPr/>
       </p:nvGrpSpPr>
@@ -20483,7 +20400,7 @@
       </p:grpSpPr>
       <p:sp>
         <p:nvSpPr>
-          <p:cNvPr id="362" name="Shape 362"/>
+          <p:cNvPr id="361" name="Shape 361"/>
           <p:cNvSpPr txBox="1"/>
           <p:nvPr>
             <p:ph type="title"/>
@@ -20519,7 +20436,7 @@
       </p:sp>
       <p:sp>
         <p:nvSpPr>
-          <p:cNvPr id="363" name="Shape 363"/>
+          <p:cNvPr id="362" name="Shape 362"/>
           <p:cNvSpPr txBox="1"/>
           <p:nvPr>
             <p:ph idx="1" type="body"/>
@@ -20606,7 +20523,7 @@
       </p:sp>
       <p:pic>
         <p:nvPicPr>
-          <p:cNvPr id="364" name="Shape 364"/>
+          <p:cNvPr id="363" name="Shape 363"/>
           <p:cNvPicPr preferRelativeResize="0"/>
           <p:nvPr/>
         </p:nvPicPr>
@@ -20638,7 +20555,7 @@
     <a:masterClrMapping/>
   </p:clrMapOvr>
   <p:transition spd="slow">
-    <p:cut/>
+    <p:fade/>
   </p:transition>
   <p:timing>
     <p:tnLst>
@@ -20674,7 +20591,7 @@
                                           </p:stCondLst>
                                         </p:cTn>
                                         <p:tgtEl>
-                                          <p:spTgt spid="363">
+                                          <p:spTgt spid="362">
                                             <p:txEl>
                                               <p:pRg end="0" st="0"/>
                                             </p:txEl>
@@ -20692,7 +20609,7 @@
                                       <p:cBhvr>
                                         <p:cTn dur="1000"/>
                                         <p:tgtEl>
-                                          <p:spTgt spid="363">
+                                          <p:spTgt spid="362">
                                             <p:txEl>
                                               <p:pRg end="0" st="0"/>
                                             </p:txEl>
@@ -20735,7 +20652,7 @@
                                           </p:stCondLst>
                                         </p:cTn>
                                         <p:tgtEl>
-                                          <p:spTgt spid="363">
+                                          <p:spTgt spid="362">
                                             <p:txEl>
                                               <p:pRg end="1" st="1"/>
                                             </p:txEl>
@@ -20753,7 +20670,7 @@
                                       <p:cBhvr>
                                         <p:cTn dur="1000"/>
                                         <p:tgtEl>
-                                          <p:spTgt spid="363">
+                                          <p:spTgt spid="362">
                                             <p:txEl>
                                               <p:pRg end="1" st="1"/>
                                             </p:txEl>
@@ -20796,7 +20713,7 @@
                                           </p:stCondLst>
                                         </p:cTn>
                                         <p:tgtEl>
-                                          <p:spTgt spid="363">
+                                          <p:spTgt spid="362">
                                             <p:txEl>
                                               <p:pRg end="2" st="2"/>
                                             </p:txEl>
@@ -20814,7 +20731,7 @@
                                       <p:cBhvr>
                                         <p:cTn dur="1000"/>
                                         <p:tgtEl>
-                                          <p:spTgt spid="363">
+                                          <p:spTgt spid="362">
                                             <p:txEl>
                                               <p:pRg end="2" st="2"/>
                                             </p:txEl>
@@ -20861,7 +20778,7 @@
   <p:cSld>
     <p:spTree>
       <p:nvGrpSpPr>
-        <p:cNvPr id="368" name="Shape 368"/>
+        <p:cNvPr id="367" name="Shape 367"/>
         <p:cNvGrpSpPr/>
         <p:nvPr/>
       </p:nvGrpSpPr>
@@ -20875,7 +20792,7 @@
       </p:grpSpPr>
       <p:sp>
         <p:nvSpPr>
-          <p:cNvPr id="369" name="Shape 369"/>
+          <p:cNvPr id="368" name="Shape 368"/>
           <p:cNvSpPr txBox="1"/>
           <p:nvPr>
             <p:ph type="title"/>
@@ -20911,7 +20828,7 @@
       </p:sp>
       <p:pic>
         <p:nvPicPr>
-          <p:cNvPr id="370" name="Shape 370"/>
+          <p:cNvPr id="369" name="Shape 369"/>
           <p:cNvPicPr preferRelativeResize="0"/>
           <p:nvPr/>
         </p:nvPicPr>
@@ -20939,7 +20856,7 @@
       </p:pic>
       <p:sp>
         <p:nvSpPr>
-          <p:cNvPr id="371" name="Shape 371"/>
+          <p:cNvPr id="370" name="Shape 370"/>
           <p:cNvSpPr txBox="1"/>
           <p:nvPr>
             <p:ph idx="1" type="body"/>
@@ -21039,7 +20956,7 @@
     <a:masterClrMapping/>
   </p:clrMapOvr>
   <p:transition spd="slow">
-    <p:cut/>
+    <p:fade/>
   </p:transition>
   <p:timing>
     <p:tnLst>
@@ -21075,7 +20992,7 @@
                                           </p:stCondLst>
                                         </p:cTn>
                                         <p:tgtEl>
-                                          <p:spTgt spid="371">
+                                          <p:spTgt spid="370">
                                             <p:txEl>
                                               <p:pRg end="0" st="0"/>
                                             </p:txEl>
@@ -21093,7 +21010,7 @@
                                       <p:cBhvr>
                                         <p:cTn dur="1000"/>
                                         <p:tgtEl>
-                                          <p:spTgt spid="371">
+                                          <p:spTgt spid="370">
                                             <p:txEl>
                                               <p:pRg end="0" st="0"/>
                                             </p:txEl>
@@ -21136,7 +21053,7 @@
                                           </p:stCondLst>
                                         </p:cTn>
                                         <p:tgtEl>
-                                          <p:spTgt spid="371">
+                                          <p:spTgt spid="370">
                                             <p:txEl>
                                               <p:pRg end="1" st="1"/>
                                             </p:txEl>
@@ -21154,7 +21071,7 @@
                                       <p:cBhvr>
                                         <p:cTn dur="1000"/>
                                         <p:tgtEl>
-                                          <p:spTgt spid="371">
+                                          <p:spTgt spid="370">
                                             <p:txEl>
                                               <p:pRg end="1" st="1"/>
                                             </p:txEl>
@@ -21197,7 +21114,7 @@
                                           </p:stCondLst>
                                         </p:cTn>
                                         <p:tgtEl>
-                                          <p:spTgt spid="371">
+                                          <p:spTgt spid="370">
                                             <p:txEl>
                                               <p:pRg end="2" st="2"/>
                                             </p:txEl>
@@ -21215,7 +21132,7 @@
                                       <p:cBhvr>
                                         <p:cTn dur="1000"/>
                                         <p:tgtEl>
-                                          <p:spTgt spid="371">
+                                          <p:spTgt spid="370">
                                             <p:txEl>
                                               <p:pRg end="2" st="2"/>
                                             </p:txEl>
@@ -21262,7 +21179,7 @@
   <p:cSld>
     <p:spTree>
       <p:nvGrpSpPr>
-        <p:cNvPr id="375" name="Shape 375"/>
+        <p:cNvPr id="374" name="Shape 374"/>
         <p:cNvGrpSpPr/>
         <p:nvPr/>
       </p:nvGrpSpPr>
@@ -21276,7 +21193,7 @@
       </p:grpSpPr>
       <p:sp>
         <p:nvSpPr>
-          <p:cNvPr id="376" name="Shape 376"/>
+          <p:cNvPr id="375" name="Shape 375"/>
           <p:cNvSpPr txBox="1"/>
           <p:nvPr>
             <p:ph type="title"/>
@@ -21312,7 +21229,7 @@
       </p:sp>
       <p:pic>
         <p:nvPicPr>
-          <p:cNvPr id="377" name="Shape 377"/>
+          <p:cNvPr id="376" name="Shape 376"/>
           <p:cNvPicPr preferRelativeResize="0"/>
           <p:nvPr/>
         </p:nvPicPr>
@@ -21344,7 +21261,7 @@
     <a:masterClrMapping/>
   </p:clrMapOvr>
   <p:transition spd="slow">
-    <p:cut/>
+    <p:fade/>
   </p:transition>
   <p:timing>
     <p:tnLst>
@@ -21380,7 +21297,7 @@
                                           </p:stCondLst>
                                         </p:cTn>
                                         <p:tgtEl>
-                                          <p:spTgt spid="377"/>
+                                          <p:spTgt spid="376"/>
                                         </p:tgtEl>
                                         <p:attrNameLst>
                                           <p:attrName>style.visibility</p:attrName>
@@ -21394,7 +21311,7 @@
                                       <p:cBhvr>
                                         <p:cTn dur="1000"/>
                                         <p:tgtEl>
-                                          <p:spTgt spid="377"/>
+                                          <p:spTgt spid="376"/>
                                         </p:tgtEl>
                                       </p:cBhvr>
                                     </p:animEffect>
@@ -21437,7 +21354,7 @@
   <p:cSld>
     <p:spTree>
       <p:nvGrpSpPr>
-        <p:cNvPr id="381" name="Shape 381"/>
+        <p:cNvPr id="380" name="Shape 380"/>
         <p:cNvGrpSpPr/>
         <p:nvPr/>
       </p:nvGrpSpPr>
@@ -21451,7 +21368,7 @@
       </p:grpSpPr>
       <p:sp>
         <p:nvSpPr>
-          <p:cNvPr id="382" name="Shape 382"/>
+          <p:cNvPr id="381" name="Shape 381"/>
           <p:cNvSpPr txBox="1"/>
           <p:nvPr>
             <p:ph type="title"/>
@@ -21487,7 +21404,7 @@
       </p:sp>
       <p:pic>
         <p:nvPicPr>
-          <p:cNvPr id="383" name="Shape 383"/>
+          <p:cNvPr id="382" name="Shape 382"/>
           <p:cNvPicPr preferRelativeResize="0"/>
           <p:nvPr/>
         </p:nvPicPr>
@@ -21519,7 +21436,7 @@
     <a:masterClrMapping/>
   </p:clrMapOvr>
   <p:transition spd="slow">
-    <p:cut/>
+    <p:fade/>
   </p:transition>
   <p:timing>
     <p:tnLst>
@@ -21555,7 +21472,7 @@
                                           </p:stCondLst>
                                         </p:cTn>
                                         <p:tgtEl>
-                                          <p:spTgt spid="383"/>
+                                          <p:spTgt spid="382"/>
                                         </p:tgtEl>
                                         <p:attrNameLst>
                                           <p:attrName>style.visibility</p:attrName>
@@ -21569,7 +21486,7 @@
                                       <p:cBhvr>
                                         <p:cTn dur="1000"/>
                                         <p:tgtEl>
-                                          <p:spTgt spid="383"/>
+                                          <p:spTgt spid="382"/>
                                         </p:tgtEl>
                                       </p:cBhvr>
                                     </p:animEffect>
@@ -21612,7 +21529,7 @@
   <p:cSld>
     <p:spTree>
       <p:nvGrpSpPr>
-        <p:cNvPr id="387" name="Shape 387"/>
+        <p:cNvPr id="386" name="Shape 386"/>
         <p:cNvGrpSpPr/>
         <p:nvPr/>
       </p:nvGrpSpPr>
@@ -21626,7 +21543,7 @@
       </p:grpSpPr>
       <p:pic>
         <p:nvPicPr>
-          <p:cNvPr id="388" name="Shape 388"/>
+          <p:cNvPr id="387" name="Shape 387"/>
           <p:cNvPicPr preferRelativeResize="0"/>
           <p:nvPr/>
         </p:nvPicPr>
@@ -21654,7 +21571,7 @@
       </p:pic>
       <p:sp>
         <p:nvSpPr>
-          <p:cNvPr id="389" name="Shape 389"/>
+          <p:cNvPr id="388" name="Shape 388"/>
           <p:cNvSpPr txBox="1"/>
           <p:nvPr>
             <p:ph type="title"/>
@@ -21702,7 +21619,7 @@
       </p:sp>
       <p:sp>
         <p:nvSpPr>
-          <p:cNvPr id="390" name="Shape 390"/>
+          <p:cNvPr id="389" name="Shape 389"/>
           <p:cNvSpPr txBox="1"/>
           <p:nvPr>
             <p:ph idx="1" type="body"/>
@@ -21774,7 +21691,7 @@
       </p:sp>
       <p:pic>
         <p:nvPicPr>
-          <p:cNvPr id="391" name="Shape 391"/>
+          <p:cNvPr id="390" name="Shape 390"/>
           <p:cNvPicPr preferRelativeResize="0"/>
           <p:nvPr/>
         </p:nvPicPr>
@@ -21802,7 +21719,7 @@
       </p:pic>
       <p:sp>
         <p:nvSpPr>
-          <p:cNvPr id="392" name="Shape 392"/>
+          <p:cNvPr id="391" name="Shape 391"/>
           <p:cNvSpPr txBox="1"/>
           <p:nvPr/>
         </p:nvSpPr>
@@ -21844,9 +21761,9 @@
       </p:sp>
       <p:cxnSp>
         <p:nvCxnSpPr>
-          <p:cNvPr id="393" name="Shape 393"/>
+          <p:cNvPr id="392" name="Shape 392"/>
           <p:cNvCxnSpPr>
-            <a:stCxn id="392" idx="1"/>
+            <a:stCxn id="391" idx="1"/>
           </p:cNvCxnSpPr>
           <p:nvPr/>
         </p:nvCxnSpPr>
@@ -21872,7 +21789,7 @@
       </p:cxnSp>
       <p:sp>
         <p:nvSpPr>
-          <p:cNvPr id="394" name="Shape 394"/>
+          <p:cNvPr id="393" name="Shape 393"/>
           <p:cNvSpPr txBox="1"/>
           <p:nvPr/>
         </p:nvSpPr>
@@ -21914,9 +21831,9 @@
       </p:sp>
       <p:cxnSp>
         <p:nvCxnSpPr>
-          <p:cNvPr id="395" name="Shape 395"/>
+          <p:cNvPr id="394" name="Shape 394"/>
           <p:cNvCxnSpPr>
-            <a:stCxn id="394" idx="1"/>
+            <a:stCxn id="393" idx="1"/>
           </p:cNvCxnSpPr>
           <p:nvPr/>
         </p:nvCxnSpPr>
@@ -21942,7 +21859,7 @@
       </p:cxnSp>
       <p:sp>
         <p:nvSpPr>
-          <p:cNvPr id="396" name="Shape 396"/>
+          <p:cNvPr id="395" name="Shape 395"/>
           <p:cNvSpPr/>
           <p:nvPr/>
         </p:nvSpPr>
@@ -21986,7 +21903,7 @@
       </p:sp>
       <p:sp>
         <p:nvSpPr>
-          <p:cNvPr id="397" name="Shape 397"/>
+          <p:cNvPr id="396" name="Shape 396"/>
           <p:cNvSpPr txBox="1"/>
           <p:nvPr/>
         </p:nvSpPr>
@@ -22028,10 +21945,10 @@
       </p:sp>
       <p:cxnSp>
         <p:nvCxnSpPr>
-          <p:cNvPr id="398" name="Shape 398"/>
+          <p:cNvPr id="397" name="Shape 397"/>
           <p:cNvCxnSpPr>
-            <a:stCxn id="397" idx="1"/>
-            <a:endCxn id="396" idx="0"/>
+            <a:stCxn id="396" idx="1"/>
+            <a:endCxn id="395" idx="0"/>
           </p:cNvCxnSpPr>
           <p:nvPr/>
         </p:nvCxnSpPr>
@@ -22057,7 +21974,7 @@
       </p:cxnSp>
       <p:sp>
         <p:nvSpPr>
-          <p:cNvPr id="399" name="Shape 399"/>
+          <p:cNvPr id="398" name="Shape 398"/>
           <p:cNvSpPr/>
           <p:nvPr/>
         </p:nvSpPr>
@@ -22105,7 +22022,7 @@
     <a:masterClrMapping/>
   </p:clrMapOvr>
   <p:transition spd="slow">
-    <p:cut/>
+    <p:fade/>
   </p:transition>
   <p:timing>
     <p:tnLst>
@@ -22141,7 +22058,7 @@
                                           </p:stCondLst>
                                         </p:cTn>
                                         <p:tgtEl>
-                                          <p:spTgt spid="392"/>
+                                          <p:spTgt spid="391"/>
                                         </p:tgtEl>
                                         <p:attrNameLst>
                                           <p:attrName>style.visibility</p:attrName>
@@ -22155,7 +22072,7 @@
                                       <p:cBhvr>
                                         <p:cTn dur="1000"/>
                                         <p:tgtEl>
-                                          <p:spTgt spid="392"/>
+                                          <p:spTgt spid="391"/>
                                         </p:tgtEl>
                                       </p:cBhvr>
                                     </p:animEffect>
@@ -22176,7 +22093,7 @@
                                           </p:stCondLst>
                                         </p:cTn>
                                         <p:tgtEl>
-                                          <p:spTgt spid="393"/>
+                                          <p:spTgt spid="392"/>
                                         </p:tgtEl>
                                         <p:attrNameLst>
                                           <p:attrName>style.visibility</p:attrName>
@@ -22190,7 +22107,7 @@
                                       <p:cBhvr>
                                         <p:cTn dur="1000"/>
                                         <p:tgtEl>
-                                          <p:spTgt spid="393"/>
+                                          <p:spTgt spid="392"/>
                                         </p:tgtEl>
                                       </p:cBhvr>
                                     </p:animEffect>
@@ -22229,6 +22146,41 @@
                                           </p:stCondLst>
                                         </p:cTn>
                                         <p:tgtEl>
+                                          <p:spTgt spid="393"/>
+                                        </p:tgtEl>
+                                        <p:attrNameLst>
+                                          <p:attrName>style.visibility</p:attrName>
+                                        </p:attrNameLst>
+                                      </p:cBhvr>
+                                      <p:to>
+                                        <p:strVal val="visible"/>
+                                      </p:to>
+                                    </p:set>
+                                    <p:animEffect filter="fade" transition="in">
+                                      <p:cBhvr>
+                                        <p:cTn dur="1000"/>
+                                        <p:tgtEl>
+                                          <p:spTgt spid="393"/>
+                                        </p:tgtEl>
+                                      </p:cBhvr>
+                                    </p:animEffect>
+                                  </p:childTnLst>
+                                </p:cTn>
+                              </p:par>
+                              <p:par>
+                                <p:cTn fill="hold" nodeType="withEffect" presetClass="entr" presetID="10" presetSubtype="0">
+                                  <p:stCondLst>
+                                    <p:cond delay="0"/>
+                                  </p:stCondLst>
+                                  <p:childTnLst>
+                                    <p:set>
+                                      <p:cBhvr>
+                                        <p:cTn dur="1" fill="hold">
+                                          <p:stCondLst>
+                                            <p:cond delay="0"/>
+                                          </p:stCondLst>
+                                        </p:cTn>
+                                        <p:tgtEl>
                                           <p:spTgt spid="394"/>
                                         </p:tgtEl>
                                         <p:attrNameLst>
@@ -22241,7 +22193,7 @@
                                     </p:set>
                                     <p:animEffect filter="fade" transition="in">
                                       <p:cBhvr>
-                                        <p:cTn dur="1000"/>
+                                        <p:cTn dur="1500"/>
                                         <p:tgtEl>
                                           <p:spTgt spid="394"/>
                                         </p:tgtEl>
@@ -22264,42 +22216,7 @@
                                           </p:stCondLst>
                                         </p:cTn>
                                         <p:tgtEl>
-                                          <p:spTgt spid="395"/>
-                                        </p:tgtEl>
-                                        <p:attrNameLst>
-                                          <p:attrName>style.visibility</p:attrName>
-                                        </p:attrNameLst>
-                                      </p:cBhvr>
-                                      <p:to>
-                                        <p:strVal val="visible"/>
-                                      </p:to>
-                                    </p:set>
-                                    <p:animEffect filter="fade" transition="in">
-                                      <p:cBhvr>
-                                        <p:cTn dur="1500"/>
-                                        <p:tgtEl>
-                                          <p:spTgt spid="395"/>
-                                        </p:tgtEl>
-                                      </p:cBhvr>
-                                    </p:animEffect>
-                                  </p:childTnLst>
-                                </p:cTn>
-                              </p:par>
-                              <p:par>
-                                <p:cTn fill="hold" nodeType="withEffect" presetClass="entr" presetID="10" presetSubtype="0">
-                                  <p:stCondLst>
-                                    <p:cond delay="0"/>
-                                  </p:stCondLst>
-                                  <p:childTnLst>
-                                    <p:set>
-                                      <p:cBhvr>
-                                        <p:cTn dur="1" fill="hold">
-                                          <p:stCondLst>
-                                            <p:cond delay="0"/>
-                                          </p:stCondLst>
-                                        </p:cTn>
-                                        <p:tgtEl>
-                                          <p:spTgt spid="399"/>
+                                          <p:spTgt spid="398"/>
                                         </p:tgtEl>
                                         <p:attrNameLst>
                                           <p:attrName>style.visibility</p:attrName>
@@ -22313,7 +22230,7 @@
                                       <p:cBhvr>
                                         <p:cTn dur="1000"/>
                                         <p:tgtEl>
-                                          <p:spTgt spid="399"/>
+                                          <p:spTgt spid="398"/>
                                         </p:tgtEl>
                                       </p:cBhvr>
                                     </p:animEffect>
@@ -22340,6 +22257,41 @@
                             <p:childTnLst>
                               <p:par>
                                 <p:cTn fill="hold" nodeType="clickEffect" presetClass="entr" presetID="10" presetSubtype="0">
+                                  <p:stCondLst>
+                                    <p:cond delay="0"/>
+                                  </p:stCondLst>
+                                  <p:childTnLst>
+                                    <p:set>
+                                      <p:cBhvr>
+                                        <p:cTn dur="1" fill="hold">
+                                          <p:stCondLst>
+                                            <p:cond delay="0"/>
+                                          </p:stCondLst>
+                                        </p:cTn>
+                                        <p:tgtEl>
+                                          <p:spTgt spid="396"/>
+                                        </p:tgtEl>
+                                        <p:attrNameLst>
+                                          <p:attrName>style.visibility</p:attrName>
+                                        </p:attrNameLst>
+                                      </p:cBhvr>
+                                      <p:to>
+                                        <p:strVal val="visible"/>
+                                      </p:to>
+                                    </p:set>
+                                    <p:animEffect filter="fade" transition="in">
+                                      <p:cBhvr>
+                                        <p:cTn dur="1000"/>
+                                        <p:tgtEl>
+                                          <p:spTgt spid="396"/>
+                                        </p:tgtEl>
+                                      </p:cBhvr>
+                                    </p:animEffect>
+                                  </p:childTnLst>
+                                </p:cTn>
+                              </p:par>
+                              <p:par>
+                                <p:cTn fill="hold" nodeType="withEffect" presetClass="entr" presetID="10" presetSubtype="0">
                                   <p:stCondLst>
                                     <p:cond delay="0"/>
                                   </p:stCondLst>
@@ -22387,7 +22339,7 @@
                                           </p:stCondLst>
                                         </p:cTn>
                                         <p:tgtEl>
-                                          <p:spTgt spid="398"/>
+                                          <p:spTgt spid="395"/>
                                         </p:tgtEl>
                                         <p:attrNameLst>
                                           <p:attrName>style.visibility</p:attrName>
@@ -22401,42 +22353,7 @@
                                       <p:cBhvr>
                                         <p:cTn dur="1000"/>
                                         <p:tgtEl>
-                                          <p:spTgt spid="398"/>
-                                        </p:tgtEl>
-                                      </p:cBhvr>
-                                    </p:animEffect>
-                                  </p:childTnLst>
-                                </p:cTn>
-                              </p:par>
-                              <p:par>
-                                <p:cTn fill="hold" nodeType="withEffect" presetClass="entr" presetID="10" presetSubtype="0">
-                                  <p:stCondLst>
-                                    <p:cond delay="0"/>
-                                  </p:stCondLst>
-                                  <p:childTnLst>
-                                    <p:set>
-                                      <p:cBhvr>
-                                        <p:cTn dur="1" fill="hold">
-                                          <p:stCondLst>
-                                            <p:cond delay="0"/>
-                                          </p:stCondLst>
-                                        </p:cTn>
-                                        <p:tgtEl>
-                                          <p:spTgt spid="396"/>
-                                        </p:tgtEl>
-                                        <p:attrNameLst>
-                                          <p:attrName>style.visibility</p:attrName>
-                                        </p:attrNameLst>
-                                      </p:cBhvr>
-                                      <p:to>
-                                        <p:strVal val="visible"/>
-                                      </p:to>
-                                    </p:set>
-                                    <p:animEffect filter="fade" transition="in">
-                                      <p:cBhvr>
-                                        <p:cTn dur="1000"/>
-                                        <p:tgtEl>
-                                          <p:spTgt spid="396"/>
+                                          <p:spTgt spid="395"/>
                                         </p:tgtEl>
                                       </p:cBhvr>
                                     </p:animEffect>
@@ -23065,7 +22982,7 @@
     <a:masterClrMapping/>
   </p:clrMapOvr>
   <p:transition spd="slow">
-    <p:cut/>
+    <p:fade/>
   </p:transition>
   <p:timing>
     <p:tnLst>
@@ -23685,7 +23602,7 @@
   <p:cSld>
     <p:spTree>
       <p:nvGrpSpPr>
-        <p:cNvPr id="403" name="Shape 403"/>
+        <p:cNvPr id="402" name="Shape 402"/>
         <p:cNvGrpSpPr/>
         <p:nvPr/>
       </p:nvGrpSpPr>
@@ -23699,7 +23616,7 @@
       </p:grpSpPr>
       <p:sp>
         <p:nvSpPr>
-          <p:cNvPr id="404" name="Shape 404"/>
+          <p:cNvPr id="403" name="Shape 403"/>
           <p:cNvSpPr txBox="1"/>
           <p:nvPr>
             <p:ph type="title"/>
@@ -23735,7 +23652,7 @@
       </p:sp>
       <p:pic>
         <p:nvPicPr>
-          <p:cNvPr id="405" name="Shape 405"/>
+          <p:cNvPr id="404" name="Shape 404"/>
           <p:cNvPicPr preferRelativeResize="0"/>
           <p:nvPr/>
         </p:nvPicPr>
@@ -23767,7 +23684,7 @@
     <a:masterClrMapping/>
   </p:clrMapOvr>
   <p:transition spd="slow">
-    <p:cut/>
+    <p:fade/>
   </p:transition>
   <p:timing>
     <p:tnLst>
@@ -23803,7 +23720,7 @@
                                           </p:stCondLst>
                                         </p:cTn>
                                         <p:tgtEl>
-                                          <p:spTgt spid="405"/>
+                                          <p:spTgt spid="404"/>
                                         </p:tgtEl>
                                         <p:attrNameLst>
                                           <p:attrName>style.visibility</p:attrName>
@@ -23817,7 +23734,7 @@
                                       <p:cBhvr>
                                         <p:cTn dur="1000"/>
                                         <p:tgtEl>
-                                          <p:spTgt spid="405"/>
+                                          <p:spTgt spid="404"/>
                                         </p:tgtEl>
                                       </p:cBhvr>
                                     </p:animEffect>
@@ -23860,7 +23777,7 @@
   <p:cSld>
     <p:spTree>
       <p:nvGrpSpPr>
-        <p:cNvPr id="409" name="Shape 409"/>
+        <p:cNvPr id="408" name="Shape 408"/>
         <p:cNvGrpSpPr/>
         <p:nvPr/>
       </p:nvGrpSpPr>
@@ -23874,7 +23791,7 @@
       </p:grpSpPr>
       <p:sp>
         <p:nvSpPr>
-          <p:cNvPr id="410" name="Shape 410"/>
+          <p:cNvPr id="409" name="Shape 409"/>
           <p:cNvSpPr txBox="1"/>
           <p:nvPr>
             <p:ph type="title"/>
@@ -23910,7 +23827,7 @@
       </p:sp>
       <p:pic>
         <p:nvPicPr>
-          <p:cNvPr id="411" name="Shape 411"/>
+          <p:cNvPr id="410" name="Shape 410"/>
           <p:cNvPicPr preferRelativeResize="0"/>
           <p:nvPr/>
         </p:nvPicPr>
@@ -23942,7 +23859,7 @@
     <a:masterClrMapping/>
   </p:clrMapOvr>
   <p:transition spd="slow">
-    <p:cut/>
+    <p:fade/>
   </p:transition>
   <p:timing>
     <p:tnLst>
@@ -23978,7 +23895,7 @@
                                           </p:stCondLst>
                                         </p:cTn>
                                         <p:tgtEl>
-                                          <p:spTgt spid="411"/>
+                                          <p:spTgt spid="410"/>
                                         </p:tgtEl>
                                         <p:attrNameLst>
                                           <p:attrName>style.visibility</p:attrName>
@@ -23992,7 +23909,7 @@
                                       <p:cBhvr>
                                         <p:cTn dur="1000"/>
                                         <p:tgtEl>
-                                          <p:spTgt spid="411"/>
+                                          <p:spTgt spid="410"/>
                                         </p:tgtEl>
                                       </p:cBhvr>
                                     </p:animEffect>
@@ -24035,7 +23952,7 @@
   <p:cSld>
     <p:spTree>
       <p:nvGrpSpPr>
-        <p:cNvPr id="415" name="Shape 415"/>
+        <p:cNvPr id="414" name="Shape 414"/>
         <p:cNvGrpSpPr/>
         <p:nvPr/>
       </p:nvGrpSpPr>
@@ -24049,7 +23966,7 @@
       </p:grpSpPr>
       <p:sp>
         <p:nvSpPr>
-          <p:cNvPr id="416" name="Shape 416"/>
+          <p:cNvPr id="415" name="Shape 415"/>
           <p:cNvSpPr txBox="1"/>
           <p:nvPr>
             <p:ph type="title"/>
@@ -24085,7 +24002,7 @@
       </p:sp>
       <p:sp>
         <p:nvSpPr>
-          <p:cNvPr id="417" name="Shape 417"/>
+          <p:cNvPr id="416" name="Shape 416"/>
           <p:cNvSpPr txBox="1"/>
           <p:nvPr>
             <p:ph idx="4294967295" type="body"/>
@@ -24164,7 +24081,7 @@
       </p:sp>
       <p:pic>
         <p:nvPicPr>
-          <p:cNvPr id="418" name="Shape 418"/>
+          <p:cNvPr id="417" name="Shape 417"/>
           <p:cNvPicPr preferRelativeResize="0"/>
           <p:nvPr/>
         </p:nvPicPr>
@@ -24192,7 +24109,7 @@
       </p:pic>
       <p:sp>
         <p:nvSpPr>
-          <p:cNvPr id="419" name="Shape 419"/>
+          <p:cNvPr id="418" name="Shape 418"/>
           <p:cNvSpPr txBox="1"/>
           <p:nvPr/>
         </p:nvSpPr>
@@ -24270,7 +24187,7 @@
     <a:masterClrMapping/>
   </p:clrMapOvr>
   <p:transition spd="slow">
-    <p:cut/>
+    <p:fade/>
   </p:transition>
   <p:timing>
     <p:tnLst>
@@ -24280,6 +24197,59 @@
             <p:seq concurrent="1" nextAc="seek">
               <p:cTn dur="indefinite" id="2" nodeType="mainSeq">
                 <p:childTnLst>
+                  <p:par>
+                    <p:cTn fill="hold">
+                      <p:stCondLst>
+                        <p:cond delay="indefinite"/>
+                      </p:stCondLst>
+                      <p:childTnLst>
+                        <p:par>
+                          <p:cTn fill="hold">
+                            <p:stCondLst>
+                              <p:cond delay="0"/>
+                            </p:stCondLst>
+                            <p:childTnLst>
+                              <p:par>
+                                <p:cTn fill="hold" nodeType="clickEffect" presetClass="entr" presetID="10" presetSubtype="0">
+                                  <p:stCondLst>
+                                    <p:cond delay="0"/>
+                                  </p:stCondLst>
+                                  <p:childTnLst>
+                                    <p:set>
+                                      <p:cBhvr>
+                                        <p:cTn dur="1" fill="hold">
+                                          <p:stCondLst>
+                                            <p:cond delay="0"/>
+                                          </p:stCondLst>
+                                        </p:cTn>
+                                        <p:tgtEl>
+                                          <p:spTgt spid="417"/>
+                                        </p:tgtEl>
+                                        <p:attrNameLst>
+                                          <p:attrName>style.visibility</p:attrName>
+                                        </p:attrNameLst>
+                                      </p:cBhvr>
+                                      <p:to>
+                                        <p:strVal val="visible"/>
+                                      </p:to>
+                                    </p:set>
+                                    <p:animEffect filter="fade" transition="in">
+                                      <p:cBhvr>
+                                        <p:cTn dur="1000"/>
+                                        <p:tgtEl>
+                                          <p:spTgt spid="417"/>
+                                        </p:tgtEl>
+                                      </p:cBhvr>
+                                    </p:animEffect>
+                                  </p:childTnLst>
+                                </p:cTn>
+                              </p:par>
+                            </p:childTnLst>
+                          </p:cTn>
+                        </p:par>
+                      </p:childTnLst>
+                    </p:cTn>
+                  </p:par>
                   <p:par>
                     <p:cTn fill="hold">
                       <p:stCondLst>
@@ -24333,59 +24303,6 @@
                       </p:childTnLst>
                     </p:cTn>
                   </p:par>
-                  <p:par>
-                    <p:cTn fill="hold">
-                      <p:stCondLst>
-                        <p:cond delay="indefinite"/>
-                      </p:stCondLst>
-                      <p:childTnLst>
-                        <p:par>
-                          <p:cTn fill="hold">
-                            <p:stCondLst>
-                              <p:cond delay="0"/>
-                            </p:stCondLst>
-                            <p:childTnLst>
-                              <p:par>
-                                <p:cTn fill="hold" nodeType="clickEffect" presetClass="entr" presetID="10" presetSubtype="0">
-                                  <p:stCondLst>
-                                    <p:cond delay="0"/>
-                                  </p:stCondLst>
-                                  <p:childTnLst>
-                                    <p:set>
-                                      <p:cBhvr>
-                                        <p:cTn dur="1" fill="hold">
-                                          <p:stCondLst>
-                                            <p:cond delay="0"/>
-                                          </p:stCondLst>
-                                        </p:cTn>
-                                        <p:tgtEl>
-                                          <p:spTgt spid="419"/>
-                                        </p:tgtEl>
-                                        <p:attrNameLst>
-                                          <p:attrName>style.visibility</p:attrName>
-                                        </p:attrNameLst>
-                                      </p:cBhvr>
-                                      <p:to>
-                                        <p:strVal val="visible"/>
-                                      </p:to>
-                                    </p:set>
-                                    <p:animEffect filter="fade" transition="in">
-                                      <p:cBhvr>
-                                        <p:cTn dur="1000"/>
-                                        <p:tgtEl>
-                                          <p:spTgt spid="419"/>
-                                        </p:tgtEl>
-                                      </p:cBhvr>
-                                    </p:animEffect>
-                                  </p:childTnLst>
-                                </p:cTn>
-                              </p:par>
-                            </p:childTnLst>
-                          </p:cTn>
-                        </p:par>
-                      </p:childTnLst>
-                    </p:cTn>
-                  </p:par>
                 </p:childTnLst>
               </p:cTn>
               <p:prevCondLst>
@@ -24416,7 +24333,7 @@
   <p:cSld>
     <p:spTree>
       <p:nvGrpSpPr>
-        <p:cNvPr id="423" name="Shape 423"/>
+        <p:cNvPr id="422" name="Shape 422"/>
         <p:cNvGrpSpPr/>
         <p:nvPr/>
       </p:nvGrpSpPr>
@@ -24430,7 +24347,7 @@
       </p:grpSpPr>
       <p:sp>
         <p:nvSpPr>
-          <p:cNvPr id="424" name="Shape 424"/>
+          <p:cNvPr id="423" name="Shape 423"/>
           <p:cNvSpPr txBox="1"/>
           <p:nvPr>
             <p:ph type="title"/>
@@ -24466,7 +24383,7 @@
       </p:sp>
       <p:pic>
         <p:nvPicPr>
-          <p:cNvPr id="425" name="Shape 425"/>
+          <p:cNvPr id="424" name="Shape 424"/>
           <p:cNvPicPr preferRelativeResize="0"/>
           <p:nvPr/>
         </p:nvPicPr>
@@ -24494,7 +24411,7 @@
       </p:pic>
       <p:sp>
         <p:nvSpPr>
-          <p:cNvPr id="426" name="Shape 426"/>
+          <p:cNvPr id="425" name="Shape 425"/>
           <p:cNvSpPr txBox="1"/>
           <p:nvPr/>
         </p:nvSpPr>
@@ -24532,7 +24449,7 @@
       </p:sp>
       <p:sp>
         <p:nvSpPr>
-          <p:cNvPr id="427" name="Shape 427"/>
+          <p:cNvPr id="426" name="Shape 426"/>
           <p:cNvSpPr txBox="1"/>
           <p:nvPr/>
         </p:nvSpPr>
@@ -24574,7 +24491,7 @@
     <a:masterClrMapping/>
   </p:clrMapOvr>
   <p:transition spd="slow">
-    <p:cut/>
+    <p:fade/>
   </p:transition>
 </p:sld>
 </file>
@@ -24584,7 +24501,7 @@
   <p:cSld>
     <p:spTree>
       <p:nvGrpSpPr>
-        <p:cNvPr id="431" name="Shape 431"/>
+        <p:cNvPr id="430" name="Shape 430"/>
         <p:cNvGrpSpPr/>
         <p:nvPr/>
       </p:nvGrpSpPr>
@@ -24598,7 +24515,7 @@
       </p:grpSpPr>
       <p:sp>
         <p:nvSpPr>
-          <p:cNvPr id="432" name="Shape 432"/>
+          <p:cNvPr id="431" name="Shape 431"/>
           <p:cNvSpPr txBox="1"/>
           <p:nvPr>
             <p:ph type="title"/>
@@ -24634,7 +24551,7 @@
       </p:sp>
       <p:pic>
         <p:nvPicPr>
-          <p:cNvPr id="433" name="Shape 433"/>
+          <p:cNvPr id="432" name="Shape 432"/>
           <p:cNvPicPr preferRelativeResize="0"/>
           <p:nvPr/>
         </p:nvPicPr>
@@ -24666,7 +24583,7 @@
     <a:masterClrMapping/>
   </p:clrMapOvr>
   <p:transition spd="slow">
-    <p:cut/>
+    <p:fade/>
   </p:transition>
 </p:sld>
 </file>
@@ -24676,7 +24593,7 @@
   <p:cSld>
     <p:spTree>
       <p:nvGrpSpPr>
-        <p:cNvPr id="437" name="Shape 437"/>
+        <p:cNvPr id="436" name="Shape 436"/>
         <p:cNvGrpSpPr/>
         <p:nvPr/>
       </p:nvGrpSpPr>
@@ -24690,7 +24607,7 @@
       </p:grpSpPr>
       <p:sp>
         <p:nvSpPr>
-          <p:cNvPr id="438" name="Shape 438"/>
+          <p:cNvPr id="437" name="Shape 437"/>
           <p:cNvSpPr txBox="1"/>
           <p:nvPr>
             <p:ph type="title"/>
@@ -24726,7 +24643,7 @@
       </p:sp>
       <p:sp>
         <p:nvSpPr>
-          <p:cNvPr id="439" name="Shape 439"/>
+          <p:cNvPr id="438" name="Shape 438"/>
           <p:cNvSpPr txBox="1"/>
           <p:nvPr>
             <p:ph idx="1" type="body"/>
@@ -24868,7 +24785,7 @@
     <a:masterClrMapping/>
   </p:clrMapOvr>
   <p:transition spd="slow">
-    <p:cut/>
+    <p:fade/>
   </p:transition>
 </p:sld>
 </file>
@@ -24936,8 +24853,8 @@
         </p:nvSpPr>
         <p:spPr>
           <a:xfrm>
-            <a:off x="471900" y="815424"/>
-            <a:ext cx="8222100" cy="3813900"/>
+            <a:off x="243300" y="815425"/>
+            <a:ext cx="3385800" cy="2019300"/>
           </a:xfrm>
           <a:prstGeom prst="rect">
             <a:avLst/>
@@ -24957,7 +24874,7 @@
             </a:pPr>
             <a:r>
               <a:rPr lang="en"/>
-              <a:t>We can make linear regression non-linear by inserting extra “interaction” features.</a:t>
+              <a:t>We can make linear regression non-linear by inserting extra “interaction” features or higher-order features.</a:t>
             </a:r>
           </a:p>
           <a:p>
@@ -24990,8 +24907,8 @@
         </p:blipFill>
         <p:spPr>
           <a:xfrm>
-            <a:off x="307425" y="3806750"/>
-            <a:ext cx="2585400" cy="326400"/>
+            <a:off x="3857700" y="380675"/>
+            <a:ext cx="5085200" cy="3813900"/>
           </a:xfrm>
           <a:prstGeom prst="rect">
             <a:avLst/>
@@ -25002,9 +24919,51 @@
           </a:ln>
         </p:spPr>
       </p:pic>
+      <p:sp>
+        <p:nvSpPr>
+          <p:cNvPr id="111" name="Shape 111"/>
+          <p:cNvSpPr txBox="1"/>
+          <p:nvPr/>
+        </p:nvSpPr>
+        <p:spPr>
+          <a:xfrm>
+            <a:off x="147275" y="3390400"/>
+            <a:ext cx="3320700" cy="554100"/>
+          </a:xfrm>
+          <a:prstGeom prst="rect">
+            <a:avLst/>
+          </a:prstGeom>
+          <a:noFill/>
+          <a:ln>
+            <a:noFill/>
+          </a:ln>
+        </p:spPr>
+        <p:txBody>
+          <a:bodyPr anchorCtr="0" anchor="t" bIns="91425" lIns="91425" rIns="91425" tIns="91425">
+            <a:noAutofit/>
+          </a:bodyPr>
+          <a:lstStyle/>
+          <a:p>
+            <a:pPr lvl="0">
+              <a:spcBef>
+                <a:spcPts val="0"/>
+              </a:spcBef>
+              <a:buNone/>
+            </a:pPr>
+            <a:r>
+              <a:rPr lang="en" sz="2400">
+                <a:solidFill>
+                  <a:srgbClr val="666666"/>
+                </a:solidFill>
+              </a:rPr>
+              <a:t>Example:</a:t>
+            </a:r>
+          </a:p>
+        </p:txBody>
+      </p:sp>
       <p:pic>
         <p:nvPicPr>
-          <p:cNvPr id="111" name="Shape 111"/>
+          <p:cNvPr id="112" name="Shape 112"/>
           <p:cNvPicPr preferRelativeResize="0"/>
           <p:nvPr/>
         </p:nvPicPr>
@@ -25018,8 +24977,8 @@
         </p:blipFill>
         <p:spPr>
           <a:xfrm>
-            <a:off x="307426" y="3258674"/>
-            <a:ext cx="2117974" cy="396574"/>
+            <a:off x="265999" y="4032850"/>
+            <a:ext cx="3201975" cy="379051"/>
           </a:xfrm>
           <a:prstGeom prst="rect">
             <a:avLst/>
@@ -25032,7 +24991,7 @@
       </p:pic>
       <p:pic>
         <p:nvPicPr>
-          <p:cNvPr id="112" name="Shape 112"/>
+          <p:cNvPr id="113" name="Shape 113"/>
           <p:cNvPicPr preferRelativeResize="0"/>
           <p:nvPr/>
         </p:nvPicPr>
@@ -25046,8 +25005,8 @@
         </p:blipFill>
         <p:spPr>
           <a:xfrm>
-            <a:off x="3673875" y="1256400"/>
-            <a:ext cx="5085200" cy="3813900"/>
+            <a:off x="266001" y="4500250"/>
+            <a:ext cx="5329744" cy="455250"/>
           </a:xfrm>
           <a:prstGeom prst="rect">
             <a:avLst/>
@@ -25058,83 +25017,13 @@
           </a:ln>
         </p:spPr>
       </p:pic>
-      <p:pic>
-        <p:nvPicPr>
-          <p:cNvPr id="113" name="Shape 113"/>
-          <p:cNvPicPr preferRelativeResize="0"/>
-          <p:nvPr/>
-        </p:nvPicPr>
-        <p:blipFill>
-          <a:blip r:embed="rId6">
-            <a:alphaModFix/>
-          </a:blip>
-          <a:stretch>
-            <a:fillRect/>
-          </a:stretch>
-        </p:blipFill>
-        <p:spPr>
-          <a:xfrm>
-            <a:off x="307424" y="4284650"/>
-            <a:ext cx="3012280" cy="396574"/>
-          </a:xfrm>
-          <a:prstGeom prst="rect">
-            <a:avLst/>
-          </a:prstGeom>
-          <a:noFill/>
-          <a:ln>
-            <a:noFill/>
-          </a:ln>
-        </p:spPr>
-      </p:pic>
-      <p:sp>
-        <p:nvSpPr>
-          <p:cNvPr id="114" name="Shape 114"/>
-          <p:cNvSpPr txBox="1"/>
-          <p:nvPr/>
-        </p:nvSpPr>
-        <p:spPr>
-          <a:xfrm>
-            <a:off x="147275" y="2628400"/>
-            <a:ext cx="3320700" cy="554100"/>
-          </a:xfrm>
-          <a:prstGeom prst="rect">
-            <a:avLst/>
-          </a:prstGeom>
-          <a:noFill/>
-          <a:ln>
-            <a:noFill/>
-          </a:ln>
-        </p:spPr>
-        <p:txBody>
-          <a:bodyPr anchorCtr="0" anchor="t" bIns="91425" lIns="91425" rIns="91425" tIns="91425">
-            <a:noAutofit/>
-          </a:bodyPr>
-          <a:lstStyle/>
-          <a:p>
-            <a:pPr lvl="0">
-              <a:spcBef>
-                <a:spcPts val="0"/>
-              </a:spcBef>
-              <a:buNone/>
-            </a:pPr>
-            <a:r>
-              <a:rPr lang="en" sz="2400">
-                <a:solidFill>
-                  <a:srgbClr val="666666"/>
-                </a:solidFill>
-              </a:rPr>
-              <a:t>Example interactions:</a:t>
-            </a:r>
-          </a:p>
-        </p:txBody>
-      </p:sp>
     </p:spTree>
   </p:cSld>
   <p:clrMapOvr>
     <a:masterClrMapping/>
   </p:clrMapOvr>
   <p:transition spd="slow">
-    <p:cut/>
+    <p:fade/>
   </p:transition>
   <p:timing>
     <p:tnLst>
@@ -25144,59 +25033,6 @@
             <p:seq concurrent="1" nextAc="seek">
               <p:cTn dur="indefinite" id="2" nodeType="mainSeq">
                 <p:childTnLst>
-                  <p:par>
-                    <p:cTn fill="hold">
-                      <p:stCondLst>
-                        <p:cond delay="indefinite"/>
-                      </p:stCondLst>
-                      <p:childTnLst>
-                        <p:par>
-                          <p:cTn fill="hold">
-                            <p:stCondLst>
-                              <p:cond delay="0"/>
-                            </p:stCondLst>
-                            <p:childTnLst>
-                              <p:par>
-                                <p:cTn fill="hold" nodeType="clickEffect" presetClass="entr" presetID="10" presetSubtype="0">
-                                  <p:stCondLst>
-                                    <p:cond delay="0"/>
-                                  </p:stCondLst>
-                                  <p:childTnLst>
-                                    <p:set>
-                                      <p:cBhvr>
-                                        <p:cTn dur="1" fill="hold">
-                                          <p:stCondLst>
-                                            <p:cond delay="0"/>
-                                          </p:stCondLst>
-                                        </p:cTn>
-                                        <p:tgtEl>
-                                          <p:spTgt spid="112"/>
-                                        </p:tgtEl>
-                                        <p:attrNameLst>
-                                          <p:attrName>style.visibility</p:attrName>
-                                        </p:attrNameLst>
-                                      </p:cBhvr>
-                                      <p:to>
-                                        <p:strVal val="visible"/>
-                                      </p:to>
-                                    </p:set>
-                                    <p:animEffect filter="fade" transition="in">
-                                      <p:cBhvr>
-                                        <p:cTn dur="1000"/>
-                                        <p:tgtEl>
-                                          <p:spTgt spid="112"/>
-                                        </p:tgtEl>
-                                      </p:cBhvr>
-                                    </p:animEffect>
-                                  </p:childTnLst>
-                                </p:cTn>
-                              </p:par>
-                            </p:childTnLst>
-                          </p:cTn>
-                        </p:par>
-                      </p:childTnLst>
-                    </p:cTn>
-                  </p:par>
                   <p:par>
                     <p:cTn fill="hold">
                       <p:stCondLst>
@@ -25244,8 +25080,26 @@
                                   </p:childTnLst>
                                 </p:cTn>
                               </p:par>
+                            </p:childTnLst>
+                          </p:cTn>
+                        </p:par>
+                      </p:childTnLst>
+                    </p:cTn>
+                  </p:par>
+                  <p:par>
+                    <p:cTn fill="hold">
+                      <p:stCondLst>
+                        <p:cond delay="indefinite"/>
+                      </p:stCondLst>
+                      <p:childTnLst>
+                        <p:par>
+                          <p:cTn fill="hold">
+                            <p:stCondLst>
+                              <p:cond delay="0"/>
+                            </p:stCondLst>
+                            <p:childTnLst>
                               <p:par>
-                                <p:cTn fill="hold" nodeType="withEffect" presetClass="entr" presetID="10" presetSubtype="0">
+                                <p:cTn fill="hold" nodeType="clickEffect" presetClass="entr" presetID="10" presetSubtype="0">
                                   <p:stCondLst>
                                     <p:cond delay="0"/>
                                   </p:stCondLst>
@@ -25293,7 +25147,7 @@
                                           </p:stCondLst>
                                         </p:cTn>
                                         <p:tgtEl>
-                                          <p:spTgt spid="114"/>
+                                          <p:spTgt spid="112"/>
                                         </p:tgtEl>
                                         <p:attrNameLst>
                                           <p:attrName>style.visibility</p:attrName>
@@ -25307,7 +25161,7 @@
                                       <p:cBhvr>
                                         <p:cTn dur="1000"/>
                                         <p:tgtEl>
-                                          <p:spTgt spid="114"/>
+                                          <p:spTgt spid="112"/>
                                         </p:tgtEl>
                                       </p:cBhvr>
                                     </p:animEffect>
@@ -25385,7 +25239,7 @@
   <p:cSld>
     <p:spTree>
       <p:nvGrpSpPr>
-        <p:cNvPr id="118" name="Shape 118"/>
+        <p:cNvPr id="117" name="Shape 117"/>
         <p:cNvGrpSpPr/>
         <p:nvPr/>
       </p:nvGrpSpPr>
@@ -25399,7 +25253,7 @@
       </p:grpSpPr>
       <p:sp>
         <p:nvSpPr>
-          <p:cNvPr id="119" name="Shape 119"/>
+          <p:cNvPr id="118" name="Shape 118"/>
           <p:cNvSpPr txBox="1"/>
           <p:nvPr>
             <p:ph idx="4294967295" type="body"/>
@@ -25474,7 +25328,7 @@
       </p:sp>
       <p:sp>
         <p:nvSpPr>
-          <p:cNvPr id="120" name="Shape 120"/>
+          <p:cNvPr id="119" name="Shape 119"/>
           <p:cNvSpPr txBox="1"/>
           <p:nvPr>
             <p:ph type="title"/>
@@ -25518,7 +25372,7 @@
       </p:sp>
       <p:sp>
         <p:nvSpPr>
-          <p:cNvPr id="121" name="Shape 121"/>
+          <p:cNvPr id="120" name="Shape 120"/>
           <p:cNvSpPr txBox="1"/>
           <p:nvPr>
             <p:ph idx="4294967295" type="body"/>
@@ -26119,7 +25973,7 @@
       </p:sp>
       <p:sp>
         <p:nvSpPr>
-          <p:cNvPr id="122" name="Shape 122"/>
+          <p:cNvPr id="121" name="Shape 121"/>
           <p:cNvSpPr txBox="1"/>
           <p:nvPr/>
         </p:nvSpPr>
@@ -26165,7 +26019,7 @@
     <a:masterClrMapping/>
   </p:clrMapOvr>
   <p:transition spd="slow">
-    <p:cut/>
+    <p:fade/>
   </p:transition>
   <p:timing>
     <p:tnLst>
@@ -26201,7 +26055,7 @@
                                           </p:stCondLst>
                                         </p:cTn>
                                         <p:tgtEl>
-                                          <p:spTgt spid="119">
+                                          <p:spTgt spid="118">
                                             <p:txEl>
                                               <p:pRg end="0" st="0"/>
                                             </p:txEl>
@@ -26219,7 +26073,7 @@
                                       <p:cBhvr>
                                         <p:cTn dur="1000"/>
                                         <p:tgtEl>
-                                          <p:spTgt spid="119">
+                                          <p:spTgt spid="118">
                                             <p:txEl>
                                               <p:pRg end="0" st="0"/>
                                             </p:txEl>
@@ -26262,7 +26116,7 @@
                                           </p:stCondLst>
                                         </p:cTn>
                                         <p:tgtEl>
-                                          <p:spTgt spid="119">
+                                          <p:spTgt spid="118">
                                             <p:txEl>
                                               <p:pRg end="1" st="1"/>
                                             </p:txEl>
@@ -26280,11 +26134,64 @@
                                       <p:cBhvr>
                                         <p:cTn dur="1000"/>
                                         <p:tgtEl>
-                                          <p:spTgt spid="119">
+                                          <p:spTgt spid="118">
                                             <p:txEl>
                                               <p:pRg end="1" st="1"/>
                                             </p:txEl>
                                           </p:spTgt>
+                                        </p:tgtEl>
+                                      </p:cBhvr>
+                                    </p:animEffect>
+                                  </p:childTnLst>
+                                </p:cTn>
+                              </p:par>
+                            </p:childTnLst>
+                          </p:cTn>
+                        </p:par>
+                      </p:childTnLst>
+                    </p:cTn>
+                  </p:par>
+                  <p:par>
+                    <p:cTn fill="hold">
+                      <p:stCondLst>
+                        <p:cond delay="indefinite"/>
+                      </p:stCondLst>
+                      <p:childTnLst>
+                        <p:par>
+                          <p:cTn fill="hold">
+                            <p:stCondLst>
+                              <p:cond delay="0"/>
+                            </p:stCondLst>
+                            <p:childTnLst>
+                              <p:par>
+                                <p:cTn fill="hold" nodeType="clickEffect" presetClass="entr" presetID="10" presetSubtype="0">
+                                  <p:stCondLst>
+                                    <p:cond delay="0"/>
+                                  </p:stCondLst>
+                                  <p:childTnLst>
+                                    <p:set>
+                                      <p:cBhvr>
+                                        <p:cTn dur="1" fill="hold">
+                                          <p:stCondLst>
+                                            <p:cond delay="0"/>
+                                          </p:stCondLst>
+                                        </p:cTn>
+                                        <p:tgtEl>
+                                          <p:spTgt spid="120"/>
+                                        </p:tgtEl>
+                                        <p:attrNameLst>
+                                          <p:attrName>style.visibility</p:attrName>
+                                        </p:attrNameLst>
+                                      </p:cBhvr>
+                                      <p:to>
+                                        <p:strVal val="visible"/>
+                                      </p:to>
+                                    </p:set>
+                                    <p:animEffect filter="fade" transition="in">
+                                      <p:cBhvr>
+                                        <p:cTn dur="1000"/>
+                                        <p:tgtEl>
+                                          <p:spTgt spid="120"/>
                                         </p:tgtEl>
                                       </p:cBhvr>
                                     </p:animEffect>
@@ -26350,59 +26257,6 @@
                       </p:childTnLst>
                     </p:cTn>
                   </p:par>
-                  <p:par>
-                    <p:cTn fill="hold">
-                      <p:stCondLst>
-                        <p:cond delay="indefinite"/>
-                      </p:stCondLst>
-                      <p:childTnLst>
-                        <p:par>
-                          <p:cTn fill="hold">
-                            <p:stCondLst>
-                              <p:cond delay="0"/>
-                            </p:stCondLst>
-                            <p:childTnLst>
-                              <p:par>
-                                <p:cTn fill="hold" nodeType="clickEffect" presetClass="entr" presetID="10" presetSubtype="0">
-                                  <p:stCondLst>
-                                    <p:cond delay="0"/>
-                                  </p:stCondLst>
-                                  <p:childTnLst>
-                                    <p:set>
-                                      <p:cBhvr>
-                                        <p:cTn dur="1" fill="hold">
-                                          <p:stCondLst>
-                                            <p:cond delay="0"/>
-                                          </p:stCondLst>
-                                        </p:cTn>
-                                        <p:tgtEl>
-                                          <p:spTgt spid="122"/>
-                                        </p:tgtEl>
-                                        <p:attrNameLst>
-                                          <p:attrName>style.visibility</p:attrName>
-                                        </p:attrNameLst>
-                                      </p:cBhvr>
-                                      <p:to>
-                                        <p:strVal val="visible"/>
-                                      </p:to>
-                                    </p:set>
-                                    <p:animEffect filter="fade" transition="in">
-                                      <p:cBhvr>
-                                        <p:cTn dur="1000"/>
-                                        <p:tgtEl>
-                                          <p:spTgt spid="122"/>
-                                        </p:tgtEl>
-                                      </p:cBhvr>
-                                    </p:animEffect>
-                                  </p:childTnLst>
-                                </p:cTn>
-                              </p:par>
-                            </p:childTnLst>
-                          </p:cTn>
-                        </p:par>
-                      </p:childTnLst>
-                    </p:cTn>
-                  </p:par>
                 </p:childTnLst>
               </p:cTn>
               <p:prevCondLst>
@@ -26433,7 +26287,7 @@
   <p:cSld>
     <p:spTree>
       <p:nvGrpSpPr>
-        <p:cNvPr id="126" name="Shape 126"/>
+        <p:cNvPr id="125" name="Shape 125"/>
         <p:cNvGrpSpPr/>
         <p:nvPr/>
       </p:nvGrpSpPr>
@@ -26447,7 +26301,7 @@
       </p:grpSpPr>
       <p:sp>
         <p:nvSpPr>
-          <p:cNvPr id="127" name="Shape 127"/>
+          <p:cNvPr id="126" name="Shape 126"/>
           <p:cNvSpPr txBox="1"/>
           <p:nvPr>
             <p:ph type="title"/>
@@ -26483,7 +26337,7 @@
       </p:sp>
       <p:pic>
         <p:nvPicPr>
-          <p:cNvPr id="128" name="Shape 128"/>
+          <p:cNvPr id="127" name="Shape 127"/>
           <p:cNvPicPr preferRelativeResize="0"/>
           <p:nvPr/>
         </p:nvPicPr>
@@ -26511,7 +26365,7 @@
       </p:pic>
       <p:sp>
         <p:nvSpPr>
-          <p:cNvPr id="129" name="Shape 129"/>
+          <p:cNvPr id="128" name="Shape 128"/>
           <p:cNvSpPr/>
           <p:nvPr/>
         </p:nvSpPr>
@@ -26559,7 +26413,7 @@
       </p:sp>
       <p:sp>
         <p:nvSpPr>
-          <p:cNvPr id="130" name="Shape 130"/>
+          <p:cNvPr id="129" name="Shape 129"/>
           <p:cNvSpPr/>
           <p:nvPr/>
         </p:nvSpPr>
@@ -26607,7 +26461,7 @@
       </p:sp>
       <p:sp>
         <p:nvSpPr>
-          <p:cNvPr id="131" name="Shape 131"/>
+          <p:cNvPr id="130" name="Shape 130"/>
           <p:cNvSpPr/>
           <p:nvPr/>
         </p:nvSpPr>
@@ -26655,7 +26509,7 @@
       </p:sp>
       <p:sp>
         <p:nvSpPr>
-          <p:cNvPr id="132" name="Shape 132"/>
+          <p:cNvPr id="131" name="Shape 131"/>
           <p:cNvSpPr/>
           <p:nvPr/>
         </p:nvSpPr>
@@ -26701,7 +26555,7 @@
       </p:sp>
       <p:sp>
         <p:nvSpPr>
-          <p:cNvPr id="133" name="Shape 133"/>
+          <p:cNvPr id="132" name="Shape 132"/>
           <p:cNvSpPr/>
           <p:nvPr/>
         </p:nvSpPr>
@@ -26747,7 +26601,7 @@
       </p:sp>
       <p:sp>
         <p:nvSpPr>
-          <p:cNvPr id="134" name="Shape 134"/>
+          <p:cNvPr id="133" name="Shape 133"/>
           <p:cNvSpPr txBox="1"/>
           <p:nvPr/>
         </p:nvSpPr>
@@ -26771,6 +26625,44 @@
           <a:lstStyle/>
           <a:p>
             <a:pPr lvl="0">
+              <a:spcBef>
+                <a:spcPts val="0"/>
+              </a:spcBef>
+              <a:buNone/>
+            </a:pPr>
+            <a:r>
+              <a:rPr lang="en"/>
+              <a:t>X</a:t>
+            </a:r>
+          </a:p>
+        </p:txBody>
+      </p:sp>
+      <p:sp>
+        <p:nvSpPr>
+          <p:cNvPr id="134" name="Shape 134"/>
+          <p:cNvSpPr txBox="1"/>
+          <p:nvPr/>
+        </p:nvSpPr>
+        <p:spPr>
+          <a:xfrm>
+            <a:off x="3812175" y="4400994"/>
+            <a:ext cx="502800" cy="366300"/>
+          </a:xfrm>
+          <a:prstGeom prst="rect">
+            <a:avLst/>
+          </a:prstGeom>
+          <a:noFill/>
+          <a:ln>
+            <a:noFill/>
+          </a:ln>
+        </p:spPr>
+        <p:txBody>
+          <a:bodyPr anchorCtr="0" anchor="t" bIns="91425" lIns="91425" rIns="91425" tIns="91425">
+            <a:noAutofit/>
+          </a:bodyPr>
+          <a:lstStyle/>
+          <a:p>
+            <a:pPr lvl="0" rtl="0">
               <a:spcBef>
                 <a:spcPts val="0"/>
               </a:spcBef>
@@ -26791,7 +26683,7 @@
         </p:nvSpPr>
         <p:spPr>
           <a:xfrm>
-            <a:off x="3812175" y="4400994"/>
+            <a:off x="6168500" y="4400994"/>
             <a:ext cx="502800" cy="366300"/>
           </a:xfrm>
           <a:prstGeom prst="rect">
@@ -26829,7 +26721,7 @@
         </p:nvSpPr>
         <p:spPr>
           <a:xfrm>
-            <a:off x="6168500" y="4400994"/>
+            <a:off x="255000" y="3285269"/>
             <a:ext cx="502800" cy="366300"/>
           </a:xfrm>
           <a:prstGeom prst="rect">
@@ -26854,7 +26746,7 @@
             </a:pPr>
             <a:r>
               <a:rPr lang="en"/>
-              <a:t>X</a:t>
+              <a:t>Y</a:t>
             </a:r>
           </a:p>
         </p:txBody>
@@ -26867,44 +26759,6 @@
         </p:nvSpPr>
         <p:spPr>
           <a:xfrm>
-            <a:off x="255000" y="3285269"/>
-            <a:ext cx="502800" cy="366300"/>
-          </a:xfrm>
-          <a:prstGeom prst="rect">
-            <a:avLst/>
-          </a:prstGeom>
-          <a:noFill/>
-          <a:ln>
-            <a:noFill/>
-          </a:ln>
-        </p:spPr>
-        <p:txBody>
-          <a:bodyPr anchorCtr="0" anchor="t" bIns="91425" lIns="91425" rIns="91425" tIns="91425">
-            <a:noAutofit/>
-          </a:bodyPr>
-          <a:lstStyle/>
-          <a:p>
-            <a:pPr lvl="0" rtl="0">
-              <a:spcBef>
-                <a:spcPts val="0"/>
-              </a:spcBef>
-              <a:buNone/>
-            </a:pPr>
-            <a:r>
-              <a:rPr lang="en"/>
-              <a:t>Y</a:t>
-            </a:r>
-          </a:p>
-        </p:txBody>
-      </p:sp>
-      <p:sp>
-        <p:nvSpPr>
-          <p:cNvPr id="138" name="Shape 138"/>
-          <p:cNvSpPr txBox="1"/>
-          <p:nvPr/>
-        </p:nvSpPr>
-        <p:spPr>
-          <a:xfrm>
             <a:off x="7726950" y="2010650"/>
             <a:ext cx="1274100" cy="2797800"/>
           </a:xfrm>
@@ -27057,7 +26911,7 @@
     <a:masterClrMapping/>
   </p:clrMapOvr>
   <p:transition spd="slow">
-    <p:cut/>
+    <p:fade/>
   </p:transition>
   <p:timing>
     <p:tnLst>
@@ -27067,6 +26921,59 @@
             <p:seq concurrent="1" nextAc="seek">
               <p:cTn dur="indefinite" id="2" nodeType="mainSeq">
                 <p:childTnLst>
+                  <p:par>
+                    <p:cTn fill="hold">
+                      <p:stCondLst>
+                        <p:cond delay="indefinite"/>
+                      </p:stCondLst>
+                      <p:childTnLst>
+                        <p:par>
+                          <p:cTn fill="hold">
+                            <p:stCondLst>
+                              <p:cond delay="0"/>
+                            </p:stCondLst>
+                            <p:childTnLst>
+                              <p:par>
+                                <p:cTn fill="hold" nodeType="clickEffect" presetClass="entr" presetID="10" presetSubtype="0">
+                                  <p:stCondLst>
+                                    <p:cond delay="0"/>
+                                  </p:stCondLst>
+                                  <p:childTnLst>
+                                    <p:set>
+                                      <p:cBhvr>
+                                        <p:cTn dur="1" fill="hold">
+                                          <p:stCondLst>
+                                            <p:cond delay="0"/>
+                                          </p:stCondLst>
+                                        </p:cTn>
+                                        <p:tgtEl>
+                                          <p:spTgt spid="128"/>
+                                        </p:tgtEl>
+                                        <p:attrNameLst>
+                                          <p:attrName>style.visibility</p:attrName>
+                                        </p:attrNameLst>
+                                      </p:cBhvr>
+                                      <p:to>
+                                        <p:strVal val="visible"/>
+                                      </p:to>
+                                    </p:set>
+                                    <p:animEffect filter="fade" transition="in">
+                                      <p:cBhvr>
+                                        <p:cTn dur="1000"/>
+                                        <p:tgtEl>
+                                          <p:spTgt spid="128"/>
+                                        </p:tgtEl>
+                                      </p:cBhvr>
+                                    </p:animEffect>
+                                  </p:childTnLst>
+                                </p:cTn>
+                              </p:par>
+                            </p:childTnLst>
+                          </p:cTn>
+                        </p:par>
+                      </p:childTnLst>
+                    </p:cTn>
+                  </p:par>
                   <p:par>
                     <p:cTn fill="hold">
                       <p:stCondLst>
@@ -27199,60 +27106,7 @@
                                           </p:stCondLst>
                                         </p:cTn>
                                         <p:tgtEl>
-                                          <p:spTgt spid="131"/>
-                                        </p:tgtEl>
-                                        <p:attrNameLst>
-                                          <p:attrName>style.visibility</p:attrName>
-                                        </p:attrNameLst>
-                                      </p:cBhvr>
-                                      <p:to>
-                                        <p:strVal val="visible"/>
-                                      </p:to>
-                                    </p:set>
-                                    <p:animEffect filter="fade" transition="in">
-                                      <p:cBhvr>
-                                        <p:cTn dur="1000"/>
-                                        <p:tgtEl>
-                                          <p:spTgt spid="131"/>
-                                        </p:tgtEl>
-                                      </p:cBhvr>
-                                    </p:animEffect>
-                                  </p:childTnLst>
-                                </p:cTn>
-                              </p:par>
-                            </p:childTnLst>
-                          </p:cTn>
-                        </p:par>
-                      </p:childTnLst>
-                    </p:cTn>
-                  </p:par>
-                  <p:par>
-                    <p:cTn fill="hold">
-                      <p:stCondLst>
-                        <p:cond delay="indefinite"/>
-                      </p:stCondLst>
-                      <p:childTnLst>
-                        <p:par>
-                          <p:cTn fill="hold">
-                            <p:stCondLst>
-                              <p:cond delay="0"/>
-                            </p:stCondLst>
-                            <p:childTnLst>
-                              <p:par>
-                                <p:cTn fill="hold" nodeType="clickEffect" presetClass="entr" presetID="10" presetSubtype="0">
-                                  <p:stCondLst>
-                                    <p:cond delay="0"/>
-                                  </p:stCondLst>
-                                  <p:childTnLst>
-                                    <p:set>
-                                      <p:cBhvr>
-                                        <p:cTn dur="1" fill="hold">
-                                          <p:stCondLst>
-                                            <p:cond delay="0"/>
-                                          </p:stCondLst>
-                                        </p:cTn>
-                                        <p:tgtEl>
-                                          <p:spTgt spid="138">
+                                          <p:spTgt spid="137">
                                             <p:txEl>
                                               <p:pRg end="0" st="0"/>
                                             </p:txEl>
@@ -27270,7 +27124,7 @@
                                       <p:cBhvr>
                                         <p:cTn dur="1000"/>
                                         <p:tgtEl>
-                                          <p:spTgt spid="138">
+                                          <p:spTgt spid="137">
                                             <p:txEl>
                                               <p:pRg end="0" st="0"/>
                                             </p:txEl>
@@ -27313,7 +27167,7 @@
                                           </p:stCondLst>
                                         </p:cTn>
                                         <p:tgtEl>
-                                          <p:spTgt spid="138">
+                                          <p:spTgt spid="137">
                                             <p:txEl>
                                               <p:pRg end="1" st="1"/>
                                             </p:txEl>
@@ -27331,7 +27185,7 @@
                                       <p:cBhvr>
                                         <p:cTn dur="1000"/>
                                         <p:tgtEl>
-                                          <p:spTgt spid="138">
+                                          <p:spTgt spid="137">
                                             <p:txEl>
                                               <p:pRg end="1" st="1"/>
                                             </p:txEl>
@@ -27374,7 +27228,7 @@
                                           </p:stCondLst>
                                         </p:cTn>
                                         <p:tgtEl>
-                                          <p:spTgt spid="138">
+                                          <p:spTgt spid="137">
                                             <p:txEl>
                                               <p:pRg end="2" st="2"/>
                                             </p:txEl>
@@ -27392,7 +27246,7 @@
                                       <p:cBhvr>
                                         <p:cTn dur="1000"/>
                                         <p:tgtEl>
-                                          <p:spTgt spid="138">
+                                          <p:spTgt spid="137">
                                             <p:txEl>
                                               <p:pRg end="2" st="2"/>
                                             </p:txEl>
@@ -27435,7 +27289,7 @@
                                           </p:stCondLst>
                                         </p:cTn>
                                         <p:tgtEl>
-                                          <p:spTgt spid="138">
+                                          <p:spTgt spid="137">
                                             <p:txEl>
                                               <p:pRg end="3" st="3"/>
                                             </p:txEl>
@@ -27453,7 +27307,7 @@
                                       <p:cBhvr>
                                         <p:cTn dur="1000"/>
                                         <p:tgtEl>
-                                          <p:spTgt spid="138">
+                                          <p:spTgt spid="137">
                                             <p:txEl>
                                               <p:pRg end="3" st="3"/>
                                             </p:txEl>
@@ -27496,7 +27350,7 @@
                                           </p:stCondLst>
                                         </p:cTn>
                                         <p:tgtEl>
-                                          <p:spTgt spid="138">
+                                          <p:spTgt spid="137">
                                             <p:txEl>
                                               <p:pRg end="4" st="4"/>
                                             </p:txEl>
@@ -27514,7 +27368,7 @@
                                       <p:cBhvr>
                                         <p:cTn dur="1000"/>
                                         <p:tgtEl>
-                                          <p:spTgt spid="138">
+                                          <p:spTgt spid="137">
                                             <p:txEl>
                                               <p:pRg end="4" st="4"/>
                                             </p:txEl>
@@ -27561,7 +27415,7 @@
   <p:cSld>
     <p:spTree>
       <p:nvGrpSpPr>
-        <p:cNvPr id="142" name="Shape 142"/>
+        <p:cNvPr id="141" name="Shape 141"/>
         <p:cNvGrpSpPr/>
         <p:nvPr/>
       </p:nvGrpSpPr>
@@ -27575,7 +27429,7 @@
       </p:grpSpPr>
       <p:sp>
         <p:nvSpPr>
-          <p:cNvPr id="143" name="Shape 143"/>
+          <p:cNvPr id="142" name="Shape 142"/>
           <p:cNvSpPr txBox="1"/>
           <p:nvPr>
             <p:ph idx="1" type="body"/>
@@ -27640,7 +27494,7 @@
                   <a:srgbClr val="CC4125"/>
                 </a:solidFill>
               </a:rPr>
-              <a:t>→ What should we do if our model underfits the data?</a:t>
+              <a:t>→ What should we do if our model underfits the data? (assume using lin. reg.)</a:t>
             </a:r>
           </a:p>
           <a:p>
@@ -27688,14 +27542,14 @@
                   <a:srgbClr val="CC4125"/>
                 </a:solidFill>
               </a:rPr>
-              <a:t>→ What should we do if our model overfits the data?</a:t>
+              <a:t>→ What should we do if our model overfits the data? (harder… any guesses?)</a:t>
             </a:r>
           </a:p>
         </p:txBody>
       </p:sp>
       <p:sp>
         <p:nvSpPr>
-          <p:cNvPr id="144" name="Shape 144"/>
+          <p:cNvPr id="143" name="Shape 143"/>
           <p:cNvSpPr txBox="1"/>
           <p:nvPr>
             <p:ph type="title"/>
@@ -27735,7 +27589,7 @@
     <a:masterClrMapping/>
   </p:clrMapOvr>
   <p:transition spd="slow">
-    <p:cut/>
+    <p:fade/>
   </p:transition>
   <p:timing>
     <p:tnLst>
@@ -27771,7 +27625,7 @@
                                           </p:stCondLst>
                                         </p:cTn>
                                         <p:tgtEl>
-                                          <p:spTgt spid="143">
+                                          <p:spTgt spid="142">
                                             <p:txEl>
                                               <p:pRg end="0" st="0"/>
                                             </p:txEl>
@@ -27789,7 +27643,7 @@
                                       <p:cBhvr>
                                         <p:cTn dur="1000"/>
                                         <p:tgtEl>
-                                          <p:spTgt spid="143">
+                                          <p:spTgt spid="142">
                                             <p:txEl>
                                               <p:pRg end="0" st="0"/>
                                             </p:txEl>
@@ -27832,7 +27686,7 @@
                                           </p:stCondLst>
                                         </p:cTn>
                                         <p:tgtEl>
-                                          <p:spTgt spid="143">
+                                          <p:spTgt spid="142">
                                             <p:txEl>
                                               <p:pRg end="1" st="1"/>
                                             </p:txEl>
@@ -27850,7 +27704,7 @@
                                       <p:cBhvr>
                                         <p:cTn dur="1000"/>
                                         <p:tgtEl>
-                                          <p:spTgt spid="143">
+                                          <p:spTgt spid="142">
                                             <p:txEl>
                                               <p:pRg end="1" st="1"/>
                                             </p:txEl>
@@ -27893,7 +27747,7 @@
                                           </p:stCondLst>
                                         </p:cTn>
                                         <p:tgtEl>
-                                          <p:spTgt spid="143">
+                                          <p:spTgt spid="142">
                                             <p:txEl>
                                               <p:pRg end="2" st="2"/>
                                             </p:txEl>
@@ -27911,7 +27765,7 @@
                                       <p:cBhvr>
                                         <p:cTn dur="1000"/>
                                         <p:tgtEl>
-                                          <p:spTgt spid="143">
+                                          <p:spTgt spid="142">
                                             <p:txEl>
                                               <p:pRg end="2" st="2"/>
                                             </p:txEl>
@@ -27954,7 +27808,7 @@
                                           </p:stCondLst>
                                         </p:cTn>
                                         <p:tgtEl>
-                                          <p:spTgt spid="143">
+                                          <p:spTgt spid="142">
                                             <p:txEl>
                                               <p:pRg end="3" st="3"/>
                                             </p:txEl>
@@ -27972,7 +27826,7 @@
                                       <p:cBhvr>
                                         <p:cTn dur="1000"/>
                                         <p:tgtEl>
-                                          <p:spTgt spid="143">
+                                          <p:spTgt spid="142">
                                             <p:txEl>
                                               <p:pRg end="3" st="3"/>
                                             </p:txEl>
@@ -28019,7 +27873,7 @@
   <p:cSld>
     <p:spTree>
       <p:nvGrpSpPr>
-        <p:cNvPr id="148" name="Shape 148"/>
+        <p:cNvPr id="147" name="Shape 147"/>
         <p:cNvGrpSpPr/>
         <p:nvPr/>
       </p:nvGrpSpPr>
@@ -28033,7 +27887,7 @@
       </p:grpSpPr>
       <p:sp>
         <p:nvSpPr>
-          <p:cNvPr id="149" name="Shape 149"/>
+          <p:cNvPr id="148" name="Shape 148"/>
           <p:cNvSpPr txBox="1"/>
           <p:nvPr>
             <p:ph type="title"/>
@@ -28069,7 +27923,7 @@
       </p:sp>
       <p:pic>
         <p:nvPicPr>
-          <p:cNvPr id="150" name="Shape 150"/>
+          <p:cNvPr id="149" name="Shape 149"/>
           <p:cNvPicPr preferRelativeResize="0"/>
           <p:nvPr/>
         </p:nvPicPr>
@@ -28097,14 +27951,14 @@
       </p:pic>
       <p:sp>
         <p:nvSpPr>
-          <p:cNvPr id="151" name="Shape 151"/>
+          <p:cNvPr id="150" name="Shape 150"/>
           <p:cNvSpPr txBox="1"/>
           <p:nvPr/>
         </p:nvSpPr>
         <p:spPr>
           <a:xfrm>
             <a:off x="280575" y="1776850"/>
-            <a:ext cx="4266900" cy="3214800"/>
+            <a:ext cx="4843500" cy="3214800"/>
           </a:xfrm>
           <a:prstGeom prst="rect">
             <a:avLst/>
@@ -28132,7 +27986,15 @@
                   <a:srgbClr val="666666"/>
                 </a:solidFill>
               </a:rPr>
-              <a:t>Boardwork…</a:t>
+              <a:t>Boardwork… </a:t>
+            </a:r>
+            <a:r>
+              <a:rPr lang="en" sz="2000">
+                <a:solidFill>
+                  <a:srgbClr val="666666"/>
+                </a:solidFill>
+              </a:rPr>
+              <a:t>build intuition...</a:t>
             </a:r>
           </a:p>
           <a:p>
@@ -28239,396 +28101,8 @@
     <a:masterClrMapping/>
   </p:clrMapOvr>
   <p:transition spd="slow">
-    <p:cut/>
+    <p:fade/>
   </p:transition>
-  <p:timing>
-    <p:tnLst>
-      <p:par>
-        <p:cTn dur="indefinite" nodeType="tmRoot" restart="never">
-          <p:childTnLst>
-            <p:seq concurrent="1" nextAc="seek">
-              <p:cTn dur="indefinite" id="2" nodeType="mainSeq">
-                <p:childTnLst>
-                  <p:par>
-                    <p:cTn fill="hold">
-                      <p:stCondLst>
-                        <p:cond delay="indefinite"/>
-                      </p:stCondLst>
-                      <p:childTnLst>
-                        <p:par>
-                          <p:cTn fill="hold">
-                            <p:stCondLst>
-                              <p:cond delay="0"/>
-                            </p:stCondLst>
-                            <p:childTnLst>
-                              <p:par>
-                                <p:cTn fill="hold" nodeType="clickEffect" presetClass="entr" presetID="10" presetSubtype="0">
-                                  <p:stCondLst>
-                                    <p:cond delay="0"/>
-                                  </p:stCondLst>
-                                  <p:childTnLst>
-                                    <p:set>
-                                      <p:cBhvr>
-                                        <p:cTn dur="1" fill="hold">
-                                          <p:stCondLst>
-                                            <p:cond delay="0"/>
-                                          </p:stCondLst>
-                                        </p:cTn>
-                                        <p:tgtEl>
-                                          <p:spTgt spid="151">
-                                            <p:txEl>
-                                              <p:pRg end="0" st="0"/>
-                                            </p:txEl>
-                                          </p:spTgt>
-                                        </p:tgtEl>
-                                        <p:attrNameLst>
-                                          <p:attrName>style.visibility</p:attrName>
-                                        </p:attrNameLst>
-                                      </p:cBhvr>
-                                      <p:to>
-                                        <p:strVal val="visible"/>
-                                      </p:to>
-                                    </p:set>
-                                    <p:animEffect filter="fade" transition="in">
-                                      <p:cBhvr>
-                                        <p:cTn dur="1000"/>
-                                        <p:tgtEl>
-                                          <p:spTgt spid="151">
-                                            <p:txEl>
-                                              <p:pRg end="0" st="0"/>
-                                            </p:txEl>
-                                          </p:spTgt>
-                                        </p:tgtEl>
-                                      </p:cBhvr>
-                                    </p:animEffect>
-                                  </p:childTnLst>
-                                </p:cTn>
-                              </p:par>
-                            </p:childTnLst>
-                          </p:cTn>
-                        </p:par>
-                      </p:childTnLst>
-                    </p:cTn>
-                  </p:par>
-                  <p:par>
-                    <p:cTn fill="hold">
-                      <p:stCondLst>
-                        <p:cond delay="indefinite"/>
-                      </p:stCondLst>
-                      <p:childTnLst>
-                        <p:par>
-                          <p:cTn fill="hold">
-                            <p:stCondLst>
-                              <p:cond delay="0"/>
-                            </p:stCondLst>
-                            <p:childTnLst>
-                              <p:par>
-                                <p:cTn fill="hold" nodeType="clickEffect" presetClass="entr" presetID="10" presetSubtype="0">
-                                  <p:stCondLst>
-                                    <p:cond delay="0"/>
-                                  </p:stCondLst>
-                                  <p:childTnLst>
-                                    <p:set>
-                                      <p:cBhvr>
-                                        <p:cTn dur="1" fill="hold">
-                                          <p:stCondLst>
-                                            <p:cond delay="0"/>
-                                          </p:stCondLst>
-                                        </p:cTn>
-                                        <p:tgtEl>
-                                          <p:spTgt spid="151">
-                                            <p:txEl>
-                                              <p:pRg end="1" st="1"/>
-                                            </p:txEl>
-                                          </p:spTgt>
-                                        </p:tgtEl>
-                                        <p:attrNameLst>
-                                          <p:attrName>style.visibility</p:attrName>
-                                        </p:attrNameLst>
-                                      </p:cBhvr>
-                                      <p:to>
-                                        <p:strVal val="visible"/>
-                                      </p:to>
-                                    </p:set>
-                                    <p:animEffect filter="fade" transition="in">
-                                      <p:cBhvr>
-                                        <p:cTn dur="1000"/>
-                                        <p:tgtEl>
-                                          <p:spTgt spid="151">
-                                            <p:txEl>
-                                              <p:pRg end="1" st="1"/>
-                                            </p:txEl>
-                                          </p:spTgt>
-                                        </p:tgtEl>
-                                      </p:cBhvr>
-                                    </p:animEffect>
-                                  </p:childTnLst>
-                                </p:cTn>
-                              </p:par>
-                            </p:childTnLst>
-                          </p:cTn>
-                        </p:par>
-                      </p:childTnLst>
-                    </p:cTn>
-                  </p:par>
-                  <p:par>
-                    <p:cTn fill="hold">
-                      <p:stCondLst>
-                        <p:cond delay="indefinite"/>
-                      </p:stCondLst>
-                      <p:childTnLst>
-                        <p:par>
-                          <p:cTn fill="hold">
-                            <p:stCondLst>
-                              <p:cond delay="0"/>
-                            </p:stCondLst>
-                            <p:childTnLst>
-                              <p:par>
-                                <p:cTn fill="hold" nodeType="clickEffect" presetClass="entr" presetID="10" presetSubtype="0">
-                                  <p:stCondLst>
-                                    <p:cond delay="0"/>
-                                  </p:stCondLst>
-                                  <p:childTnLst>
-                                    <p:set>
-                                      <p:cBhvr>
-                                        <p:cTn dur="1" fill="hold">
-                                          <p:stCondLst>
-                                            <p:cond delay="0"/>
-                                          </p:stCondLst>
-                                        </p:cTn>
-                                        <p:tgtEl>
-                                          <p:spTgt spid="151">
-                                            <p:txEl>
-                                              <p:pRg end="2" st="2"/>
-                                            </p:txEl>
-                                          </p:spTgt>
-                                        </p:tgtEl>
-                                        <p:attrNameLst>
-                                          <p:attrName>style.visibility</p:attrName>
-                                        </p:attrNameLst>
-                                      </p:cBhvr>
-                                      <p:to>
-                                        <p:strVal val="visible"/>
-                                      </p:to>
-                                    </p:set>
-                                    <p:animEffect filter="fade" transition="in">
-                                      <p:cBhvr>
-                                        <p:cTn dur="1000"/>
-                                        <p:tgtEl>
-                                          <p:spTgt spid="151">
-                                            <p:txEl>
-                                              <p:pRg end="2" st="2"/>
-                                            </p:txEl>
-                                          </p:spTgt>
-                                        </p:tgtEl>
-                                      </p:cBhvr>
-                                    </p:animEffect>
-                                  </p:childTnLst>
-                                </p:cTn>
-                              </p:par>
-                            </p:childTnLst>
-                          </p:cTn>
-                        </p:par>
-                      </p:childTnLst>
-                    </p:cTn>
-                  </p:par>
-                  <p:par>
-                    <p:cTn fill="hold">
-                      <p:stCondLst>
-                        <p:cond delay="indefinite"/>
-                      </p:stCondLst>
-                      <p:childTnLst>
-                        <p:par>
-                          <p:cTn fill="hold">
-                            <p:stCondLst>
-                              <p:cond delay="0"/>
-                            </p:stCondLst>
-                            <p:childTnLst>
-                              <p:par>
-                                <p:cTn fill="hold" nodeType="clickEffect" presetClass="entr" presetID="10" presetSubtype="0">
-                                  <p:stCondLst>
-                                    <p:cond delay="0"/>
-                                  </p:stCondLst>
-                                  <p:childTnLst>
-                                    <p:set>
-                                      <p:cBhvr>
-                                        <p:cTn dur="1" fill="hold">
-                                          <p:stCondLst>
-                                            <p:cond delay="0"/>
-                                          </p:stCondLst>
-                                        </p:cTn>
-                                        <p:tgtEl>
-                                          <p:spTgt spid="151">
-                                            <p:txEl>
-                                              <p:pRg end="3" st="3"/>
-                                            </p:txEl>
-                                          </p:spTgt>
-                                        </p:tgtEl>
-                                        <p:attrNameLst>
-                                          <p:attrName>style.visibility</p:attrName>
-                                        </p:attrNameLst>
-                                      </p:cBhvr>
-                                      <p:to>
-                                        <p:strVal val="visible"/>
-                                      </p:to>
-                                    </p:set>
-                                    <p:animEffect filter="fade" transition="in">
-                                      <p:cBhvr>
-                                        <p:cTn dur="1000"/>
-                                        <p:tgtEl>
-                                          <p:spTgt spid="151">
-                                            <p:txEl>
-                                              <p:pRg end="3" st="3"/>
-                                            </p:txEl>
-                                          </p:spTgt>
-                                        </p:tgtEl>
-                                      </p:cBhvr>
-                                    </p:animEffect>
-                                  </p:childTnLst>
-                                </p:cTn>
-                              </p:par>
-                            </p:childTnLst>
-                          </p:cTn>
-                        </p:par>
-                      </p:childTnLst>
-                    </p:cTn>
-                  </p:par>
-                  <p:par>
-                    <p:cTn fill="hold">
-                      <p:stCondLst>
-                        <p:cond delay="indefinite"/>
-                      </p:stCondLst>
-                      <p:childTnLst>
-                        <p:par>
-                          <p:cTn fill="hold">
-                            <p:stCondLst>
-                              <p:cond delay="0"/>
-                            </p:stCondLst>
-                            <p:childTnLst>
-                              <p:par>
-                                <p:cTn fill="hold" nodeType="clickEffect" presetClass="entr" presetID="10" presetSubtype="0">
-                                  <p:stCondLst>
-                                    <p:cond delay="0"/>
-                                  </p:stCondLst>
-                                  <p:childTnLst>
-                                    <p:set>
-                                      <p:cBhvr>
-                                        <p:cTn dur="1" fill="hold">
-                                          <p:stCondLst>
-                                            <p:cond delay="0"/>
-                                          </p:stCondLst>
-                                        </p:cTn>
-                                        <p:tgtEl>
-                                          <p:spTgt spid="151">
-                                            <p:txEl>
-                                              <p:pRg end="4" st="4"/>
-                                            </p:txEl>
-                                          </p:spTgt>
-                                        </p:tgtEl>
-                                        <p:attrNameLst>
-                                          <p:attrName>style.visibility</p:attrName>
-                                        </p:attrNameLst>
-                                      </p:cBhvr>
-                                      <p:to>
-                                        <p:strVal val="visible"/>
-                                      </p:to>
-                                    </p:set>
-                                    <p:animEffect filter="fade" transition="in">
-                                      <p:cBhvr>
-                                        <p:cTn dur="1000"/>
-                                        <p:tgtEl>
-                                          <p:spTgt spid="151">
-                                            <p:txEl>
-                                              <p:pRg end="4" st="4"/>
-                                            </p:txEl>
-                                          </p:spTgt>
-                                        </p:tgtEl>
-                                      </p:cBhvr>
-                                    </p:animEffect>
-                                  </p:childTnLst>
-                                </p:cTn>
-                              </p:par>
-                            </p:childTnLst>
-                          </p:cTn>
-                        </p:par>
-                      </p:childTnLst>
-                    </p:cTn>
-                  </p:par>
-                  <p:par>
-                    <p:cTn fill="hold">
-                      <p:stCondLst>
-                        <p:cond delay="indefinite"/>
-                      </p:stCondLst>
-                      <p:childTnLst>
-                        <p:par>
-                          <p:cTn fill="hold">
-                            <p:stCondLst>
-                              <p:cond delay="0"/>
-                            </p:stCondLst>
-                            <p:childTnLst>
-                              <p:par>
-                                <p:cTn fill="hold" nodeType="clickEffect" presetClass="entr" presetID="10" presetSubtype="0">
-                                  <p:stCondLst>
-                                    <p:cond delay="0"/>
-                                  </p:stCondLst>
-                                  <p:childTnLst>
-                                    <p:set>
-                                      <p:cBhvr>
-                                        <p:cTn dur="1" fill="hold">
-                                          <p:stCondLst>
-                                            <p:cond delay="0"/>
-                                          </p:stCondLst>
-                                        </p:cTn>
-                                        <p:tgtEl>
-                                          <p:spTgt spid="150"/>
-                                        </p:tgtEl>
-                                        <p:attrNameLst>
-                                          <p:attrName>style.visibility</p:attrName>
-                                        </p:attrNameLst>
-                                      </p:cBhvr>
-                                      <p:to>
-                                        <p:strVal val="visible"/>
-                                      </p:to>
-                                    </p:set>
-                                    <p:animEffect filter="fade" transition="in">
-                                      <p:cBhvr>
-                                        <p:cTn dur="1000"/>
-                                        <p:tgtEl>
-                                          <p:spTgt spid="150"/>
-                                        </p:tgtEl>
-                                      </p:cBhvr>
-                                    </p:animEffect>
-                                  </p:childTnLst>
-                                </p:cTn>
-                              </p:par>
-                            </p:childTnLst>
-                          </p:cTn>
-                        </p:par>
-                      </p:childTnLst>
-                    </p:cTn>
-                  </p:par>
-                </p:childTnLst>
-              </p:cTn>
-              <p:prevCondLst>
-                <p:cond evt="onPrev">
-                  <p:tgtEl>
-                    <p:sldTgt/>
-                  </p:tgtEl>
-                </p:cond>
-              </p:prevCondLst>
-              <p:nextCondLst>
-                <p:cond evt="onNext">
-                  <p:tgtEl>
-                    <p:sldTgt/>
-                  </p:tgtEl>
-                </p:cond>
-              </p:nextCondLst>
-            </p:seq>
-          </p:childTnLst>
-        </p:cTn>
-      </p:par>
-    </p:tnLst>
-  </p:timing>
 </p:sld>
 </file>
 
